--- a/Samsung/Lesson3/Operation.pptx
+++ b/Samsung/Lesson3/Operation.pptx
@@ -5,25 +5,33 @@
     <p:sldMasterId id="2147483840" r:id="rId4"/>
   </p:sldMasterIdLst>
   <p:notesMasterIdLst>
-    <p:notesMasterId r:id="rId18"/>
+    <p:notesMasterId r:id="rId26"/>
   </p:notesMasterIdLst>
   <p:handoutMasterIdLst>
-    <p:handoutMasterId r:id="rId19"/>
+    <p:handoutMasterId r:id="rId27"/>
   </p:handoutMasterIdLst>
   <p:sldIdLst>
     <p:sldId id="256" r:id="rId5"/>
-    <p:sldId id="257" r:id="rId6"/>
-    <p:sldId id="275" r:id="rId7"/>
-    <p:sldId id="265" r:id="rId8"/>
-    <p:sldId id="268" r:id="rId9"/>
-    <p:sldId id="267" r:id="rId10"/>
-    <p:sldId id="270" r:id="rId11"/>
-    <p:sldId id="274" r:id="rId12"/>
-    <p:sldId id="271" r:id="rId13"/>
-    <p:sldId id="262" r:id="rId14"/>
-    <p:sldId id="272" r:id="rId15"/>
-    <p:sldId id="264" r:id="rId16"/>
-    <p:sldId id="273" r:id="rId17"/>
+    <p:sldId id="296" r:id="rId6"/>
+    <p:sldId id="295" r:id="rId7"/>
+    <p:sldId id="309" r:id="rId8"/>
+    <p:sldId id="303" r:id="rId9"/>
+    <p:sldId id="308" r:id="rId10"/>
+    <p:sldId id="310" r:id="rId11"/>
+    <p:sldId id="311" r:id="rId12"/>
+    <p:sldId id="312" r:id="rId13"/>
+    <p:sldId id="313" r:id="rId14"/>
+    <p:sldId id="275" r:id="rId15"/>
+    <p:sldId id="265" r:id="rId16"/>
+    <p:sldId id="268" r:id="rId17"/>
+    <p:sldId id="267" r:id="rId18"/>
+    <p:sldId id="270" r:id="rId19"/>
+    <p:sldId id="274" r:id="rId20"/>
+    <p:sldId id="271" r:id="rId21"/>
+    <p:sldId id="262" r:id="rId22"/>
+    <p:sldId id="272" r:id="rId23"/>
+    <p:sldId id="264" r:id="rId24"/>
+    <p:sldId id="273" r:id="rId25"/>
   </p:sldIdLst>
   <p:sldSz cx="12192000" cy="6858000"/>
   <p:notesSz cx="6858000" cy="9144000"/>
@@ -3089,7 +3097,7 @@
             <a:pPr rtl="0"/>
             <a:fld id="{7F37960E-1F7C-41B1-9A2B-96C83E797D56}" type="datetime1">
               <a:rPr lang="ru-RU" smtClean="0"/>
-              <a:t>22.09.2020</a:t>
+              <a:t>24.09.2020</a:t>
             </a:fld>
             <a:endParaRPr lang="ru-RU" dirty="0"/>
           </a:p>
@@ -3270,7 +3278,7 @@
             <a:fld id="{DEB9C201-AC4F-4363-955C-CEDBBD62208D}" type="datetime1">
               <a:rPr lang="ru-RU" smtClean="0"/>
               <a:pPr/>
-              <a:t>22.09.2020</a:t>
+              <a:t>24.09.2020</a:t>
             </a:fld>
             <a:endParaRPr lang="ru-RU" dirty="0"/>
           </a:p>
@@ -3691,7 +3699,7 @@
             <a:pPr rtl="0"/>
             <a:fld id="{A3F167F0-0840-1348-BFE4-C6298BBC0698}" type="slidenum">
               <a:rPr lang="ru-RU" smtClean="0"/>
-              <a:t>10</a:t>
+              <a:t>19</a:t>
             </a:fld>
             <a:endParaRPr lang="ru-RU"/>
           </a:p>
@@ -3700,7 +3708,7 @@
     </p:spTree>
     <p:extLst>
       <p:ext uri="{BB962C8B-B14F-4D97-AF65-F5344CB8AC3E}">
-        <p14:creationId xmlns:p14="http://schemas.microsoft.com/office/powerpoint/2010/main" val="3111369940"/>
+        <p14:creationId xmlns:p14="http://schemas.microsoft.com/office/powerpoint/2010/main" val="1390736305"/>
       </p:ext>
     </p:extLst>
   </p:cSld>
@@ -3776,7 +3784,7 @@
             <a:pPr rtl="0"/>
             <a:fld id="{A3F167F0-0840-1348-BFE4-C6298BBC0698}" type="slidenum">
               <a:rPr lang="ru-RU" smtClean="0"/>
-              <a:t>11</a:t>
+              <a:t>20</a:t>
             </a:fld>
             <a:endParaRPr lang="ru-RU"/>
           </a:p>
@@ -3785,7 +3793,7 @@
     </p:spTree>
     <p:extLst>
       <p:ext uri="{BB962C8B-B14F-4D97-AF65-F5344CB8AC3E}">
-        <p14:creationId xmlns:p14="http://schemas.microsoft.com/office/powerpoint/2010/main" val="1390736305"/>
+        <p14:creationId xmlns:p14="http://schemas.microsoft.com/office/powerpoint/2010/main" val="2576497861"/>
       </p:ext>
     </p:extLst>
   </p:cSld>
@@ -3861,92 +3869,7 @@
             <a:pPr rtl="0"/>
             <a:fld id="{A3F167F0-0840-1348-BFE4-C6298BBC0698}" type="slidenum">
               <a:rPr lang="ru-RU" smtClean="0"/>
-              <a:t>12</a:t>
-            </a:fld>
-            <a:endParaRPr lang="ru-RU"/>
-          </a:p>
-        </p:txBody>
-      </p:sp>
-    </p:spTree>
-    <p:extLst>
-      <p:ext uri="{BB962C8B-B14F-4D97-AF65-F5344CB8AC3E}">
-        <p14:creationId xmlns:p14="http://schemas.microsoft.com/office/powerpoint/2010/main" val="2576497861"/>
-      </p:ext>
-    </p:extLst>
-  </p:cSld>
-  <p:clrMapOvr>
-    <a:masterClrMapping/>
-  </p:clrMapOvr>
-</p:notes>
-</file>
-
-<file path=ppt/notesSlides/notesSlide13.xml><?xml version="1.0" encoding="utf-8"?>
-<p:notes xmlns:a="http://schemas.openxmlformats.org/drawingml/2006/main" xmlns:r="http://schemas.openxmlformats.org/officeDocument/2006/relationships" xmlns:p="http://schemas.openxmlformats.org/presentationml/2006/main">
-  <p:cSld>
-    <p:spTree>
-      <p:nvGrpSpPr>
-        <p:cNvPr id="1" name=""/>
-        <p:cNvGrpSpPr/>
-        <p:nvPr/>
-      </p:nvGrpSpPr>
-      <p:grpSpPr>
-        <a:xfrm>
-          <a:off x="0" y="0"/>
-          <a:ext cx="0" cy="0"/>
-          <a:chOff x="0" y="0"/>
-          <a:chExt cx="0" cy="0"/>
-        </a:xfrm>
-      </p:grpSpPr>
-      <p:sp>
-        <p:nvSpPr>
-          <p:cNvPr id="2" name="Образ слайда 1"/>
-          <p:cNvSpPr>
-            <a:spLocks noGrp="1" noRot="1" noChangeAspect="1"/>
-          </p:cNvSpPr>
-          <p:nvPr>
-            <p:ph type="sldImg"/>
-          </p:nvPr>
-        </p:nvSpPr>
-        <p:spPr/>
-      </p:sp>
-      <p:sp>
-        <p:nvSpPr>
-          <p:cNvPr id="3" name="Заметки 2"/>
-          <p:cNvSpPr>
-            <a:spLocks noGrp="1"/>
-          </p:cNvSpPr>
-          <p:nvPr>
-            <p:ph type="body" idx="1"/>
-          </p:nvPr>
-        </p:nvSpPr>
-        <p:spPr/>
-        <p:txBody>
-          <a:bodyPr/>
-          <a:lstStyle/>
-          <a:p>
-            <a:endParaRPr lang="ru-RU"/>
-          </a:p>
-        </p:txBody>
-      </p:sp>
-      <p:sp>
-        <p:nvSpPr>
-          <p:cNvPr id="4" name="Номер слайда 3"/>
-          <p:cNvSpPr>
-            <a:spLocks noGrp="1"/>
-          </p:cNvSpPr>
-          <p:nvPr>
-            <p:ph type="sldNum" sz="quarter" idx="5"/>
-          </p:nvPr>
-        </p:nvSpPr>
-        <p:spPr/>
-        <p:txBody>
-          <a:bodyPr/>
-          <a:lstStyle/>
-          <a:p>
-            <a:pPr rtl="0"/>
-            <a:fld id="{A3F167F0-0840-1348-BFE4-C6298BBC0698}" type="slidenum">
-              <a:rPr lang="ru-RU" smtClean="0"/>
-              <a:t>13</a:t>
+              <a:t>21</a:t>
             </a:fld>
             <a:endParaRPr lang="ru-RU"/>
           </a:p>
@@ -4031,7 +3954,7 @@
             <a:pPr rtl="0"/>
             <a:fld id="{A3F167F0-0840-1348-BFE4-C6298BBC0698}" type="slidenum">
               <a:rPr lang="ru-RU" smtClean="0"/>
-              <a:t>2</a:t>
+              <a:t>11</a:t>
             </a:fld>
             <a:endParaRPr lang="ru-RU"/>
           </a:p>
@@ -4040,7 +3963,7 @@
     </p:spTree>
     <p:extLst>
       <p:ext uri="{BB962C8B-B14F-4D97-AF65-F5344CB8AC3E}">
-        <p14:creationId xmlns:p14="http://schemas.microsoft.com/office/powerpoint/2010/main" val="2553969765"/>
+        <p14:creationId xmlns:p14="http://schemas.microsoft.com/office/powerpoint/2010/main" val="443629694"/>
       </p:ext>
     </p:extLst>
   </p:cSld>
@@ -4116,7 +4039,7 @@
             <a:pPr rtl="0"/>
             <a:fld id="{A3F167F0-0840-1348-BFE4-C6298BBC0698}" type="slidenum">
               <a:rPr lang="ru-RU" smtClean="0"/>
-              <a:t>3</a:t>
+              <a:t>12</a:t>
             </a:fld>
             <a:endParaRPr lang="ru-RU"/>
           </a:p>
@@ -4125,7 +4048,7 @@
     </p:spTree>
     <p:extLst>
       <p:ext uri="{BB962C8B-B14F-4D97-AF65-F5344CB8AC3E}">
-        <p14:creationId xmlns:p14="http://schemas.microsoft.com/office/powerpoint/2010/main" val="443629694"/>
+        <p14:creationId xmlns:p14="http://schemas.microsoft.com/office/powerpoint/2010/main" val="3641849092"/>
       </p:ext>
     </p:extLst>
   </p:cSld>
@@ -4201,7 +4124,7 @@
             <a:pPr rtl="0"/>
             <a:fld id="{A3F167F0-0840-1348-BFE4-C6298BBC0698}" type="slidenum">
               <a:rPr lang="ru-RU" smtClean="0"/>
-              <a:t>4</a:t>
+              <a:t>13</a:t>
             </a:fld>
             <a:endParaRPr lang="ru-RU"/>
           </a:p>
@@ -4210,7 +4133,7 @@
     </p:spTree>
     <p:extLst>
       <p:ext uri="{BB962C8B-B14F-4D97-AF65-F5344CB8AC3E}">
-        <p14:creationId xmlns:p14="http://schemas.microsoft.com/office/powerpoint/2010/main" val="3641849092"/>
+        <p14:creationId xmlns:p14="http://schemas.microsoft.com/office/powerpoint/2010/main" val="947930251"/>
       </p:ext>
     </p:extLst>
   </p:cSld>
@@ -4286,7 +4209,7 @@
             <a:pPr rtl="0"/>
             <a:fld id="{A3F167F0-0840-1348-BFE4-C6298BBC0698}" type="slidenum">
               <a:rPr lang="ru-RU" smtClean="0"/>
-              <a:t>5</a:t>
+              <a:t>14</a:t>
             </a:fld>
             <a:endParaRPr lang="ru-RU"/>
           </a:p>
@@ -4295,7 +4218,7 @@
     </p:spTree>
     <p:extLst>
       <p:ext uri="{BB962C8B-B14F-4D97-AF65-F5344CB8AC3E}">
-        <p14:creationId xmlns:p14="http://schemas.microsoft.com/office/powerpoint/2010/main" val="947930251"/>
+        <p14:creationId xmlns:p14="http://schemas.microsoft.com/office/powerpoint/2010/main" val="1573216211"/>
       </p:ext>
     </p:extLst>
   </p:cSld>
@@ -4371,7 +4294,7 @@
             <a:pPr rtl="0"/>
             <a:fld id="{A3F167F0-0840-1348-BFE4-C6298BBC0698}" type="slidenum">
               <a:rPr lang="ru-RU" smtClean="0"/>
-              <a:t>6</a:t>
+              <a:t>15</a:t>
             </a:fld>
             <a:endParaRPr lang="ru-RU"/>
           </a:p>
@@ -4380,7 +4303,7 @@
     </p:spTree>
     <p:extLst>
       <p:ext uri="{BB962C8B-B14F-4D97-AF65-F5344CB8AC3E}">
-        <p14:creationId xmlns:p14="http://schemas.microsoft.com/office/powerpoint/2010/main" val="1573216211"/>
+        <p14:creationId xmlns:p14="http://schemas.microsoft.com/office/powerpoint/2010/main" val="3969539802"/>
       </p:ext>
     </p:extLst>
   </p:cSld>
@@ -4456,7 +4379,7 @@
             <a:pPr rtl="0"/>
             <a:fld id="{A3F167F0-0840-1348-BFE4-C6298BBC0698}" type="slidenum">
               <a:rPr lang="ru-RU" smtClean="0"/>
-              <a:t>7</a:t>
+              <a:t>16</a:t>
             </a:fld>
             <a:endParaRPr lang="ru-RU"/>
           </a:p>
@@ -4465,7 +4388,7 @@
     </p:spTree>
     <p:extLst>
       <p:ext uri="{BB962C8B-B14F-4D97-AF65-F5344CB8AC3E}">
-        <p14:creationId xmlns:p14="http://schemas.microsoft.com/office/powerpoint/2010/main" val="3969539802"/>
+        <p14:creationId xmlns:p14="http://schemas.microsoft.com/office/powerpoint/2010/main" val="3929276119"/>
       </p:ext>
     </p:extLst>
   </p:cSld>
@@ -4541,7 +4464,7 @@
             <a:pPr rtl="0"/>
             <a:fld id="{A3F167F0-0840-1348-BFE4-C6298BBC0698}" type="slidenum">
               <a:rPr lang="ru-RU" smtClean="0"/>
-              <a:t>8</a:t>
+              <a:t>17</a:t>
             </a:fld>
             <a:endParaRPr lang="ru-RU"/>
           </a:p>
@@ -4550,7 +4473,7 @@
     </p:spTree>
     <p:extLst>
       <p:ext uri="{BB962C8B-B14F-4D97-AF65-F5344CB8AC3E}">
-        <p14:creationId xmlns:p14="http://schemas.microsoft.com/office/powerpoint/2010/main" val="3929276119"/>
+        <p14:creationId xmlns:p14="http://schemas.microsoft.com/office/powerpoint/2010/main" val="482376212"/>
       </p:ext>
     </p:extLst>
   </p:cSld>
@@ -4626,7 +4549,7 @@
             <a:pPr rtl="0"/>
             <a:fld id="{A3F167F0-0840-1348-BFE4-C6298BBC0698}" type="slidenum">
               <a:rPr lang="ru-RU" smtClean="0"/>
-              <a:t>9</a:t>
+              <a:t>18</a:t>
             </a:fld>
             <a:endParaRPr lang="ru-RU"/>
           </a:p>
@@ -4635,7 +4558,7 @@
     </p:spTree>
     <p:extLst>
       <p:ext uri="{BB962C8B-B14F-4D97-AF65-F5344CB8AC3E}">
-        <p14:creationId xmlns:p14="http://schemas.microsoft.com/office/powerpoint/2010/main" val="482376212"/>
+        <p14:creationId xmlns:p14="http://schemas.microsoft.com/office/powerpoint/2010/main" val="3111369940"/>
       </p:ext>
     </p:extLst>
   </p:cSld>
@@ -5285,7 +5208,7 @@
             <a:pPr rtl="0"/>
             <a:fld id="{E86AA575-909A-4E84-A73A-2B96081E700B}" type="datetime1">
               <a:rPr lang="ru-RU" noProof="0" smtClean="0"/>
-              <a:t>22.09.2020</a:t>
+              <a:t>24.09.2020</a:t>
             </a:fld>
             <a:endParaRPr lang="ru-RU" noProof="0"/>
           </a:p>
@@ -6515,7 +6438,7 @@
             <a:pPr rtl="0"/>
             <a:fld id="{05D13EF0-FE8D-43FC-AE79-F77DF127C654}" type="datetime1">
               <a:rPr lang="ru-RU" noProof="0" smtClean="0"/>
-              <a:t>22.09.2020</a:t>
+              <a:t>24.09.2020</a:t>
             </a:fld>
             <a:endParaRPr lang="ru-RU" noProof="0"/>
           </a:p>
@@ -7949,7 +7872,7 @@
             <a:pPr rtl="0"/>
             <a:fld id="{CC9A25B9-C5B6-4321-9761-C8D3F1A3412A}" type="datetime1">
               <a:rPr lang="ru-RU" noProof="0" smtClean="0"/>
-              <a:t>22.09.2020</a:t>
+              <a:t>24.09.2020</a:t>
             </a:fld>
             <a:endParaRPr lang="ru-RU" noProof="0"/>
           </a:p>
@@ -8222,7 +8145,7 @@
             <a:pPr rtl="0"/>
             <a:fld id="{1C7E678F-447A-480B-9B75-01799EA8EF53}" type="datetime1">
               <a:rPr lang="ru-RU" noProof="0" smtClean="0"/>
-              <a:t>22.09.2020</a:t>
+              <a:t>24.09.2020</a:t>
             </a:fld>
             <a:endParaRPr lang="ru-RU" noProof="0"/>
           </a:p>
@@ -8605,7 +8528,7 @@
             <a:pPr rtl="0"/>
             <a:fld id="{872512C1-8A81-4FB1-A62C-2439B34D73D0}" type="datetime1">
               <a:rPr lang="ru-RU" noProof="0" smtClean="0"/>
-              <a:t>22.09.2020</a:t>
+              <a:t>24.09.2020</a:t>
             </a:fld>
             <a:endParaRPr lang="ru-RU" noProof="0"/>
           </a:p>
@@ -8726,7 +8649,7 @@
             <a:pPr rtl="0"/>
             <a:fld id="{81B13030-9547-48AA-9A77-B6FE0D9329CE}" type="datetime1">
               <a:rPr lang="ru-RU" noProof="0" smtClean="0"/>
-              <a:t>22.09.2020</a:t>
+              <a:t>24.09.2020</a:t>
             </a:fld>
             <a:endParaRPr lang="ru-RU" noProof="0"/>
           </a:p>
@@ -8824,7 +8747,7 @@
             <a:pPr rtl="0"/>
             <a:fld id="{CE5B4ED4-48AB-41C5-85BE-36F29B424A13}" type="datetime1">
               <a:rPr lang="ru-RU" noProof="0" smtClean="0"/>
-              <a:t>22.09.2020</a:t>
+              <a:t>24.09.2020</a:t>
             </a:fld>
             <a:endParaRPr lang="ru-RU" noProof="0"/>
           </a:p>
@@ -9032,7 +8955,7 @@
             <a:pPr rtl="0"/>
             <a:fld id="{43235056-05E5-49FA-85B9-C13A880503DF}" type="datetime1">
               <a:rPr lang="ru-RU" noProof="0" smtClean="0"/>
-              <a:t>22.09.2020</a:t>
+              <a:t>24.09.2020</a:t>
             </a:fld>
             <a:endParaRPr lang="ru-RU" noProof="0"/>
           </a:p>
@@ -10097,7 +10020,7 @@
             <a:pPr rtl="0"/>
             <a:fld id="{C0FE25B6-26B9-4795-9DB3-1F92AB5CD076}" type="datetime1">
               <a:rPr lang="ru-RU" noProof="0" smtClean="0"/>
-              <a:t>22.09.2020</a:t>
+              <a:t>24.09.2020</a:t>
             </a:fld>
             <a:endParaRPr lang="ru-RU" noProof="0"/>
           </a:p>
@@ -10735,7 +10658,7 @@
             <a:pPr rtl="0"/>
             <a:fld id="{0035181B-387F-4E5B-AC56-E7811112EC5A}" type="datetime1">
               <a:rPr lang="ru-RU" noProof="0" smtClean="0"/>
-              <a:t>22.09.2020</a:t>
+              <a:t>24.09.2020</a:t>
             </a:fld>
             <a:endParaRPr lang="ru-RU" noProof="0"/>
           </a:p>
@@ -11663,7 +11586,7 @@
             <a:pPr rtl="0"/>
             <a:fld id="{C46630CC-A9AF-4535-8F2C-F1F193CA8C0F}" type="datetime1">
               <a:rPr lang="ru-RU" noProof="0" smtClean="0"/>
-              <a:t>22.09.2020</a:t>
+              <a:t>24.09.2020</a:t>
             </a:fld>
             <a:endParaRPr lang="ru-RU" noProof="0"/>
           </a:p>
@@ -12822,7 +12745,7 @@
             <a:pPr rtl="0"/>
             <a:fld id="{61CC947A-8F53-4F5E-AF9C-EDEF04AD8794}" type="datetime1">
               <a:rPr lang="ru-RU" noProof="0" smtClean="0"/>
-              <a:t>22.09.2020</a:t>
+              <a:t>24.09.2020</a:t>
             </a:fld>
             <a:endParaRPr lang="ru-RU" noProof="0"/>
           </a:p>
@@ -14116,7 +14039,7 @@
             <a:pPr rtl="0"/>
             <a:fld id="{06BC0FA3-29EB-469B-9530-6BBADAB7B2D7}" type="datetime1">
               <a:rPr lang="ru-RU" noProof="0" smtClean="0"/>
-              <a:t>22.09.2020</a:t>
+              <a:t>24.09.2020</a:t>
             </a:fld>
             <a:endParaRPr lang="ru-RU" noProof="0"/>
           </a:p>
@@ -15118,7 +15041,7 @@
             <a:pPr rtl="0"/>
             <a:fld id="{2727B839-FF0E-42D3-9556-B9897ECA7F5F}" type="datetime1">
               <a:rPr lang="ru-RU" noProof="0" smtClean="0"/>
-              <a:t>22.09.2020</a:t>
+              <a:t>24.09.2020</a:t>
             </a:fld>
             <a:endParaRPr lang="ru-RU" noProof="0"/>
           </a:p>
@@ -16038,7 +15961,7 @@
             <a:pPr rtl="0"/>
             <a:fld id="{70933AA0-1871-4D22-9234-42BFA2DFD622}" type="datetime1">
               <a:rPr lang="ru-RU" noProof="0" smtClean="0"/>
-              <a:t>22.09.2020</a:t>
+              <a:t>24.09.2020</a:t>
             </a:fld>
             <a:endParaRPr lang="ru-RU" noProof="0"/>
           </a:p>
@@ -17435,7 +17358,7 @@
             <a:pPr rtl="0"/>
             <a:fld id="{750BD660-1F04-425F-B3B4-F2FF4576CCBF}" type="datetime1">
               <a:rPr lang="ru-RU" noProof="0" smtClean="0"/>
-              <a:t>22.09.2020</a:t>
+              <a:t>24.09.2020</a:t>
             </a:fld>
             <a:endParaRPr lang="ru-RU" noProof="0" dirty="0"/>
           </a:p>
@@ -18119,14 +18042,6 @@
 <file path=ppt/slides/slide10.xml><?xml version="1.0" encoding="utf-8"?>
 <p:sld xmlns:a="http://schemas.openxmlformats.org/drawingml/2006/main" xmlns:r="http://schemas.openxmlformats.org/officeDocument/2006/relationships" xmlns:p="http://schemas.openxmlformats.org/presentationml/2006/main">
   <p:cSld>
-    <p:bg>
-      <p:bgPr>
-        <a:solidFill>
-          <a:schemeClr val="bg1"/>
-        </a:solidFill>
-        <a:effectLst/>
-      </p:bgPr>
-    </p:bg>
     <p:spTree>
       <p:nvGrpSpPr>
         <p:cNvPr id="1" name=""/>
@@ -18143,96 +18058,191 @@
       </p:grpSpPr>
       <p:sp>
         <p:nvSpPr>
-          <p:cNvPr id="2" name="Заголовок 1">
+          <p:cNvPr id="108" name="CustomShape 1"/>
+          <p:cNvSpPr/>
+          <p:nvPr/>
+        </p:nvSpPr>
+        <p:spPr>
+          <a:xfrm>
+            <a:off x="1320132" y="776974"/>
+            <a:ext cx="7882920" cy="759240"/>
+          </a:xfrm>
+          <a:prstGeom prst="rect">
+            <a:avLst/>
+          </a:prstGeom>
+          <a:noFill/>
+          <a:ln>
+            <a:noFill/>
+          </a:ln>
+        </p:spPr>
+        <p:style>
+          <a:lnRef idx="0">
+            <a:scrgbClr r="0" g="0" b="0"/>
+          </a:lnRef>
+          <a:fillRef idx="0">
+            <a:scrgbClr r="0" g="0" b="0"/>
+          </a:fillRef>
+          <a:effectRef idx="0">
+            <a:scrgbClr r="0" g="0" b="0"/>
+          </a:effectRef>
+          <a:fontRef idx="minor"/>
+        </p:style>
+        <p:txBody>
+          <a:bodyPr lIns="90000" tIns="45000" rIns="90000" bIns="45000" anchor="ctr">
+            <a:normAutofit/>
+          </a:bodyPr>
+          <a:lstStyle/>
+          <a:p>
+            <a:pPr algn="ctr">
+              <a:lnSpc>
+                <a:spcPct val="100000"/>
+              </a:lnSpc>
+            </a:pPr>
+            <a:r>
+              <a:rPr lang="ru-RU" sz="3200" b="1" cap="all" spc="-100" dirty="0">
+                <a:solidFill>
+                  <a:srgbClr val="7030A0"/>
+                </a:solidFill>
+                <a:latin typeface="Segoe Print" panose="02000600000000000000" pitchFamily="2" charset="0"/>
+              </a:rPr>
+              <a:t>Класс </a:t>
+            </a:r>
+            <a:r>
+              <a:rPr lang="en-US" sz="3200" b="1" cap="all" spc="-100" dirty="0">
+                <a:solidFill>
+                  <a:srgbClr val="7030A0"/>
+                </a:solidFill>
+                <a:latin typeface="Segoe Print" panose="02000600000000000000" pitchFamily="2" charset="0"/>
+              </a:rPr>
+              <a:t>m</a:t>
+            </a:r>
+            <a:r>
+              <a:rPr lang="en-US" sz="3200" b="1" spc="-100" dirty="0">
+                <a:solidFill>
+                  <a:srgbClr val="7030A0"/>
+                </a:solidFill>
+                <a:latin typeface="Segoe Print" panose="02000600000000000000" pitchFamily="2" charset="0"/>
+              </a:rPr>
+              <a:t>ath</a:t>
+            </a:r>
+            <a:endParaRPr lang="ru-RU" sz="3200" b="1" cap="all" spc="-100" dirty="0">
+              <a:solidFill>
+                <a:srgbClr val="7030A0"/>
+              </a:solidFill>
+              <a:latin typeface="Segoe Print" panose="02000600000000000000" pitchFamily="2" charset="0"/>
+            </a:endParaRPr>
+          </a:p>
+        </p:txBody>
+      </p:sp>
+      <p:pic>
+        <p:nvPicPr>
+          <p:cNvPr id="2050" name="Picture 2" descr="Java-Интерактивный ввод данных - Информатика - 10 класс">
             <a:extLst>
               <a:ext uri="{FF2B5EF4-FFF2-40B4-BE49-F238E27FC236}">
-                <a16:creationId xmlns:a16="http://schemas.microsoft.com/office/drawing/2014/main" id="{C185B441-CEE7-4B03-83E6-D9CE5466EDFC}"/>
+                <a16:creationId xmlns:a16="http://schemas.microsoft.com/office/drawing/2014/main" id="{17EBF6B1-8085-408C-B40B-AF889AC0DB46}"/>
               </a:ext>
             </a:extLst>
           </p:cNvPr>
-          <p:cNvSpPr>
-            <a:spLocks noGrp="1"/>
-          </p:cNvSpPr>
-          <p:nvPr>
-            <p:ph type="title"/>
-          </p:nvPr>
-        </p:nvSpPr>
-        <p:spPr/>
-        <p:txBody>
-          <a:bodyPr rtlCol="0">
-            <a:normAutofit/>
-          </a:bodyPr>
-          <a:lstStyle/>
-          <a:p>
-            <a:pPr rtl="0"/>
-            <a:r>
-              <a:rPr lang="ru-RU" sz="2300" dirty="0">
+          <p:cNvPicPr>
+            <a:picLocks noChangeAspect="1" noChangeArrowheads="1"/>
+          </p:cNvPicPr>
+          <p:nvPr/>
+        </p:nvPicPr>
+        <p:blipFill rotWithShape="1">
+          <a:blip r:embed="rId2">
+            <a:extLst>
+              <a:ext uri="{28A0092B-C50C-407E-A947-70E740481C1C}">
+                <a14:useLocalDpi xmlns:a14="http://schemas.microsoft.com/office/drawing/2010/main" val="0"/>
+              </a:ext>
+            </a:extLst>
+          </a:blip>
+          <a:srcRect t="24389" b="8426"/>
+          <a:stretch/>
+        </p:blipFill>
+        <p:spPr bwMode="auto">
+          <a:xfrm>
+            <a:off x="2524217" y="1893163"/>
+            <a:ext cx="6096000" cy="3071674"/>
+          </a:xfrm>
+          <a:prstGeom prst="rect">
+            <a:avLst/>
+          </a:prstGeom>
+          <a:noFill/>
+          <a:extLst>
+            <a:ext uri="{909E8E84-426E-40DD-AFC4-6F175D3DCCD1}">
+              <a14:hiddenFill xmlns:a14="http://schemas.microsoft.com/office/drawing/2010/main">
                 <a:solidFill>
-                  <a:schemeClr val="bg1"/>
+                  <a:srgbClr val="FFFFFF"/>
                 </a:solidFill>
-              </a:rPr>
-              <a:t>Выстраивание на перемену, обед и другие мероприятия</a:t>
-            </a:r>
-          </a:p>
-        </p:txBody>
-      </p:sp>
-      <p:graphicFrame>
-        <p:nvGraphicFramePr>
-          <p:cNvPr id="5" name="Объект 2" descr="3 нумерованных маркера в ряд&#10;">
+              </a14:hiddenFill>
+            </a:ext>
+          </a:extLst>
+        </p:spPr>
+      </p:pic>
+      <p:sp>
+        <p:nvSpPr>
+          <p:cNvPr id="3" name="Прямоугольник 2">
             <a:extLst>
               <a:ext uri="{FF2B5EF4-FFF2-40B4-BE49-F238E27FC236}">
-                <a16:creationId xmlns:a16="http://schemas.microsoft.com/office/drawing/2014/main" id="{98A38006-F5DD-4447-B2BD-295B48BD10E7}"/>
+                <a16:creationId xmlns:a16="http://schemas.microsoft.com/office/drawing/2014/main" id="{596933AC-7F99-4494-A0DF-A0E2BADF4693}"/>
               </a:ext>
             </a:extLst>
           </p:cNvPr>
-          <p:cNvGraphicFramePr>
-            <a:graphicFrameLocks noGrp="1"/>
-          </p:cNvGraphicFramePr>
-          <p:nvPr>
-            <p:ph idx="4294967295"/>
-            <p:extLst>
-              <p:ext uri="{D42A27DB-BD31-4B8C-83A1-F6EECF244321}">
-                <p14:modId xmlns:p14="http://schemas.microsoft.com/office/powerpoint/2010/main" val="3809791121"/>
-              </p:ext>
-            </p:extLst>
-          </p:nvPr>
-        </p:nvGraphicFramePr>
-        <p:xfrm>
-          <a:off x="5313045" y="808038"/>
-          <a:ext cx="6391275" cy="5246687"/>
-        </p:xfrm>
-        <a:graphic>
-          <a:graphicData uri="http://schemas.openxmlformats.org/drawingml/2006/diagram">
-            <dgm:relIds xmlns:dgm="http://schemas.openxmlformats.org/drawingml/2006/diagram" xmlns:r="http://schemas.openxmlformats.org/officeDocument/2006/relationships" r:dm="rId3" r:lo="rId4" r:qs="rId5" r:cs="rId6"/>
-          </a:graphicData>
-        </a:graphic>
-      </p:graphicFrame>
-      <p:sp>
-        <p:nvSpPr>
-          <p:cNvPr id="3" name="Номер слайда 2">
-            <a:extLst>
-              <a:ext uri="{FF2B5EF4-FFF2-40B4-BE49-F238E27FC236}">
-                <a16:creationId xmlns:a16="http://schemas.microsoft.com/office/drawing/2014/main" id="{94018E4B-A0D3-6B4E-B245-90AFCE920A5E}"/>
-              </a:ext>
-            </a:extLst>
-          </p:cNvPr>
-          <p:cNvSpPr>
-            <a:spLocks noGrp="1"/>
-          </p:cNvSpPr>
-          <p:nvPr>
-            <p:ph type="sldNum" sz="quarter" idx="12"/>
-          </p:nvPr>
-        </p:nvSpPr>
-        <p:spPr/>
+          <p:cNvSpPr/>
+          <p:nvPr/>
+        </p:nvSpPr>
+        <p:spPr>
+          <a:xfrm>
+            <a:off x="819704" y="5151268"/>
+            <a:ext cx="6096000" cy="1200329"/>
+          </a:xfrm>
+          <a:prstGeom prst="rect">
+            <a:avLst/>
+          </a:prstGeom>
+        </p:spPr>
         <p:txBody>
-          <a:bodyPr rtlCol="0"/>
+          <a:bodyPr>
+            <a:spAutoFit/>
+          </a:bodyPr>
           <a:lstStyle/>
           <a:p>
-            <a:pPr rtl="0"/>
-            <a:fld id="{9FF96B15-8338-45D5-A943-561235072D66}" type="slidenum">
-              <a:rPr lang="ru-RU" smtClean="0"/>
-              <a:t>10</a:t>
-            </a:fld>
+            <a:endParaRPr lang="ru-RU" dirty="0"/>
+          </a:p>
+          <a:p>
+            <a:r>
+              <a:rPr lang="ru-RU" dirty="0" err="1"/>
+              <a:t>double</a:t>
+            </a:r>
+            <a:r>
+              <a:rPr lang="ru-RU" dirty="0"/>
+              <a:t> c = </a:t>
+            </a:r>
+            <a:r>
+              <a:rPr lang="ru-RU" dirty="0" err="1"/>
+              <a:t>Math.sqrt</a:t>
+            </a:r>
+            <a:r>
+              <a:rPr lang="ru-RU" dirty="0"/>
+              <a:t>(16);</a:t>
+            </a:r>
+            <a:endParaRPr lang="en-US" dirty="0"/>
+          </a:p>
+          <a:p>
+            <a:endParaRPr lang="en-US" dirty="0"/>
+          </a:p>
+          <a:p>
+            <a:r>
+              <a:rPr lang="en-US" dirty="0"/>
+              <a:t>double p =  </a:t>
+            </a:r>
+            <a:r>
+              <a:rPr lang="en-US" dirty="0" err="1"/>
+              <a:t>Math.pow</a:t>
+            </a:r>
+            <a:r>
+              <a:rPr lang="en-US" dirty="0"/>
+              <a:t>(c, 6);</a:t>
+            </a:r>
             <a:endParaRPr lang="ru-RU" dirty="0"/>
           </a:p>
         </p:txBody>
@@ -18240,7 +18250,7 @@
     </p:spTree>
     <p:extLst>
       <p:ext uri="{BB962C8B-B14F-4D97-AF65-F5344CB8AC3E}">
-        <p14:creationId xmlns:p14="http://schemas.microsoft.com/office/powerpoint/2010/main" val="3628637217"/>
+        <p14:creationId xmlns:p14="http://schemas.microsoft.com/office/powerpoint/2010/main" val="3186046113"/>
       </p:ext>
     </p:extLst>
   </p:cSld>
@@ -18251,864 +18261,6 @@
 </file>
 
 <file path=ppt/slides/slide11.xml><?xml version="1.0" encoding="utf-8"?>
-<p:sld xmlns:a="http://schemas.openxmlformats.org/drawingml/2006/main" xmlns:r="http://schemas.openxmlformats.org/officeDocument/2006/relationships" xmlns:p="http://schemas.openxmlformats.org/presentationml/2006/main">
-  <p:cSld>
-    <p:spTree>
-      <p:nvGrpSpPr>
-        <p:cNvPr id="1" name=""/>
-        <p:cNvGrpSpPr/>
-        <p:nvPr/>
-      </p:nvGrpSpPr>
-      <p:grpSpPr>
-        <a:xfrm>
-          <a:off x="0" y="0"/>
-          <a:ext cx="0" cy="0"/>
-          <a:chOff x="0" y="0"/>
-          <a:chExt cx="0" cy="0"/>
-        </a:xfrm>
-      </p:grpSpPr>
-      <p:sp>
-        <p:nvSpPr>
-          <p:cNvPr id="2" name="Заголовок 1">
-            <a:extLst>
-              <a:ext uri="{FF2B5EF4-FFF2-40B4-BE49-F238E27FC236}">
-                <a16:creationId xmlns:a16="http://schemas.microsoft.com/office/drawing/2014/main" id="{01E330EF-AD71-4BCA-912D-98E229FAD44D}"/>
-              </a:ext>
-            </a:extLst>
-          </p:cNvPr>
-          <p:cNvSpPr>
-            <a:spLocks noGrp="1"/>
-          </p:cNvSpPr>
-          <p:nvPr>
-            <p:ph type="title"/>
-          </p:nvPr>
-        </p:nvSpPr>
-        <p:spPr/>
-        <p:txBody>
-          <a:bodyPr rtlCol="0"/>
-          <a:lstStyle/>
-          <a:p>
-            <a:pPr rtl="0"/>
-            <a:r>
-              <a:rPr lang="ru-RU" dirty="0"/>
-              <a:t>Как и в каких случаях связываться со мной?</a:t>
-            </a:r>
-          </a:p>
-        </p:txBody>
-      </p:sp>
-      <p:pic>
-        <p:nvPicPr>
-          <p:cNvPr id="12" name="Рисунок 11" descr="Танцы">
-            <a:extLst>
-              <a:ext uri="{FF2B5EF4-FFF2-40B4-BE49-F238E27FC236}">
-                <a16:creationId xmlns:a16="http://schemas.microsoft.com/office/drawing/2014/main" id="{FC1B2E2C-6C17-4D56-85F9-61C465254BB8}"/>
-              </a:ext>
-            </a:extLst>
-          </p:cNvPr>
-          <p:cNvPicPr>
-            <a:picLocks noGrp="1" noChangeAspect="1"/>
-          </p:cNvPicPr>
-          <p:nvPr>
-            <p:ph type="pic" sz="quarter" idx="4294967295"/>
-          </p:nvPr>
-        </p:nvPicPr>
-        <p:blipFill rotWithShape="1">
-          <a:blip r:embed="rId3">
-            <a:extLst>
-              <a:ext uri="{28A0092B-C50C-407E-A947-70E740481C1C}">
-                <a14:useLocalDpi xmlns:a14="http://schemas.microsoft.com/office/drawing/2010/main" val="0"/>
-              </a:ext>
-              <a:ext uri="{96DAC541-7B7A-43D3-8B79-37D633B846F1}">
-                <asvg:svgBlip xmlns:asvg="http://schemas.microsoft.com/office/drawing/2016/SVG/main" r:embed="rId4"/>
-              </a:ext>
-            </a:extLst>
-          </a:blip>
-          <a:srcRect l="-54056" t="-54056" r="-54056" b="-54056"/>
-          <a:stretch/>
-        </p:blipFill>
-        <p:spPr>
-          <a:xfrm>
-            <a:off x="5105845" y="1932281"/>
-            <a:ext cx="1041323" cy="1041323"/>
-          </a:xfrm>
-        </p:spPr>
-      </p:pic>
-      <p:sp>
-        <p:nvSpPr>
-          <p:cNvPr id="4" name="Текст 3">
-            <a:extLst>
-              <a:ext uri="{FF2B5EF4-FFF2-40B4-BE49-F238E27FC236}">
-                <a16:creationId xmlns:a16="http://schemas.microsoft.com/office/drawing/2014/main" id="{DC64ADBA-9106-4F0D-B92F-73E23D3A267F}"/>
-              </a:ext>
-            </a:extLst>
-          </p:cNvPr>
-          <p:cNvSpPr>
-            <a:spLocks noGrp="1"/>
-          </p:cNvSpPr>
-          <p:nvPr>
-            <p:ph type="body" sz="quarter" idx="14"/>
-          </p:nvPr>
-        </p:nvSpPr>
-        <p:spPr>
-          <a:xfrm>
-            <a:off x="6189670" y="1582467"/>
-            <a:ext cx="2095046" cy="1826703"/>
-          </a:xfrm>
-        </p:spPr>
-        <p:txBody>
-          <a:bodyPr rtlCol="0">
-            <a:normAutofit/>
-          </a:bodyPr>
-          <a:lstStyle/>
-          <a:p>
-            <a:pPr rtl="0"/>
-            <a:r>
-              <a:rPr lang="ru-RU" dirty="0"/>
-              <a:t>Я желаю вам успешного и приятного года!</a:t>
-            </a:r>
-          </a:p>
-        </p:txBody>
-      </p:sp>
-      <p:pic>
-        <p:nvPicPr>
-          <p:cNvPr id="14" name="Рисунок 13" descr="Преподаватель">
-            <a:extLst>
-              <a:ext uri="{FF2B5EF4-FFF2-40B4-BE49-F238E27FC236}">
-                <a16:creationId xmlns:a16="http://schemas.microsoft.com/office/drawing/2014/main" id="{BFF29EC3-B08A-46B9-868D-D15E5E1EF3F9}"/>
-              </a:ext>
-            </a:extLst>
-          </p:cNvPr>
-          <p:cNvPicPr>
-            <a:picLocks noGrp="1" noChangeAspect="1"/>
-          </p:cNvPicPr>
-          <p:nvPr>
-            <p:ph type="pic" sz="quarter" idx="4294967295"/>
-          </p:nvPr>
-        </p:nvPicPr>
-        <p:blipFill rotWithShape="1">
-          <a:blip r:embed="rId5">
-            <a:extLst>
-              <a:ext uri="{28A0092B-C50C-407E-A947-70E740481C1C}">
-                <a14:useLocalDpi xmlns:a14="http://schemas.microsoft.com/office/drawing/2010/main" val="0"/>
-              </a:ext>
-              <a:ext uri="{96DAC541-7B7A-43D3-8B79-37D633B846F1}">
-                <asvg:svgBlip xmlns:asvg="http://schemas.microsoft.com/office/drawing/2016/SVG/main" r:embed="rId6"/>
-              </a:ext>
-            </a:extLst>
-          </a:blip>
-          <a:srcRect l="-59789" t="-59789" r="-59789" b="-59789"/>
-          <a:stretch/>
-        </p:blipFill>
-        <p:spPr>
-          <a:xfrm>
-            <a:off x="8410099" y="1932281"/>
-            <a:ext cx="1041323" cy="1041323"/>
-          </a:xfrm>
-        </p:spPr>
-      </p:pic>
-      <p:sp>
-        <p:nvSpPr>
-          <p:cNvPr id="6" name="Текст 5">
-            <a:extLst>
-              <a:ext uri="{FF2B5EF4-FFF2-40B4-BE49-F238E27FC236}">
-                <a16:creationId xmlns:a16="http://schemas.microsoft.com/office/drawing/2014/main" id="{EFDEDC41-3977-462C-A56C-268F31CB5F74}"/>
-              </a:ext>
-            </a:extLst>
-          </p:cNvPr>
-          <p:cNvSpPr>
-            <a:spLocks noGrp="1"/>
-          </p:cNvSpPr>
-          <p:nvPr>
-            <p:ph type="body" sz="quarter" idx="16"/>
-          </p:nvPr>
-        </p:nvSpPr>
-        <p:spPr>
-          <a:xfrm>
-            <a:off x="9519533" y="1582467"/>
-            <a:ext cx="2095046" cy="1826703"/>
-          </a:xfrm>
-        </p:spPr>
-        <p:txBody>
-          <a:bodyPr rtlCol="0">
-            <a:normAutofit/>
-          </a:bodyPr>
-          <a:lstStyle/>
-          <a:p>
-            <a:pPr rtl="0"/>
-            <a:r>
-              <a:rPr lang="ru-RU" dirty="0"/>
-              <a:t>Вы можете прийти ко мне с вопросами или проблемами в любое время, кроме времени непосредственного инструктажа или времени, не предназначенного для помощи учащимся.</a:t>
-            </a:r>
-          </a:p>
-        </p:txBody>
-      </p:sp>
-      <p:pic>
-        <p:nvPicPr>
-          <p:cNvPr id="16" name="Рисунок 15" descr="Конверт">
-            <a:extLst>
-              <a:ext uri="{FF2B5EF4-FFF2-40B4-BE49-F238E27FC236}">
-                <a16:creationId xmlns:a16="http://schemas.microsoft.com/office/drawing/2014/main" id="{FD570080-EB17-406F-9FA9-54B4145DCEF4}"/>
-              </a:ext>
-            </a:extLst>
-          </p:cNvPr>
-          <p:cNvPicPr>
-            <a:picLocks noGrp="1" noChangeAspect="1"/>
-          </p:cNvPicPr>
-          <p:nvPr>
-            <p:ph type="pic" sz="quarter" idx="4294967295"/>
-          </p:nvPr>
-        </p:nvPicPr>
-        <p:blipFill>
-          <a:blip r:embed="rId7">
-            <a:extLst>
-              <a:ext uri="{96DAC541-7B7A-43D3-8B79-37D633B846F1}">
-                <asvg:svgBlip xmlns:asvg="http://schemas.microsoft.com/office/drawing/2016/SVG/main" r:embed="rId8"/>
-              </a:ext>
-            </a:extLst>
-          </a:blip>
-          <a:stretch>
-            <a:fillRect/>
-          </a:stretch>
-        </p:blipFill>
-        <p:spPr>
-          <a:xfrm>
-            <a:off x="5338268" y="4257675"/>
-            <a:ext cx="490386" cy="490386"/>
-          </a:xfrm>
-        </p:spPr>
-      </p:pic>
-      <p:sp>
-        <p:nvSpPr>
-          <p:cNvPr id="8" name="Текст 7">
-            <a:extLst>
-              <a:ext uri="{FF2B5EF4-FFF2-40B4-BE49-F238E27FC236}">
-                <a16:creationId xmlns:a16="http://schemas.microsoft.com/office/drawing/2014/main" id="{D4480B4D-7DFB-4ED2-BE16-ED0D78C3F233}"/>
-              </a:ext>
-            </a:extLst>
-          </p:cNvPr>
-          <p:cNvSpPr>
-            <a:spLocks noGrp="1"/>
-          </p:cNvSpPr>
-          <p:nvPr>
-            <p:ph type="body" sz="quarter" idx="18"/>
-          </p:nvPr>
-        </p:nvSpPr>
-        <p:spPr>
-          <a:xfrm>
-            <a:off x="6189670" y="3630092"/>
-            <a:ext cx="2095046" cy="1826703"/>
-          </a:xfrm>
-        </p:spPr>
-        <p:txBody>
-          <a:bodyPr rtlCol="0">
-            <a:normAutofit/>
-          </a:bodyPr>
-          <a:lstStyle/>
-          <a:p>
-            <a:pPr rtl="0"/>
-            <a:r>
-              <a:rPr lang="ru-RU" dirty="0"/>
-              <a:t>Вы можете отправить мне сообщение электронной почты при необходимости. Я отвечу вам при первой возможности.</a:t>
-            </a:r>
-          </a:p>
-        </p:txBody>
-      </p:sp>
-      <p:pic>
-        <p:nvPicPr>
-          <p:cNvPr id="18" name="Рисунок 17" descr="Книги">
-            <a:extLst>
-              <a:ext uri="{FF2B5EF4-FFF2-40B4-BE49-F238E27FC236}">
-                <a16:creationId xmlns:a16="http://schemas.microsoft.com/office/drawing/2014/main" id="{A5AF2A59-1CC2-4D6E-82C6-4995A03532D8}"/>
-              </a:ext>
-            </a:extLst>
-          </p:cNvPr>
-          <p:cNvPicPr>
-            <a:picLocks noGrp="1" noChangeAspect="1"/>
-          </p:cNvPicPr>
-          <p:nvPr>
-            <p:ph type="pic" sz="quarter" idx="4294967295"/>
-          </p:nvPr>
-        </p:nvPicPr>
-        <p:blipFill rotWithShape="1">
-          <a:blip r:embed="rId9">
-            <a:extLst>
-              <a:ext uri="{28A0092B-C50C-407E-A947-70E740481C1C}">
-                <a14:useLocalDpi xmlns:a14="http://schemas.microsoft.com/office/drawing/2010/main" val="0"/>
-              </a:ext>
-              <a:ext uri="{96DAC541-7B7A-43D3-8B79-37D633B846F1}">
-                <asvg:svgBlip xmlns:asvg="http://schemas.microsoft.com/office/drawing/2016/SVG/main" r:embed="rId10"/>
-              </a:ext>
-            </a:extLst>
-          </a:blip>
-          <a:srcRect l="-65620" t="-65620" r="-65620" b="-65620"/>
-          <a:stretch/>
-        </p:blipFill>
-        <p:spPr>
-          <a:xfrm>
-            <a:off x="8410099" y="3979906"/>
-            <a:ext cx="1041323" cy="1041323"/>
-          </a:xfrm>
-        </p:spPr>
-      </p:pic>
-      <p:sp>
-        <p:nvSpPr>
-          <p:cNvPr id="10" name="Текст 9">
-            <a:extLst>
-              <a:ext uri="{FF2B5EF4-FFF2-40B4-BE49-F238E27FC236}">
-                <a16:creationId xmlns:a16="http://schemas.microsoft.com/office/drawing/2014/main" id="{83E86EAF-D8FA-4229-BD4A-CCAAF9A19DD6}"/>
-              </a:ext>
-            </a:extLst>
-          </p:cNvPr>
-          <p:cNvSpPr>
-            <a:spLocks noGrp="1"/>
-          </p:cNvSpPr>
-          <p:nvPr>
-            <p:ph type="body" sz="quarter" idx="20"/>
-          </p:nvPr>
-        </p:nvSpPr>
-        <p:spPr>
-          <a:xfrm>
-            <a:off x="9519533" y="3630092"/>
-            <a:ext cx="2095046" cy="1826703"/>
-          </a:xfrm>
-        </p:spPr>
-        <p:txBody>
-          <a:bodyPr rtlCol="0">
-            <a:normAutofit lnSpcReduction="10000"/>
-          </a:bodyPr>
-          <a:lstStyle/>
-          <a:p>
-            <a:pPr rtl="0"/>
-            <a:r>
-              <a:rPr lang="ru-RU" dirty="0"/>
-              <a:t>Я предоставляю дополнительную помощь до и после занятий. По возможности предупредите меня заранее для обеспечения соответствующего планирования.</a:t>
-            </a:r>
-          </a:p>
-        </p:txBody>
-      </p:sp>
-      <p:sp>
-        <p:nvSpPr>
-          <p:cNvPr id="29" name="Номер слайда 28">
-            <a:extLst>
-              <a:ext uri="{FF2B5EF4-FFF2-40B4-BE49-F238E27FC236}">
-                <a16:creationId xmlns:a16="http://schemas.microsoft.com/office/drawing/2014/main" id="{F5A71D41-5822-AC42-8C29-6AFDEB817A8A}"/>
-              </a:ext>
-            </a:extLst>
-          </p:cNvPr>
-          <p:cNvSpPr>
-            <a:spLocks noGrp="1"/>
-          </p:cNvSpPr>
-          <p:nvPr>
-            <p:ph type="sldNum" sz="quarter" idx="12"/>
-          </p:nvPr>
-        </p:nvSpPr>
-        <p:spPr/>
-        <p:txBody>
-          <a:bodyPr rtlCol="0"/>
-          <a:lstStyle/>
-          <a:p>
-            <a:pPr rtl="0"/>
-            <a:fld id="{9FF96B15-8338-45D5-A943-561235072D66}" type="slidenum">
-              <a:rPr lang="ru-RU" smtClean="0"/>
-              <a:t>11</a:t>
-            </a:fld>
-            <a:endParaRPr lang="ru-RU"/>
-          </a:p>
-        </p:txBody>
-      </p:sp>
-    </p:spTree>
-    <p:extLst>
-      <p:ext uri="{BB962C8B-B14F-4D97-AF65-F5344CB8AC3E}">
-        <p14:creationId xmlns:p14="http://schemas.microsoft.com/office/powerpoint/2010/main" val="1486305253"/>
-      </p:ext>
-    </p:extLst>
-  </p:cSld>
-  <p:clrMapOvr>
-    <a:masterClrMapping/>
-  </p:clrMapOvr>
-</p:sld>
-</file>
-
-<file path=ppt/slides/slide12.xml><?xml version="1.0" encoding="utf-8"?>
-<p:sld xmlns:a="http://schemas.openxmlformats.org/drawingml/2006/main" xmlns:r="http://schemas.openxmlformats.org/officeDocument/2006/relationships" xmlns:p="http://schemas.openxmlformats.org/presentationml/2006/main">
-  <p:cSld>
-    <p:spTree>
-      <p:nvGrpSpPr>
-        <p:cNvPr id="1" name=""/>
-        <p:cNvGrpSpPr/>
-        <p:nvPr/>
-      </p:nvGrpSpPr>
-      <p:grpSpPr>
-        <a:xfrm>
-          <a:off x="0" y="0"/>
-          <a:ext cx="0" cy="0"/>
-          <a:chOff x="0" y="0"/>
-          <a:chExt cx="0" cy="0"/>
-        </a:xfrm>
-      </p:grpSpPr>
-      <p:sp>
-        <p:nvSpPr>
-          <p:cNvPr id="8" name="Заголовок 7">
-            <a:extLst>
-              <a:ext uri="{FF2B5EF4-FFF2-40B4-BE49-F238E27FC236}">
-                <a16:creationId xmlns:a16="http://schemas.microsoft.com/office/drawing/2014/main" id="{5495FDB2-AFE9-4654-B647-0B61FFE74E5F}"/>
-              </a:ext>
-            </a:extLst>
-          </p:cNvPr>
-          <p:cNvSpPr>
-            <a:spLocks noGrp="1"/>
-          </p:cNvSpPr>
-          <p:nvPr>
-            <p:ph type="title"/>
-          </p:nvPr>
-        </p:nvSpPr>
-        <p:spPr/>
-        <p:txBody>
-          <a:bodyPr rtlCol="0">
-            <a:normAutofit/>
-          </a:bodyPr>
-          <a:lstStyle/>
-          <a:p>
-            <a:pPr rtl="0"/>
-            <a:r>
-              <a:rPr lang="ru-RU" sz="2300">
-                <a:solidFill>
-                  <a:schemeClr val="bg1"/>
-                </a:solidFill>
-              </a:rPr>
-              <a:t>Когда следует проявлять позитивный настрой и уважение?</a:t>
-            </a:r>
-          </a:p>
-        </p:txBody>
-      </p:sp>
-      <p:sp>
-        <p:nvSpPr>
-          <p:cNvPr id="9" name="Объект 8">
-            <a:extLst>
-              <a:ext uri="{FF2B5EF4-FFF2-40B4-BE49-F238E27FC236}">
-                <a16:creationId xmlns:a16="http://schemas.microsoft.com/office/drawing/2014/main" id="{00B1292E-B737-4FE7-9300-AC938EA7FB39}"/>
-              </a:ext>
-            </a:extLst>
-          </p:cNvPr>
-          <p:cNvSpPr>
-            <a:spLocks noGrp="1"/>
-          </p:cNvSpPr>
-          <p:nvPr>
-            <p:ph type="body" sz="half" idx="2"/>
-          </p:nvPr>
-        </p:nvSpPr>
-        <p:spPr/>
-        <p:txBody>
-          <a:bodyPr rtlCol="0"/>
-          <a:lstStyle/>
-          <a:p>
-            <a:pPr rtl="0">
-              <a:buFont typeface="Wingdings" panose="05000000000000000000" pitchFamily="2" charset="2"/>
-              <a:buChar char="Ø"/>
-            </a:pPr>
-            <a:r>
-              <a:rPr lang="ru-RU">
-                <a:solidFill>
-                  <a:schemeClr val="bg1"/>
-                </a:solidFill>
-              </a:rPr>
-              <a:t>ВСЕГДА! Старайтесь быть вежливыми и сохранять позитивный настрой каждый день. Нам предстоит потрясающий год!</a:t>
-            </a:r>
-          </a:p>
-        </p:txBody>
-      </p:sp>
-      <p:pic>
-        <p:nvPicPr>
-          <p:cNvPr id="22" name="Рисунок 21" descr="Молодой учащийся, держащий книгу и ручку">
-            <a:extLst>
-              <a:ext uri="{FF2B5EF4-FFF2-40B4-BE49-F238E27FC236}">
-                <a16:creationId xmlns:a16="http://schemas.microsoft.com/office/drawing/2014/main" id="{E3E67B8C-FF6C-4AE0-9AA4-F6E7771D5C5E}"/>
-              </a:ext>
-            </a:extLst>
-          </p:cNvPr>
-          <p:cNvPicPr>
-            <a:picLocks noGrp="1" noChangeAspect="1"/>
-          </p:cNvPicPr>
-          <p:nvPr>
-            <p:ph type="pic" idx="1"/>
-          </p:nvPr>
-        </p:nvPicPr>
-        <p:blipFill rotWithShape="1">
-          <a:blip r:embed="rId3">
-            <a:extLst>
-              <a:ext uri="{28A0092B-C50C-407E-A947-70E740481C1C}">
-                <a14:useLocalDpi xmlns:a14="http://schemas.microsoft.com/office/drawing/2010/main" val="0"/>
-              </a:ext>
-            </a:extLst>
-          </a:blip>
-          <a:srcRect/>
-          <a:stretch/>
-        </p:blipFill>
-        <p:spPr>
-          <a:xfrm>
-            <a:off x="6058861" y="478881"/>
-            <a:ext cx="5582675" cy="5908526"/>
-          </a:xfrm>
-        </p:spPr>
-      </p:pic>
-      <p:sp>
-        <p:nvSpPr>
-          <p:cNvPr id="5" name="Прямоугольник 4" descr="Декоративный элемент">
-            <a:extLst>
-              <a:ext uri="{FF2B5EF4-FFF2-40B4-BE49-F238E27FC236}">
-                <a16:creationId xmlns:a16="http://schemas.microsoft.com/office/drawing/2014/main" id="{8F1F545D-EFC6-4292-A41D-186A85833395}"/>
-              </a:ext>
-              <a:ext uri="{C183D7F6-B498-43B3-948B-1728B52AA6E4}">
-                <adec:decorative xmlns:adec="http://schemas.microsoft.com/office/drawing/2017/decorative" val="1"/>
-              </a:ext>
-            </a:extLst>
-          </p:cNvPr>
-          <p:cNvSpPr>
-            <a:spLocks noGrp="1" noRot="1" noChangeAspect="1" noMove="1" noResize="1" noEditPoints="1" noAdjustHandles="1" noChangeArrowheads="1" noChangeShapeType="1" noTextEdit="1"/>
-          </p:cNvSpPr>
-          <p:nvPr>
-            <p:extLst>
-              <p:ext uri="{386F3935-93C4-4BCD-93E2-E3B085C9AB24}">
-                <p16:designElem xmlns:p16="http://schemas.microsoft.com/office/powerpoint/2015/main" val="1"/>
-              </p:ext>
-            </p:extLst>
-          </p:nvPr>
-        </p:nvSpPr>
-        <p:spPr>
-          <a:xfrm>
-            <a:off x="10437812" y="0"/>
-            <a:ext cx="685800" cy="1143000"/>
-          </a:xfrm>
-          <a:prstGeom prst="rect">
-            <a:avLst/>
-          </a:prstGeom>
-          <a:solidFill>
-            <a:schemeClr val="accent1"/>
-          </a:solidFill>
-          <a:ln>
-            <a:noFill/>
-          </a:ln>
-        </p:spPr>
-        <p:style>
-          <a:lnRef idx="1">
-            <a:schemeClr val="accent1"/>
-          </a:lnRef>
-          <a:fillRef idx="3">
-            <a:schemeClr val="accent1"/>
-          </a:fillRef>
-          <a:effectRef idx="2">
-            <a:schemeClr val="accent1"/>
-          </a:effectRef>
-          <a:fontRef idx="minor">
-            <a:schemeClr val="lt1"/>
-          </a:fontRef>
-        </p:style>
-      </p:sp>
-      <p:sp>
-        <p:nvSpPr>
-          <p:cNvPr id="6" name="Номер слайда 5">
-            <a:extLst>
-              <a:ext uri="{FF2B5EF4-FFF2-40B4-BE49-F238E27FC236}">
-                <a16:creationId xmlns:a16="http://schemas.microsoft.com/office/drawing/2014/main" id="{7CAE59E7-4ACA-354D-B7B9-2DF31F54686F}"/>
-              </a:ext>
-            </a:extLst>
-          </p:cNvPr>
-          <p:cNvSpPr>
-            <a:spLocks noGrp="1"/>
-          </p:cNvSpPr>
-          <p:nvPr>
-            <p:ph type="sldNum" sz="quarter" idx="12"/>
-          </p:nvPr>
-        </p:nvSpPr>
-        <p:spPr/>
-        <p:txBody>
-          <a:bodyPr rtlCol="0"/>
-          <a:lstStyle/>
-          <a:p>
-            <a:pPr rtl="0"/>
-            <a:fld id="{9FF96B15-8338-45D5-A943-561235072D66}" type="slidenum">
-              <a:rPr lang="ru-RU" smtClean="0"/>
-              <a:t>12</a:t>
-            </a:fld>
-            <a:endParaRPr lang="ru-RU"/>
-          </a:p>
-        </p:txBody>
-      </p:sp>
-    </p:spTree>
-    <p:extLst>
-      <p:ext uri="{BB962C8B-B14F-4D97-AF65-F5344CB8AC3E}">
-        <p14:creationId xmlns:p14="http://schemas.microsoft.com/office/powerpoint/2010/main" val="4049523675"/>
-      </p:ext>
-    </p:extLst>
-  </p:cSld>
-  <p:clrMapOvr>
-    <a:masterClrMapping/>
-  </p:clrMapOvr>
-</p:sld>
-</file>
-
-<file path=ppt/slides/slide13.xml><?xml version="1.0" encoding="utf-8"?>
-<p:sld xmlns:a="http://schemas.openxmlformats.org/drawingml/2006/main" xmlns:r="http://schemas.openxmlformats.org/officeDocument/2006/relationships" xmlns:p="http://schemas.openxmlformats.org/presentationml/2006/main">
-  <p:cSld>
-    <p:spTree>
-      <p:nvGrpSpPr>
-        <p:cNvPr id="1" name=""/>
-        <p:cNvGrpSpPr/>
-        <p:nvPr/>
-      </p:nvGrpSpPr>
-      <p:grpSpPr>
-        <a:xfrm>
-          <a:off x="0" y="0"/>
-          <a:ext cx="0" cy="0"/>
-          <a:chOff x="0" y="0"/>
-          <a:chExt cx="0" cy="0"/>
-        </a:xfrm>
-      </p:grpSpPr>
-      <p:sp>
-        <p:nvSpPr>
-          <p:cNvPr id="4" name="Заголовок 3">
-            <a:extLst>
-              <a:ext uri="{FF2B5EF4-FFF2-40B4-BE49-F238E27FC236}">
-                <a16:creationId xmlns:a16="http://schemas.microsoft.com/office/drawing/2014/main" id="{E98DCA46-603B-4178-8707-30E192CE6B8D}"/>
-              </a:ext>
-            </a:extLst>
-          </p:cNvPr>
-          <p:cNvSpPr>
-            <a:spLocks noGrp="1"/>
-          </p:cNvSpPr>
-          <p:nvPr>
-            <p:ph type="title"/>
-          </p:nvPr>
-        </p:nvSpPr>
-        <p:spPr/>
-        <p:txBody>
-          <a:bodyPr rtlCol="0"/>
-          <a:lstStyle/>
-          <a:p>
-            <a:pPr rtl="0"/>
-            <a:r>
-              <a:rPr lang="ru-RU"/>
-              <a:t>Настройте этот шаблон</a:t>
-            </a:r>
-          </a:p>
-        </p:txBody>
-      </p:sp>
-      <p:sp>
-        <p:nvSpPr>
-          <p:cNvPr id="8" name="Надпись 7">
-            <a:hlinkClick r:id="rId3"/>
-            <a:extLst>
-              <a:ext uri="{FF2B5EF4-FFF2-40B4-BE49-F238E27FC236}">
-                <a16:creationId xmlns:a16="http://schemas.microsoft.com/office/drawing/2014/main" id="{5FC6C278-4035-446A-A94B-030E792FDDF5}"/>
-              </a:ext>
-            </a:extLst>
-          </p:cNvPr>
-          <p:cNvSpPr txBox="1"/>
-          <p:nvPr/>
-        </p:nvSpPr>
-        <p:spPr>
-          <a:xfrm>
-            <a:off x="1547813" y="2459504"/>
-            <a:ext cx="9096374" cy="3780000"/>
-          </a:xfrm>
-          <a:prstGeom prst="rect">
-            <a:avLst/>
-          </a:prstGeom>
-          <a:noFill/>
-        </p:spPr>
-        <p:txBody>
-          <a:bodyPr wrap="square" rtlCol="0">
-            <a:noAutofit/>
-          </a:bodyPr>
-          <a:lstStyle/>
-          <a:p>
-            <a:pPr algn="ctr" rtl="0"/>
-            <a:r>
-              <a:rPr lang="ru-RU" sz="6000" u="sng" dirty="0">
-                <a:solidFill>
-                  <a:srgbClr val="0070C0"/>
-                </a:solidFill>
-              </a:rPr>
-              <a:t>Инструкции по редактированию шаблона и обратная связь</a:t>
-            </a:r>
-          </a:p>
-        </p:txBody>
-      </p:sp>
-      <p:sp>
-        <p:nvSpPr>
-          <p:cNvPr id="3" name="Номер слайда 2">
-            <a:extLst>
-              <a:ext uri="{FF2B5EF4-FFF2-40B4-BE49-F238E27FC236}">
-                <a16:creationId xmlns:a16="http://schemas.microsoft.com/office/drawing/2014/main" id="{6472FF9E-E08E-4D18-A1A9-66DDD3775C05}"/>
-              </a:ext>
-            </a:extLst>
-          </p:cNvPr>
-          <p:cNvSpPr>
-            <a:spLocks noGrp="1"/>
-          </p:cNvSpPr>
-          <p:nvPr>
-            <p:ph type="sldNum" sz="quarter" idx="12"/>
-          </p:nvPr>
-        </p:nvSpPr>
-        <p:spPr/>
-        <p:txBody>
-          <a:bodyPr/>
-          <a:lstStyle/>
-          <a:p>
-            <a:pPr rtl="0"/>
-            <a:fld id="{9FF96B15-8338-45D5-A943-561235072D66}" type="slidenum">
-              <a:rPr lang="ru-RU" smtClean="0"/>
-              <a:t>13</a:t>
-            </a:fld>
-            <a:endParaRPr lang="ru-RU" dirty="0"/>
-          </a:p>
-        </p:txBody>
-      </p:sp>
-    </p:spTree>
-    <p:extLst>
-      <p:ext uri="{BB962C8B-B14F-4D97-AF65-F5344CB8AC3E}">
-        <p14:creationId xmlns:p14="http://schemas.microsoft.com/office/powerpoint/2010/main" val="2929089275"/>
-      </p:ext>
-    </p:extLst>
-  </p:cSld>
-  <p:clrMapOvr>
-    <a:masterClrMapping/>
-  </p:clrMapOvr>
-</p:sld>
-</file>
-
-<file path=ppt/slides/slide2.xml><?xml version="1.0" encoding="utf-8"?>
-<p:sld xmlns:a="http://schemas.openxmlformats.org/drawingml/2006/main" xmlns:r="http://schemas.openxmlformats.org/officeDocument/2006/relationships" xmlns:p="http://schemas.openxmlformats.org/presentationml/2006/main">
-  <p:cSld>
-    <p:spTree>
-      <p:nvGrpSpPr>
-        <p:cNvPr id="1" name=""/>
-        <p:cNvGrpSpPr/>
-        <p:nvPr/>
-      </p:nvGrpSpPr>
-      <p:grpSpPr>
-        <a:xfrm>
-          <a:off x="0" y="0"/>
-          <a:ext cx="0" cy="0"/>
-          <a:chOff x="0" y="0"/>
-          <a:chExt cx="0" cy="0"/>
-        </a:xfrm>
-      </p:grpSpPr>
-      <p:sp>
-        <p:nvSpPr>
-          <p:cNvPr id="4" name="Заголовок 3">
-            <a:extLst>
-              <a:ext uri="{FF2B5EF4-FFF2-40B4-BE49-F238E27FC236}">
-                <a16:creationId xmlns:a16="http://schemas.microsoft.com/office/drawing/2014/main" id="{E98DCA46-603B-4178-8707-30E192CE6B8D}"/>
-              </a:ext>
-            </a:extLst>
-          </p:cNvPr>
-          <p:cNvSpPr>
-            <a:spLocks noGrp="1"/>
-          </p:cNvSpPr>
-          <p:nvPr>
-            <p:ph type="title"/>
-          </p:nvPr>
-        </p:nvSpPr>
-        <p:spPr/>
-        <p:txBody>
-          <a:bodyPr rtlCol="0"/>
-          <a:lstStyle/>
-          <a:p>
-            <a:pPr rtl="0"/>
-            <a:r>
-              <a:rPr lang="ru-RU" dirty="0"/>
-              <a:t>Как записать буквы и символы?</a:t>
-            </a:r>
-          </a:p>
-        </p:txBody>
-      </p:sp>
-      <p:sp>
-        <p:nvSpPr>
-          <p:cNvPr id="3" name="Номер слайда 2">
-            <a:extLst>
-              <a:ext uri="{FF2B5EF4-FFF2-40B4-BE49-F238E27FC236}">
-                <a16:creationId xmlns:a16="http://schemas.microsoft.com/office/drawing/2014/main" id="{6472FF9E-E08E-4D18-A1A9-66DDD3775C05}"/>
-              </a:ext>
-            </a:extLst>
-          </p:cNvPr>
-          <p:cNvSpPr>
-            <a:spLocks noGrp="1"/>
-          </p:cNvSpPr>
-          <p:nvPr>
-            <p:ph type="sldNum" sz="quarter" idx="12"/>
-          </p:nvPr>
-        </p:nvSpPr>
-        <p:spPr/>
-        <p:txBody>
-          <a:bodyPr/>
-          <a:lstStyle/>
-          <a:p>
-            <a:pPr rtl="0"/>
-            <a:fld id="{9FF96B15-8338-45D5-A943-561235072D66}" type="slidenum">
-              <a:rPr lang="ru-RU" smtClean="0"/>
-              <a:t>2</a:t>
-            </a:fld>
-            <a:endParaRPr lang="ru-RU" dirty="0"/>
-          </a:p>
-        </p:txBody>
-      </p:sp>
-      <p:sp>
-        <p:nvSpPr>
-          <p:cNvPr id="5" name="Прямоугольник 4">
-            <a:extLst>
-              <a:ext uri="{FF2B5EF4-FFF2-40B4-BE49-F238E27FC236}">
-                <a16:creationId xmlns:a16="http://schemas.microsoft.com/office/drawing/2014/main" id="{71B84B65-ECD6-453F-8AE2-C04CC44EE0C3}"/>
-              </a:ext>
-            </a:extLst>
-          </p:cNvPr>
-          <p:cNvSpPr/>
-          <p:nvPr/>
-        </p:nvSpPr>
-        <p:spPr>
-          <a:xfrm>
-            <a:off x="2468874" y="3942166"/>
-            <a:ext cx="6458819" cy="830997"/>
-          </a:xfrm>
-          <a:prstGeom prst="rect">
-            <a:avLst/>
-          </a:prstGeom>
-        </p:spPr>
-        <p:txBody>
-          <a:bodyPr wrap="none">
-            <a:spAutoFit/>
-          </a:bodyPr>
-          <a:lstStyle/>
-          <a:p>
-            <a:r>
-              <a:rPr lang="ru-RU" sz="4800" kern="100" dirty="0">
-                <a:solidFill>
-                  <a:srgbClr val="000000"/>
-                </a:solidFill>
-                <a:latin typeface="Times New Roman" panose="02020603050405020304" pitchFamily="18" charset="0"/>
-                <a:ea typeface="Arial Unicode MS"/>
-                <a:cs typeface="Arial Unicode MS"/>
-              </a:rPr>
-              <a:t>https://unicode-table.com</a:t>
-            </a:r>
-            <a:endParaRPr lang="ru-RU" sz="4800" dirty="0"/>
-          </a:p>
-        </p:txBody>
-      </p:sp>
-    </p:spTree>
-    <p:extLst>
-      <p:ext uri="{BB962C8B-B14F-4D97-AF65-F5344CB8AC3E}">
-        <p14:creationId xmlns:p14="http://schemas.microsoft.com/office/powerpoint/2010/main" val="2394598200"/>
-      </p:ext>
-    </p:extLst>
-  </p:cSld>
-  <p:clrMapOvr>
-    <a:masterClrMapping/>
-  </p:clrMapOvr>
-</p:sld>
-</file>
-
-<file path=ppt/slides/slide3.xml><?xml version="1.0" encoding="utf-8"?>
 <p:sld xmlns:a="http://schemas.openxmlformats.org/drawingml/2006/main" xmlns:r="http://schemas.openxmlformats.org/officeDocument/2006/relationships" xmlns:p="http://schemas.openxmlformats.org/presentationml/2006/main">
   <p:cSld>
     <p:bg>
@@ -19157,7 +18309,7 @@
             <a:pPr rtl="0"/>
             <a:fld id="{9FF96B15-8338-45D5-A943-561235072D66}" type="slidenum">
               <a:rPr lang="ru-RU" smtClean="0"/>
-              <a:t>3</a:t>
+              <a:t>11</a:t>
             </a:fld>
             <a:endParaRPr lang="ru-RU" dirty="0"/>
           </a:p>
@@ -19360,7 +18512,7 @@
 </p:sld>
 </file>
 
-<file path=ppt/slides/slide4.xml><?xml version="1.0" encoding="utf-8"?>
+<file path=ppt/slides/slide12.xml><?xml version="1.0" encoding="utf-8"?>
 <p:sld xmlns:a="http://schemas.openxmlformats.org/drawingml/2006/main" xmlns:r="http://schemas.openxmlformats.org/officeDocument/2006/relationships" xmlns:p="http://schemas.openxmlformats.org/presentationml/2006/main">
   <p:cSld>
     <p:bg>
@@ -19588,7 +18740,7 @@
             <a:pPr rtl="0"/>
             <a:fld id="{9FF96B15-8338-45D5-A943-561235072D66}" type="slidenum">
               <a:rPr lang="ru-RU" smtClean="0"/>
-              <a:t>4</a:t>
+              <a:t>12</a:t>
             </a:fld>
             <a:endParaRPr lang="ru-RU"/>
           </a:p>
@@ -19607,7 +18759,7 @@
 </p:sld>
 </file>
 
-<file path=ppt/slides/slide5.xml><?xml version="1.0" encoding="utf-8"?>
+<file path=ppt/slides/slide13.xml><?xml version="1.0" encoding="utf-8"?>
 <p:sld xmlns:a="http://schemas.openxmlformats.org/drawingml/2006/main" xmlns:r="http://schemas.openxmlformats.org/officeDocument/2006/relationships" xmlns:p="http://schemas.openxmlformats.org/presentationml/2006/main">
   <p:cSld>
     <p:spTree>
@@ -19988,7 +19140,7 @@
             <a:pPr rtl="0"/>
             <a:fld id="{9FF96B15-8338-45D5-A943-561235072D66}" type="slidenum">
               <a:rPr lang="ru-RU" smtClean="0"/>
-              <a:t>5</a:t>
+              <a:t>13</a:t>
             </a:fld>
             <a:endParaRPr lang="ru-RU"/>
           </a:p>
@@ -20007,7 +19159,7 @@
 </p:sld>
 </file>
 
-<file path=ppt/slides/slide6.xml><?xml version="1.0" encoding="utf-8"?>
+<file path=ppt/slides/slide14.xml><?xml version="1.0" encoding="utf-8"?>
 <p:sld xmlns:a="http://schemas.openxmlformats.org/drawingml/2006/main" xmlns:r="http://schemas.openxmlformats.org/officeDocument/2006/relationships" xmlns:p="http://schemas.openxmlformats.org/presentationml/2006/main">
   <p:cSld>
     <p:bg>
@@ -20443,7 +19595,7 @@
             <a:pPr rtl="0"/>
             <a:fld id="{9FF96B15-8338-45D5-A943-561235072D66}" type="slidenum">
               <a:rPr lang="ru-RU" smtClean="0"/>
-              <a:t>6</a:t>
+              <a:t>14</a:t>
             </a:fld>
             <a:endParaRPr lang="ru-RU"/>
           </a:p>
@@ -20462,7 +19614,7 @@
 </p:sld>
 </file>
 
-<file path=ppt/slides/slide7.xml><?xml version="1.0" encoding="utf-8"?>
+<file path=ppt/slides/slide15.xml><?xml version="1.0" encoding="utf-8"?>
 <p:sld xmlns:a="http://schemas.openxmlformats.org/drawingml/2006/main" xmlns:r="http://schemas.openxmlformats.org/officeDocument/2006/relationships" xmlns:p="http://schemas.openxmlformats.org/presentationml/2006/main">
   <p:cSld>
     <p:spTree>
@@ -20690,7 +19842,7 @@
             <a:fld id="{9FF96B15-8338-45D5-A943-561235072D66}" type="slidenum">
               <a:rPr lang="ru-RU" smtClean="0"/>
               <a:pPr rtl="0"/>
-              <a:t>7</a:t>
+              <a:t>15</a:t>
             </a:fld>
             <a:endParaRPr lang="ru-RU"/>
           </a:p>
@@ -20709,7 +19861,7 @@
 </p:sld>
 </file>
 
-<file path=ppt/slides/slide8.xml><?xml version="1.0" encoding="utf-8"?>
+<file path=ppt/slides/slide16.xml><?xml version="1.0" encoding="utf-8"?>
 <p:sld xmlns:a="http://schemas.openxmlformats.org/drawingml/2006/main" xmlns:r="http://schemas.openxmlformats.org/officeDocument/2006/relationships" xmlns:p="http://schemas.openxmlformats.org/presentationml/2006/main">
   <p:cSld>
     <p:bg>
@@ -20922,7 +20074,7 @@
             <a:pPr rtl="0"/>
             <a:fld id="{9FF96B15-8338-45D5-A943-561235072D66}" type="slidenum">
               <a:rPr lang="ru-RU" smtClean="0"/>
-              <a:t>8</a:t>
+              <a:t>16</a:t>
             </a:fld>
             <a:endParaRPr lang="ru-RU"/>
           </a:p>
@@ -20941,7 +20093,7 @@
 </p:sld>
 </file>
 
-<file path=ppt/slides/slide9.xml><?xml version="1.0" encoding="utf-8"?>
+<file path=ppt/slides/slide17.xml><?xml version="1.0" encoding="utf-8"?>
 <p:sld xmlns:a="http://schemas.openxmlformats.org/drawingml/2006/main" xmlns:r="http://schemas.openxmlformats.org/officeDocument/2006/relationships" xmlns:p="http://schemas.openxmlformats.org/presentationml/2006/main">
   <p:cSld>
     <p:spTree>
@@ -21299,7 +20451,7 @@
             <a:pPr rtl="0"/>
             <a:fld id="{9FF96B15-8338-45D5-A943-561235072D66}" type="slidenum">
               <a:rPr lang="ru-RU" smtClean="0"/>
-              <a:t>9</a:t>
+              <a:t>17</a:t>
             </a:fld>
             <a:endParaRPr lang="ru-RU"/>
           </a:p>
@@ -21309,6 +20461,3827 @@
     <p:extLst>
       <p:ext uri="{BB962C8B-B14F-4D97-AF65-F5344CB8AC3E}">
         <p14:creationId xmlns:p14="http://schemas.microsoft.com/office/powerpoint/2010/main" val="3663049606"/>
+      </p:ext>
+    </p:extLst>
+  </p:cSld>
+  <p:clrMapOvr>
+    <a:masterClrMapping/>
+  </p:clrMapOvr>
+</p:sld>
+</file>
+
+<file path=ppt/slides/slide18.xml><?xml version="1.0" encoding="utf-8"?>
+<p:sld xmlns:a="http://schemas.openxmlformats.org/drawingml/2006/main" xmlns:r="http://schemas.openxmlformats.org/officeDocument/2006/relationships" xmlns:p="http://schemas.openxmlformats.org/presentationml/2006/main">
+  <p:cSld>
+    <p:bg>
+      <p:bgPr>
+        <a:solidFill>
+          <a:schemeClr val="bg1"/>
+        </a:solidFill>
+        <a:effectLst/>
+      </p:bgPr>
+    </p:bg>
+    <p:spTree>
+      <p:nvGrpSpPr>
+        <p:cNvPr id="1" name=""/>
+        <p:cNvGrpSpPr/>
+        <p:nvPr/>
+      </p:nvGrpSpPr>
+      <p:grpSpPr>
+        <a:xfrm>
+          <a:off x="0" y="0"/>
+          <a:ext cx="0" cy="0"/>
+          <a:chOff x="0" y="0"/>
+          <a:chExt cx="0" cy="0"/>
+        </a:xfrm>
+      </p:grpSpPr>
+      <p:sp>
+        <p:nvSpPr>
+          <p:cNvPr id="2" name="Заголовок 1">
+            <a:extLst>
+              <a:ext uri="{FF2B5EF4-FFF2-40B4-BE49-F238E27FC236}">
+                <a16:creationId xmlns:a16="http://schemas.microsoft.com/office/drawing/2014/main" id="{C185B441-CEE7-4B03-83E6-D9CE5466EDFC}"/>
+              </a:ext>
+            </a:extLst>
+          </p:cNvPr>
+          <p:cNvSpPr>
+            <a:spLocks noGrp="1"/>
+          </p:cNvSpPr>
+          <p:nvPr>
+            <p:ph type="title"/>
+          </p:nvPr>
+        </p:nvSpPr>
+        <p:spPr/>
+        <p:txBody>
+          <a:bodyPr rtlCol="0">
+            <a:normAutofit/>
+          </a:bodyPr>
+          <a:lstStyle/>
+          <a:p>
+            <a:pPr rtl="0"/>
+            <a:r>
+              <a:rPr lang="ru-RU" sz="2300" dirty="0">
+                <a:solidFill>
+                  <a:schemeClr val="bg1"/>
+                </a:solidFill>
+              </a:rPr>
+              <a:t>Выстраивание на перемену, обед и другие мероприятия</a:t>
+            </a:r>
+          </a:p>
+        </p:txBody>
+      </p:sp>
+      <p:graphicFrame>
+        <p:nvGraphicFramePr>
+          <p:cNvPr id="5" name="Объект 2" descr="3 нумерованных маркера в ряд&#10;">
+            <a:extLst>
+              <a:ext uri="{FF2B5EF4-FFF2-40B4-BE49-F238E27FC236}">
+                <a16:creationId xmlns:a16="http://schemas.microsoft.com/office/drawing/2014/main" id="{98A38006-F5DD-4447-B2BD-295B48BD10E7}"/>
+              </a:ext>
+            </a:extLst>
+          </p:cNvPr>
+          <p:cNvGraphicFramePr>
+            <a:graphicFrameLocks noGrp="1"/>
+          </p:cNvGraphicFramePr>
+          <p:nvPr>
+            <p:ph idx="4294967295"/>
+            <p:extLst>
+              <p:ext uri="{D42A27DB-BD31-4B8C-83A1-F6EECF244321}">
+                <p14:modId xmlns:p14="http://schemas.microsoft.com/office/powerpoint/2010/main" val="3809791121"/>
+              </p:ext>
+            </p:extLst>
+          </p:nvPr>
+        </p:nvGraphicFramePr>
+        <p:xfrm>
+          <a:off x="5313045" y="808038"/>
+          <a:ext cx="6391275" cy="5246687"/>
+        </p:xfrm>
+        <a:graphic>
+          <a:graphicData uri="http://schemas.openxmlformats.org/drawingml/2006/diagram">
+            <dgm:relIds xmlns:dgm="http://schemas.openxmlformats.org/drawingml/2006/diagram" xmlns:r="http://schemas.openxmlformats.org/officeDocument/2006/relationships" r:dm="rId3" r:lo="rId4" r:qs="rId5" r:cs="rId6"/>
+          </a:graphicData>
+        </a:graphic>
+      </p:graphicFrame>
+      <p:sp>
+        <p:nvSpPr>
+          <p:cNvPr id="3" name="Номер слайда 2">
+            <a:extLst>
+              <a:ext uri="{FF2B5EF4-FFF2-40B4-BE49-F238E27FC236}">
+                <a16:creationId xmlns:a16="http://schemas.microsoft.com/office/drawing/2014/main" id="{94018E4B-A0D3-6B4E-B245-90AFCE920A5E}"/>
+              </a:ext>
+            </a:extLst>
+          </p:cNvPr>
+          <p:cNvSpPr>
+            <a:spLocks noGrp="1"/>
+          </p:cNvSpPr>
+          <p:nvPr>
+            <p:ph type="sldNum" sz="quarter" idx="12"/>
+          </p:nvPr>
+        </p:nvSpPr>
+        <p:spPr/>
+        <p:txBody>
+          <a:bodyPr rtlCol="0"/>
+          <a:lstStyle/>
+          <a:p>
+            <a:pPr rtl="0"/>
+            <a:fld id="{9FF96B15-8338-45D5-A943-561235072D66}" type="slidenum">
+              <a:rPr lang="ru-RU" smtClean="0"/>
+              <a:t>18</a:t>
+            </a:fld>
+            <a:endParaRPr lang="ru-RU" dirty="0"/>
+          </a:p>
+        </p:txBody>
+      </p:sp>
+    </p:spTree>
+    <p:extLst>
+      <p:ext uri="{BB962C8B-B14F-4D97-AF65-F5344CB8AC3E}">
+        <p14:creationId xmlns:p14="http://schemas.microsoft.com/office/powerpoint/2010/main" val="3628637217"/>
+      </p:ext>
+    </p:extLst>
+  </p:cSld>
+  <p:clrMapOvr>
+    <a:masterClrMapping/>
+  </p:clrMapOvr>
+</p:sld>
+</file>
+
+<file path=ppt/slides/slide19.xml><?xml version="1.0" encoding="utf-8"?>
+<p:sld xmlns:a="http://schemas.openxmlformats.org/drawingml/2006/main" xmlns:r="http://schemas.openxmlformats.org/officeDocument/2006/relationships" xmlns:p="http://schemas.openxmlformats.org/presentationml/2006/main">
+  <p:cSld>
+    <p:spTree>
+      <p:nvGrpSpPr>
+        <p:cNvPr id="1" name=""/>
+        <p:cNvGrpSpPr/>
+        <p:nvPr/>
+      </p:nvGrpSpPr>
+      <p:grpSpPr>
+        <a:xfrm>
+          <a:off x="0" y="0"/>
+          <a:ext cx="0" cy="0"/>
+          <a:chOff x="0" y="0"/>
+          <a:chExt cx="0" cy="0"/>
+        </a:xfrm>
+      </p:grpSpPr>
+      <p:sp>
+        <p:nvSpPr>
+          <p:cNvPr id="2" name="Заголовок 1">
+            <a:extLst>
+              <a:ext uri="{FF2B5EF4-FFF2-40B4-BE49-F238E27FC236}">
+                <a16:creationId xmlns:a16="http://schemas.microsoft.com/office/drawing/2014/main" id="{01E330EF-AD71-4BCA-912D-98E229FAD44D}"/>
+              </a:ext>
+            </a:extLst>
+          </p:cNvPr>
+          <p:cNvSpPr>
+            <a:spLocks noGrp="1"/>
+          </p:cNvSpPr>
+          <p:nvPr>
+            <p:ph type="title"/>
+          </p:nvPr>
+        </p:nvSpPr>
+        <p:spPr/>
+        <p:txBody>
+          <a:bodyPr rtlCol="0"/>
+          <a:lstStyle/>
+          <a:p>
+            <a:pPr rtl="0"/>
+            <a:r>
+              <a:rPr lang="ru-RU" dirty="0"/>
+              <a:t>Как и в каких случаях связываться со мной?</a:t>
+            </a:r>
+          </a:p>
+        </p:txBody>
+      </p:sp>
+      <p:pic>
+        <p:nvPicPr>
+          <p:cNvPr id="12" name="Рисунок 11" descr="Танцы">
+            <a:extLst>
+              <a:ext uri="{FF2B5EF4-FFF2-40B4-BE49-F238E27FC236}">
+                <a16:creationId xmlns:a16="http://schemas.microsoft.com/office/drawing/2014/main" id="{FC1B2E2C-6C17-4D56-85F9-61C465254BB8}"/>
+              </a:ext>
+            </a:extLst>
+          </p:cNvPr>
+          <p:cNvPicPr>
+            <a:picLocks noGrp="1" noChangeAspect="1"/>
+          </p:cNvPicPr>
+          <p:nvPr>
+            <p:ph type="pic" sz="quarter" idx="4294967295"/>
+          </p:nvPr>
+        </p:nvPicPr>
+        <p:blipFill rotWithShape="1">
+          <a:blip r:embed="rId3">
+            <a:extLst>
+              <a:ext uri="{28A0092B-C50C-407E-A947-70E740481C1C}">
+                <a14:useLocalDpi xmlns:a14="http://schemas.microsoft.com/office/drawing/2010/main" val="0"/>
+              </a:ext>
+              <a:ext uri="{96DAC541-7B7A-43D3-8B79-37D633B846F1}">
+                <asvg:svgBlip xmlns:asvg="http://schemas.microsoft.com/office/drawing/2016/SVG/main" r:embed="rId4"/>
+              </a:ext>
+            </a:extLst>
+          </a:blip>
+          <a:srcRect l="-54056" t="-54056" r="-54056" b="-54056"/>
+          <a:stretch/>
+        </p:blipFill>
+        <p:spPr>
+          <a:xfrm>
+            <a:off x="5105845" y="1932281"/>
+            <a:ext cx="1041323" cy="1041323"/>
+          </a:xfrm>
+        </p:spPr>
+      </p:pic>
+      <p:sp>
+        <p:nvSpPr>
+          <p:cNvPr id="4" name="Текст 3">
+            <a:extLst>
+              <a:ext uri="{FF2B5EF4-FFF2-40B4-BE49-F238E27FC236}">
+                <a16:creationId xmlns:a16="http://schemas.microsoft.com/office/drawing/2014/main" id="{DC64ADBA-9106-4F0D-B92F-73E23D3A267F}"/>
+              </a:ext>
+            </a:extLst>
+          </p:cNvPr>
+          <p:cNvSpPr>
+            <a:spLocks noGrp="1"/>
+          </p:cNvSpPr>
+          <p:nvPr>
+            <p:ph type="body" sz="quarter" idx="14"/>
+          </p:nvPr>
+        </p:nvSpPr>
+        <p:spPr>
+          <a:xfrm>
+            <a:off x="6189670" y="1582467"/>
+            <a:ext cx="2095046" cy="1826703"/>
+          </a:xfrm>
+        </p:spPr>
+        <p:txBody>
+          <a:bodyPr rtlCol="0">
+            <a:normAutofit/>
+          </a:bodyPr>
+          <a:lstStyle/>
+          <a:p>
+            <a:pPr rtl="0"/>
+            <a:r>
+              <a:rPr lang="ru-RU" dirty="0"/>
+              <a:t>Я желаю вам успешного и приятного года!</a:t>
+            </a:r>
+          </a:p>
+        </p:txBody>
+      </p:sp>
+      <p:pic>
+        <p:nvPicPr>
+          <p:cNvPr id="14" name="Рисунок 13" descr="Преподаватель">
+            <a:extLst>
+              <a:ext uri="{FF2B5EF4-FFF2-40B4-BE49-F238E27FC236}">
+                <a16:creationId xmlns:a16="http://schemas.microsoft.com/office/drawing/2014/main" id="{BFF29EC3-B08A-46B9-868D-D15E5E1EF3F9}"/>
+              </a:ext>
+            </a:extLst>
+          </p:cNvPr>
+          <p:cNvPicPr>
+            <a:picLocks noGrp="1" noChangeAspect="1"/>
+          </p:cNvPicPr>
+          <p:nvPr>
+            <p:ph type="pic" sz="quarter" idx="4294967295"/>
+          </p:nvPr>
+        </p:nvPicPr>
+        <p:blipFill rotWithShape="1">
+          <a:blip r:embed="rId5">
+            <a:extLst>
+              <a:ext uri="{28A0092B-C50C-407E-A947-70E740481C1C}">
+                <a14:useLocalDpi xmlns:a14="http://schemas.microsoft.com/office/drawing/2010/main" val="0"/>
+              </a:ext>
+              <a:ext uri="{96DAC541-7B7A-43D3-8B79-37D633B846F1}">
+                <asvg:svgBlip xmlns:asvg="http://schemas.microsoft.com/office/drawing/2016/SVG/main" r:embed="rId6"/>
+              </a:ext>
+            </a:extLst>
+          </a:blip>
+          <a:srcRect l="-59789" t="-59789" r="-59789" b="-59789"/>
+          <a:stretch/>
+        </p:blipFill>
+        <p:spPr>
+          <a:xfrm>
+            <a:off x="8410099" y="1932281"/>
+            <a:ext cx="1041323" cy="1041323"/>
+          </a:xfrm>
+        </p:spPr>
+      </p:pic>
+      <p:sp>
+        <p:nvSpPr>
+          <p:cNvPr id="6" name="Текст 5">
+            <a:extLst>
+              <a:ext uri="{FF2B5EF4-FFF2-40B4-BE49-F238E27FC236}">
+                <a16:creationId xmlns:a16="http://schemas.microsoft.com/office/drawing/2014/main" id="{EFDEDC41-3977-462C-A56C-268F31CB5F74}"/>
+              </a:ext>
+            </a:extLst>
+          </p:cNvPr>
+          <p:cNvSpPr>
+            <a:spLocks noGrp="1"/>
+          </p:cNvSpPr>
+          <p:nvPr>
+            <p:ph type="body" sz="quarter" idx="16"/>
+          </p:nvPr>
+        </p:nvSpPr>
+        <p:spPr>
+          <a:xfrm>
+            <a:off x="9519533" y="1582467"/>
+            <a:ext cx="2095046" cy="1826703"/>
+          </a:xfrm>
+        </p:spPr>
+        <p:txBody>
+          <a:bodyPr rtlCol="0">
+            <a:normAutofit/>
+          </a:bodyPr>
+          <a:lstStyle/>
+          <a:p>
+            <a:pPr rtl="0"/>
+            <a:r>
+              <a:rPr lang="ru-RU" dirty="0"/>
+              <a:t>Вы можете прийти ко мне с вопросами или проблемами в любое время, кроме времени непосредственного инструктажа или времени, не предназначенного для помощи учащимся.</a:t>
+            </a:r>
+          </a:p>
+        </p:txBody>
+      </p:sp>
+      <p:pic>
+        <p:nvPicPr>
+          <p:cNvPr id="16" name="Рисунок 15" descr="Конверт">
+            <a:extLst>
+              <a:ext uri="{FF2B5EF4-FFF2-40B4-BE49-F238E27FC236}">
+                <a16:creationId xmlns:a16="http://schemas.microsoft.com/office/drawing/2014/main" id="{FD570080-EB17-406F-9FA9-54B4145DCEF4}"/>
+              </a:ext>
+            </a:extLst>
+          </p:cNvPr>
+          <p:cNvPicPr>
+            <a:picLocks noGrp="1" noChangeAspect="1"/>
+          </p:cNvPicPr>
+          <p:nvPr>
+            <p:ph type="pic" sz="quarter" idx="4294967295"/>
+          </p:nvPr>
+        </p:nvPicPr>
+        <p:blipFill>
+          <a:blip r:embed="rId7">
+            <a:extLst>
+              <a:ext uri="{96DAC541-7B7A-43D3-8B79-37D633B846F1}">
+                <asvg:svgBlip xmlns:asvg="http://schemas.microsoft.com/office/drawing/2016/SVG/main" r:embed="rId8"/>
+              </a:ext>
+            </a:extLst>
+          </a:blip>
+          <a:stretch>
+            <a:fillRect/>
+          </a:stretch>
+        </p:blipFill>
+        <p:spPr>
+          <a:xfrm>
+            <a:off x="5338268" y="4257675"/>
+            <a:ext cx="490386" cy="490386"/>
+          </a:xfrm>
+        </p:spPr>
+      </p:pic>
+      <p:sp>
+        <p:nvSpPr>
+          <p:cNvPr id="8" name="Текст 7">
+            <a:extLst>
+              <a:ext uri="{FF2B5EF4-FFF2-40B4-BE49-F238E27FC236}">
+                <a16:creationId xmlns:a16="http://schemas.microsoft.com/office/drawing/2014/main" id="{D4480B4D-7DFB-4ED2-BE16-ED0D78C3F233}"/>
+              </a:ext>
+            </a:extLst>
+          </p:cNvPr>
+          <p:cNvSpPr>
+            <a:spLocks noGrp="1"/>
+          </p:cNvSpPr>
+          <p:nvPr>
+            <p:ph type="body" sz="quarter" idx="18"/>
+          </p:nvPr>
+        </p:nvSpPr>
+        <p:spPr>
+          <a:xfrm>
+            <a:off x="6189670" y="3630092"/>
+            <a:ext cx="2095046" cy="1826703"/>
+          </a:xfrm>
+        </p:spPr>
+        <p:txBody>
+          <a:bodyPr rtlCol="0">
+            <a:normAutofit/>
+          </a:bodyPr>
+          <a:lstStyle/>
+          <a:p>
+            <a:pPr rtl="0"/>
+            <a:r>
+              <a:rPr lang="ru-RU" dirty="0"/>
+              <a:t>Вы можете отправить мне сообщение электронной почты при необходимости. Я отвечу вам при первой возможности.</a:t>
+            </a:r>
+          </a:p>
+        </p:txBody>
+      </p:sp>
+      <p:pic>
+        <p:nvPicPr>
+          <p:cNvPr id="18" name="Рисунок 17" descr="Книги">
+            <a:extLst>
+              <a:ext uri="{FF2B5EF4-FFF2-40B4-BE49-F238E27FC236}">
+                <a16:creationId xmlns:a16="http://schemas.microsoft.com/office/drawing/2014/main" id="{A5AF2A59-1CC2-4D6E-82C6-4995A03532D8}"/>
+              </a:ext>
+            </a:extLst>
+          </p:cNvPr>
+          <p:cNvPicPr>
+            <a:picLocks noGrp="1" noChangeAspect="1"/>
+          </p:cNvPicPr>
+          <p:nvPr>
+            <p:ph type="pic" sz="quarter" idx="4294967295"/>
+          </p:nvPr>
+        </p:nvPicPr>
+        <p:blipFill rotWithShape="1">
+          <a:blip r:embed="rId9">
+            <a:extLst>
+              <a:ext uri="{28A0092B-C50C-407E-A947-70E740481C1C}">
+                <a14:useLocalDpi xmlns:a14="http://schemas.microsoft.com/office/drawing/2010/main" val="0"/>
+              </a:ext>
+              <a:ext uri="{96DAC541-7B7A-43D3-8B79-37D633B846F1}">
+                <asvg:svgBlip xmlns:asvg="http://schemas.microsoft.com/office/drawing/2016/SVG/main" r:embed="rId10"/>
+              </a:ext>
+            </a:extLst>
+          </a:blip>
+          <a:srcRect l="-65620" t="-65620" r="-65620" b="-65620"/>
+          <a:stretch/>
+        </p:blipFill>
+        <p:spPr>
+          <a:xfrm>
+            <a:off x="8410099" y="3979906"/>
+            <a:ext cx="1041323" cy="1041323"/>
+          </a:xfrm>
+        </p:spPr>
+      </p:pic>
+      <p:sp>
+        <p:nvSpPr>
+          <p:cNvPr id="10" name="Текст 9">
+            <a:extLst>
+              <a:ext uri="{FF2B5EF4-FFF2-40B4-BE49-F238E27FC236}">
+                <a16:creationId xmlns:a16="http://schemas.microsoft.com/office/drawing/2014/main" id="{83E86EAF-D8FA-4229-BD4A-CCAAF9A19DD6}"/>
+              </a:ext>
+            </a:extLst>
+          </p:cNvPr>
+          <p:cNvSpPr>
+            <a:spLocks noGrp="1"/>
+          </p:cNvSpPr>
+          <p:nvPr>
+            <p:ph type="body" sz="quarter" idx="20"/>
+          </p:nvPr>
+        </p:nvSpPr>
+        <p:spPr>
+          <a:xfrm>
+            <a:off x="9519533" y="3630092"/>
+            <a:ext cx="2095046" cy="1826703"/>
+          </a:xfrm>
+        </p:spPr>
+        <p:txBody>
+          <a:bodyPr rtlCol="0">
+            <a:normAutofit lnSpcReduction="10000"/>
+          </a:bodyPr>
+          <a:lstStyle/>
+          <a:p>
+            <a:pPr rtl="0"/>
+            <a:r>
+              <a:rPr lang="ru-RU" dirty="0"/>
+              <a:t>Я предоставляю дополнительную помощь до и после занятий. По возможности предупредите меня заранее для обеспечения соответствующего планирования.</a:t>
+            </a:r>
+          </a:p>
+        </p:txBody>
+      </p:sp>
+      <p:sp>
+        <p:nvSpPr>
+          <p:cNvPr id="29" name="Номер слайда 28">
+            <a:extLst>
+              <a:ext uri="{FF2B5EF4-FFF2-40B4-BE49-F238E27FC236}">
+                <a16:creationId xmlns:a16="http://schemas.microsoft.com/office/drawing/2014/main" id="{F5A71D41-5822-AC42-8C29-6AFDEB817A8A}"/>
+              </a:ext>
+            </a:extLst>
+          </p:cNvPr>
+          <p:cNvSpPr>
+            <a:spLocks noGrp="1"/>
+          </p:cNvSpPr>
+          <p:nvPr>
+            <p:ph type="sldNum" sz="quarter" idx="12"/>
+          </p:nvPr>
+        </p:nvSpPr>
+        <p:spPr/>
+        <p:txBody>
+          <a:bodyPr rtlCol="0"/>
+          <a:lstStyle/>
+          <a:p>
+            <a:pPr rtl="0"/>
+            <a:fld id="{9FF96B15-8338-45D5-A943-561235072D66}" type="slidenum">
+              <a:rPr lang="ru-RU" smtClean="0"/>
+              <a:t>19</a:t>
+            </a:fld>
+            <a:endParaRPr lang="ru-RU"/>
+          </a:p>
+        </p:txBody>
+      </p:sp>
+    </p:spTree>
+    <p:extLst>
+      <p:ext uri="{BB962C8B-B14F-4D97-AF65-F5344CB8AC3E}">
+        <p14:creationId xmlns:p14="http://schemas.microsoft.com/office/powerpoint/2010/main" val="1486305253"/>
+      </p:ext>
+    </p:extLst>
+  </p:cSld>
+  <p:clrMapOvr>
+    <a:masterClrMapping/>
+  </p:clrMapOvr>
+</p:sld>
+</file>
+
+<file path=ppt/slides/slide2.xml><?xml version="1.0" encoding="utf-8"?>
+<p:sld xmlns:a="http://schemas.openxmlformats.org/drawingml/2006/main" xmlns:r="http://schemas.openxmlformats.org/officeDocument/2006/relationships" xmlns:p="http://schemas.openxmlformats.org/presentationml/2006/main">
+  <p:cSld>
+    <p:spTree>
+      <p:nvGrpSpPr>
+        <p:cNvPr id="1" name=""/>
+        <p:cNvGrpSpPr/>
+        <p:nvPr/>
+      </p:nvGrpSpPr>
+      <p:grpSpPr>
+        <a:xfrm>
+          <a:off x="0" y="0"/>
+          <a:ext cx="0" cy="0"/>
+          <a:chOff x="0" y="0"/>
+          <a:chExt cx="0" cy="0"/>
+        </a:xfrm>
+      </p:grpSpPr>
+      <p:sp>
+        <p:nvSpPr>
+          <p:cNvPr id="108" name="CustomShape 1"/>
+          <p:cNvSpPr/>
+          <p:nvPr/>
+        </p:nvSpPr>
+        <p:spPr>
+          <a:xfrm>
+            <a:off x="2344260" y="743760"/>
+            <a:ext cx="7882920" cy="759240"/>
+          </a:xfrm>
+          <a:prstGeom prst="rect">
+            <a:avLst/>
+          </a:prstGeom>
+          <a:noFill/>
+          <a:ln>
+            <a:noFill/>
+          </a:ln>
+        </p:spPr>
+        <p:style>
+          <a:lnRef idx="0">
+            <a:scrgbClr r="0" g="0" b="0"/>
+          </a:lnRef>
+          <a:fillRef idx="0">
+            <a:scrgbClr r="0" g="0" b="0"/>
+          </a:fillRef>
+          <a:effectRef idx="0">
+            <a:scrgbClr r="0" g="0" b="0"/>
+          </a:effectRef>
+          <a:fontRef idx="minor"/>
+        </p:style>
+        <p:txBody>
+          <a:bodyPr lIns="90000" tIns="45000" rIns="90000" bIns="45000" anchor="ctr">
+            <a:normAutofit/>
+          </a:bodyPr>
+          <a:lstStyle/>
+          <a:p>
+            <a:pPr algn="ctr">
+              <a:lnSpc>
+                <a:spcPct val="100000"/>
+              </a:lnSpc>
+            </a:pPr>
+            <a:r>
+              <a:rPr lang="ru-RU" sz="3200" b="1" cap="all" spc="-100" dirty="0">
+                <a:solidFill>
+                  <a:srgbClr val="7030A0"/>
+                </a:solidFill>
+                <a:latin typeface="Segoe Print" panose="02000600000000000000" pitchFamily="2" charset="0"/>
+              </a:rPr>
+              <a:t>символьный тип данных</a:t>
+            </a:r>
+          </a:p>
+        </p:txBody>
+      </p:sp>
+      <p:sp>
+        <p:nvSpPr>
+          <p:cNvPr id="109" name="CustomShape 2"/>
+          <p:cNvSpPr/>
+          <p:nvPr/>
+        </p:nvSpPr>
+        <p:spPr>
+          <a:xfrm>
+            <a:off x="3725694" y="1503000"/>
+            <a:ext cx="5462694" cy="458827"/>
+          </a:xfrm>
+          <a:prstGeom prst="rect">
+            <a:avLst/>
+          </a:prstGeom>
+          <a:noFill/>
+          <a:ln>
+            <a:noFill/>
+          </a:ln>
+        </p:spPr>
+        <p:style>
+          <a:lnRef idx="0">
+            <a:scrgbClr r="0" g="0" b="0"/>
+          </a:lnRef>
+          <a:fillRef idx="0">
+            <a:scrgbClr r="0" g="0" b="0"/>
+          </a:fillRef>
+          <a:effectRef idx="0">
+            <a:scrgbClr r="0" g="0" b="0"/>
+          </a:effectRef>
+          <a:fontRef idx="minor"/>
+        </p:style>
+        <p:txBody>
+          <a:bodyPr lIns="90000" tIns="45000" rIns="90000" bIns="45000">
+            <a:noAutofit/>
+          </a:bodyPr>
+          <a:lstStyle/>
+          <a:p>
+            <a:pPr>
+              <a:lnSpc>
+                <a:spcPct val="100000"/>
+              </a:lnSpc>
+            </a:pPr>
+            <a:r>
+              <a:rPr lang="ru-RU" sz="2800" b="1" spc="-1" dirty="0">
+                <a:solidFill>
+                  <a:srgbClr val="7030A0"/>
+                </a:solidFill>
+                <a:latin typeface="Segoe Print" panose="02000600000000000000" pitchFamily="2" charset="0"/>
+                <a:ea typeface="DejaVu Sans"/>
+              </a:rPr>
+              <a:t>Тип </a:t>
+            </a:r>
+            <a:r>
+              <a:rPr lang="en-US" sz="2800" b="1" spc="-1" dirty="0">
+                <a:solidFill>
+                  <a:srgbClr val="7030A0"/>
+                </a:solidFill>
+                <a:latin typeface="Segoe Print" panose="02000600000000000000" pitchFamily="2" charset="0"/>
+                <a:ea typeface="DejaVu Sans"/>
+              </a:rPr>
+              <a:t>char – </a:t>
+            </a:r>
+            <a:r>
+              <a:rPr lang="ru-RU" sz="2800" b="1" spc="-1" dirty="0">
+                <a:solidFill>
+                  <a:srgbClr val="7030A0"/>
+                </a:solidFill>
+                <a:latin typeface="Segoe Print" panose="02000600000000000000" pitchFamily="2" charset="0"/>
+                <a:ea typeface="DejaVu Sans"/>
+              </a:rPr>
+              <a:t>тип без знака</a:t>
+            </a:r>
+            <a:r>
+              <a:rPr lang="en-US" sz="2800" b="1" spc="-1" dirty="0">
+                <a:solidFill>
+                  <a:srgbClr val="7030A0"/>
+                </a:solidFill>
+                <a:latin typeface="Segoe Print" panose="02000600000000000000" pitchFamily="2" charset="0"/>
+                <a:ea typeface="DejaVu Sans"/>
+              </a:rPr>
+              <a:t> </a:t>
+            </a:r>
+            <a:endParaRPr lang="ru-RU" sz="2800" spc="-1" dirty="0">
+              <a:solidFill>
+                <a:srgbClr val="7030A0"/>
+              </a:solidFill>
+              <a:latin typeface="Segoe Print" panose="02000600000000000000" pitchFamily="2" charset="0"/>
+            </a:endParaRPr>
+          </a:p>
+        </p:txBody>
+      </p:sp>
+      <p:sp>
+        <p:nvSpPr>
+          <p:cNvPr id="112" name="CustomShape 4"/>
+          <p:cNvSpPr/>
+          <p:nvPr/>
+        </p:nvSpPr>
+        <p:spPr>
+          <a:xfrm>
+            <a:off x="1230489" y="3964397"/>
+            <a:ext cx="2495205" cy="492870"/>
+          </a:xfrm>
+          <a:prstGeom prst="rect">
+            <a:avLst/>
+          </a:prstGeom>
+          <a:noFill/>
+          <a:ln>
+            <a:noFill/>
+          </a:ln>
+        </p:spPr>
+        <p:style>
+          <a:lnRef idx="0">
+            <a:scrgbClr r="0" g="0" b="0"/>
+          </a:lnRef>
+          <a:fillRef idx="0">
+            <a:scrgbClr r="0" g="0" b="0"/>
+          </a:fillRef>
+          <a:effectRef idx="0">
+            <a:scrgbClr r="0" g="0" b="0"/>
+          </a:effectRef>
+          <a:fontRef idx="minor"/>
+        </p:style>
+        <p:txBody>
+          <a:bodyPr lIns="90000" tIns="45000" rIns="90000" bIns="45000">
+            <a:noAutofit/>
+          </a:bodyPr>
+          <a:lstStyle/>
+          <a:p>
+            <a:pPr>
+              <a:lnSpc>
+                <a:spcPct val="100000"/>
+              </a:lnSpc>
+            </a:pPr>
+            <a:r>
+              <a:rPr lang="ru-RU" sz="2200" spc="-1" dirty="0">
+                <a:solidFill>
+                  <a:srgbClr val="000000"/>
+                </a:solidFill>
+                <a:latin typeface="Calibri"/>
+                <a:ea typeface="DejaVu Sans"/>
+              </a:rPr>
+              <a:t>Пример</a:t>
+            </a:r>
+            <a:r>
+              <a:rPr lang="en-US" sz="2200" spc="-1" dirty="0">
+                <a:solidFill>
+                  <a:srgbClr val="000000"/>
+                </a:solidFill>
+                <a:latin typeface="Calibri"/>
+                <a:ea typeface="DejaVu Sans"/>
+              </a:rPr>
+              <a:t> </a:t>
+            </a:r>
+            <a:r>
+              <a:rPr lang="ru-RU" sz="2200" spc="-1" dirty="0">
+                <a:solidFill>
+                  <a:srgbClr val="000000"/>
+                </a:solidFill>
+                <a:latin typeface="Calibri"/>
+                <a:ea typeface="DejaVu Sans"/>
+              </a:rPr>
+              <a:t>кода:</a:t>
+            </a:r>
+            <a:endParaRPr lang="ru-RU" sz="2200" spc="-1" dirty="0">
+              <a:latin typeface="Arial"/>
+            </a:endParaRPr>
+          </a:p>
+        </p:txBody>
+      </p:sp>
+      <p:sp>
+        <p:nvSpPr>
+          <p:cNvPr id="2" name="Прямоугольник 1">
+            <a:extLst>
+              <a:ext uri="{FF2B5EF4-FFF2-40B4-BE49-F238E27FC236}">
+                <a16:creationId xmlns:a16="http://schemas.microsoft.com/office/drawing/2014/main" id="{D8542CC0-E23B-42A5-833D-7C4A7C556B78}"/>
+              </a:ext>
+            </a:extLst>
+          </p:cNvPr>
+          <p:cNvSpPr/>
+          <p:nvPr/>
+        </p:nvSpPr>
+        <p:spPr>
+          <a:xfrm>
+            <a:off x="3317719" y="2185886"/>
+            <a:ext cx="6458819" cy="830997"/>
+          </a:xfrm>
+          <a:prstGeom prst="rect">
+            <a:avLst/>
+          </a:prstGeom>
+        </p:spPr>
+        <p:txBody>
+          <a:bodyPr wrap="none">
+            <a:spAutoFit/>
+          </a:bodyPr>
+          <a:lstStyle/>
+          <a:p>
+            <a:r>
+              <a:rPr lang="ru-RU" sz="4800" kern="100" dirty="0">
+                <a:solidFill>
+                  <a:srgbClr val="000000"/>
+                </a:solidFill>
+                <a:latin typeface="Times New Roman" panose="02020603050405020304" pitchFamily="18" charset="0"/>
+                <a:ea typeface="Arial Unicode MS"/>
+                <a:cs typeface="Arial Unicode MS"/>
+              </a:rPr>
+              <a:t>https://unicode-table.com</a:t>
+            </a:r>
+            <a:endParaRPr lang="ru-RU" sz="4800" dirty="0"/>
+          </a:p>
+        </p:txBody>
+      </p:sp>
+      <p:sp>
+        <p:nvSpPr>
+          <p:cNvPr id="7" name="TextBox 6">
+            <a:extLst>
+              <a:ext uri="{FF2B5EF4-FFF2-40B4-BE49-F238E27FC236}">
+                <a16:creationId xmlns:a16="http://schemas.microsoft.com/office/drawing/2014/main" id="{1BD8481D-68FC-4B88-BF6E-F58FD479F16C}"/>
+              </a:ext>
+            </a:extLst>
+          </p:cNvPr>
+          <p:cNvSpPr txBox="1"/>
+          <p:nvPr/>
+        </p:nvSpPr>
+        <p:spPr>
+          <a:xfrm>
+            <a:off x="1083733" y="4536664"/>
+            <a:ext cx="6096000" cy="907749"/>
+          </a:xfrm>
+          <a:prstGeom prst="rect">
+            <a:avLst/>
+          </a:prstGeom>
+          <a:noFill/>
+        </p:spPr>
+        <p:txBody>
+          <a:bodyPr wrap="square">
+            <a:spAutoFit/>
+          </a:bodyPr>
+          <a:lstStyle/>
+          <a:p>
+            <a:pPr indent="215900" algn="just">
+              <a:lnSpc>
+                <a:spcPct val="115000"/>
+              </a:lnSpc>
+            </a:pPr>
+            <a:r>
+              <a:rPr lang="ru-RU" sz="2400" kern="100" dirty="0" err="1">
+                <a:solidFill>
+                  <a:srgbClr val="000000"/>
+                </a:solidFill>
+                <a:effectLst/>
+                <a:latin typeface="Times New Roman" panose="02020603050405020304" pitchFamily="18" charset="0"/>
+                <a:ea typeface="Arial Unicode MS"/>
+                <a:cs typeface="Arial Unicode MS"/>
+              </a:rPr>
+              <a:t>char</a:t>
+            </a:r>
+            <a:r>
+              <a:rPr lang="ru-RU" sz="2400" kern="100" dirty="0">
+                <a:solidFill>
+                  <a:srgbClr val="000000"/>
+                </a:solidFill>
+                <a:effectLst/>
+                <a:latin typeface="Times New Roman" panose="02020603050405020304" pitchFamily="18" charset="0"/>
+                <a:ea typeface="Arial Unicode MS"/>
+                <a:cs typeface="Arial Unicode MS"/>
+              </a:rPr>
+              <a:t> a = 65;</a:t>
+            </a:r>
+            <a:endParaRPr lang="ru-RU" sz="2400" kern="100" dirty="0">
+              <a:effectLst/>
+              <a:latin typeface="Liberation Serif" panose="02020603050405020304" pitchFamily="18" charset="0"/>
+              <a:ea typeface="Arial Unicode MS"/>
+              <a:cs typeface="Arial Unicode MS"/>
+            </a:endParaRPr>
+          </a:p>
+          <a:p>
+            <a:pPr indent="215900" algn="just">
+              <a:lnSpc>
+                <a:spcPct val="115000"/>
+              </a:lnSpc>
+            </a:pPr>
+            <a:r>
+              <a:rPr lang="en-US" sz="2400" kern="100" dirty="0">
+                <a:solidFill>
+                  <a:srgbClr val="000000"/>
+                </a:solidFill>
+                <a:effectLst/>
+                <a:latin typeface="Times New Roman" panose="02020603050405020304" pitchFamily="18" charset="0"/>
+                <a:ea typeface="Arial Unicode MS"/>
+                <a:cs typeface="Arial Unicode MS"/>
+              </a:rPr>
+              <a:t>char b ='A';</a:t>
+            </a:r>
+            <a:endParaRPr lang="ru-RU" sz="2400" kern="100" dirty="0">
+              <a:effectLst/>
+              <a:latin typeface="Liberation Serif" panose="02020603050405020304" pitchFamily="18" charset="0"/>
+              <a:ea typeface="Arial Unicode MS"/>
+              <a:cs typeface="Arial Unicode MS"/>
+            </a:endParaRPr>
+          </a:p>
+        </p:txBody>
+      </p:sp>
+      <p:sp>
+        <p:nvSpPr>
+          <p:cNvPr id="9" name="TextBox 8">
+            <a:extLst>
+              <a:ext uri="{FF2B5EF4-FFF2-40B4-BE49-F238E27FC236}">
+                <a16:creationId xmlns:a16="http://schemas.microsoft.com/office/drawing/2014/main" id="{0DC0A3E8-10AD-4A13-BF9E-E488D6177B8F}"/>
+              </a:ext>
+            </a:extLst>
+          </p:cNvPr>
+          <p:cNvSpPr txBox="1"/>
+          <p:nvPr/>
+        </p:nvSpPr>
+        <p:spPr>
+          <a:xfrm>
+            <a:off x="5621868" y="4111932"/>
+            <a:ext cx="6096000" cy="1332481"/>
+          </a:xfrm>
+          <a:prstGeom prst="rect">
+            <a:avLst/>
+          </a:prstGeom>
+          <a:noFill/>
+        </p:spPr>
+        <p:txBody>
+          <a:bodyPr wrap="square">
+            <a:spAutoFit/>
+          </a:bodyPr>
+          <a:lstStyle/>
+          <a:p>
+            <a:pPr indent="215900" algn="just">
+              <a:lnSpc>
+                <a:spcPct val="115000"/>
+              </a:lnSpc>
+            </a:pPr>
+            <a:r>
+              <a:rPr lang="ru-RU" sz="2400" kern="100" dirty="0" err="1">
+                <a:solidFill>
+                  <a:srgbClr val="000000"/>
+                </a:solidFill>
+                <a:latin typeface="Times New Roman" panose="02020603050405020304" pitchFamily="18" charset="0"/>
+              </a:rPr>
+              <a:t>int</a:t>
+            </a:r>
+            <a:r>
+              <a:rPr lang="ru-RU" sz="2400" kern="100" dirty="0">
+                <a:solidFill>
+                  <a:srgbClr val="000000"/>
+                </a:solidFill>
+                <a:latin typeface="Times New Roman" panose="02020603050405020304" pitchFamily="18" charset="0"/>
+              </a:rPr>
+              <a:t> a = 3;</a:t>
+            </a:r>
+            <a:endParaRPr lang="en-US" sz="2400" kern="100" dirty="0">
+              <a:solidFill>
+                <a:srgbClr val="000000"/>
+              </a:solidFill>
+              <a:latin typeface="Times New Roman" panose="02020603050405020304" pitchFamily="18" charset="0"/>
+            </a:endParaRPr>
+          </a:p>
+          <a:p>
+            <a:pPr indent="215900" algn="just">
+              <a:lnSpc>
+                <a:spcPct val="115000"/>
+              </a:lnSpc>
+            </a:pPr>
+            <a:r>
+              <a:rPr lang="en-US" sz="2400" kern="100" dirty="0">
+                <a:solidFill>
+                  <a:srgbClr val="000000"/>
+                </a:solidFill>
+                <a:latin typeface="Times New Roman" panose="02020603050405020304" pitchFamily="18" charset="0"/>
+              </a:rPr>
+              <a:t>char b = 'A</a:t>
+            </a:r>
+            <a:r>
+              <a:rPr lang="en-US" sz="2400" kern="100" dirty="0">
+                <a:solidFill>
+                  <a:srgbClr val="000000"/>
+                </a:solidFill>
+                <a:effectLst/>
+                <a:latin typeface="Times New Roman" panose="02020603050405020304" pitchFamily="18" charset="0"/>
+                <a:ea typeface="Arial Unicode MS"/>
+                <a:cs typeface="Arial Unicode MS"/>
+              </a:rPr>
+              <a:t>'</a:t>
+            </a:r>
+            <a:r>
+              <a:rPr lang="en-US" sz="2400" kern="100" dirty="0">
+                <a:solidFill>
+                  <a:srgbClr val="000000"/>
+                </a:solidFill>
+                <a:latin typeface="Times New Roman" panose="02020603050405020304" pitchFamily="18" charset="0"/>
+              </a:rPr>
+              <a:t>;</a:t>
+            </a:r>
+          </a:p>
+          <a:p>
+            <a:pPr indent="215900" algn="just">
+              <a:lnSpc>
+                <a:spcPct val="115000"/>
+              </a:lnSpc>
+            </a:pPr>
+            <a:r>
+              <a:rPr lang="en-US" sz="2400" kern="100" dirty="0">
+                <a:solidFill>
+                  <a:srgbClr val="000000"/>
+                </a:solidFill>
+                <a:latin typeface="Times New Roman" panose="02020603050405020304" pitchFamily="18" charset="0"/>
+              </a:rPr>
+              <a:t>char result = (char) (a + b);</a:t>
+            </a:r>
+            <a:endParaRPr lang="ru-RU" sz="2400" kern="100" dirty="0">
+              <a:solidFill>
+                <a:srgbClr val="000000"/>
+              </a:solidFill>
+              <a:latin typeface="Times New Roman" panose="02020603050405020304" pitchFamily="18" charset="0"/>
+            </a:endParaRPr>
+          </a:p>
+        </p:txBody>
+      </p:sp>
+    </p:spTree>
+    <p:extLst>
+      <p:ext uri="{BB962C8B-B14F-4D97-AF65-F5344CB8AC3E}">
+        <p14:creationId xmlns:p14="http://schemas.microsoft.com/office/powerpoint/2010/main" val="2587122978"/>
+      </p:ext>
+    </p:extLst>
+  </p:cSld>
+  <p:clrMapOvr>
+    <a:masterClrMapping/>
+  </p:clrMapOvr>
+</p:sld>
+</file>
+
+<file path=ppt/slides/slide20.xml><?xml version="1.0" encoding="utf-8"?>
+<p:sld xmlns:a="http://schemas.openxmlformats.org/drawingml/2006/main" xmlns:r="http://schemas.openxmlformats.org/officeDocument/2006/relationships" xmlns:p="http://schemas.openxmlformats.org/presentationml/2006/main">
+  <p:cSld>
+    <p:spTree>
+      <p:nvGrpSpPr>
+        <p:cNvPr id="1" name=""/>
+        <p:cNvGrpSpPr/>
+        <p:nvPr/>
+      </p:nvGrpSpPr>
+      <p:grpSpPr>
+        <a:xfrm>
+          <a:off x="0" y="0"/>
+          <a:ext cx="0" cy="0"/>
+          <a:chOff x="0" y="0"/>
+          <a:chExt cx="0" cy="0"/>
+        </a:xfrm>
+      </p:grpSpPr>
+      <p:sp>
+        <p:nvSpPr>
+          <p:cNvPr id="8" name="Заголовок 7">
+            <a:extLst>
+              <a:ext uri="{FF2B5EF4-FFF2-40B4-BE49-F238E27FC236}">
+                <a16:creationId xmlns:a16="http://schemas.microsoft.com/office/drawing/2014/main" id="{5495FDB2-AFE9-4654-B647-0B61FFE74E5F}"/>
+              </a:ext>
+            </a:extLst>
+          </p:cNvPr>
+          <p:cNvSpPr>
+            <a:spLocks noGrp="1"/>
+          </p:cNvSpPr>
+          <p:nvPr>
+            <p:ph type="title"/>
+          </p:nvPr>
+        </p:nvSpPr>
+        <p:spPr/>
+        <p:txBody>
+          <a:bodyPr rtlCol="0">
+            <a:normAutofit/>
+          </a:bodyPr>
+          <a:lstStyle/>
+          <a:p>
+            <a:pPr rtl="0"/>
+            <a:r>
+              <a:rPr lang="ru-RU" sz="2300">
+                <a:solidFill>
+                  <a:schemeClr val="bg1"/>
+                </a:solidFill>
+              </a:rPr>
+              <a:t>Когда следует проявлять позитивный настрой и уважение?</a:t>
+            </a:r>
+          </a:p>
+        </p:txBody>
+      </p:sp>
+      <p:sp>
+        <p:nvSpPr>
+          <p:cNvPr id="9" name="Объект 8">
+            <a:extLst>
+              <a:ext uri="{FF2B5EF4-FFF2-40B4-BE49-F238E27FC236}">
+                <a16:creationId xmlns:a16="http://schemas.microsoft.com/office/drawing/2014/main" id="{00B1292E-B737-4FE7-9300-AC938EA7FB39}"/>
+              </a:ext>
+            </a:extLst>
+          </p:cNvPr>
+          <p:cNvSpPr>
+            <a:spLocks noGrp="1"/>
+          </p:cNvSpPr>
+          <p:nvPr>
+            <p:ph type="body" sz="half" idx="2"/>
+          </p:nvPr>
+        </p:nvSpPr>
+        <p:spPr/>
+        <p:txBody>
+          <a:bodyPr rtlCol="0"/>
+          <a:lstStyle/>
+          <a:p>
+            <a:pPr rtl="0">
+              <a:buFont typeface="Wingdings" panose="05000000000000000000" pitchFamily="2" charset="2"/>
+              <a:buChar char="Ø"/>
+            </a:pPr>
+            <a:r>
+              <a:rPr lang="ru-RU">
+                <a:solidFill>
+                  <a:schemeClr val="bg1"/>
+                </a:solidFill>
+              </a:rPr>
+              <a:t>ВСЕГДА! Старайтесь быть вежливыми и сохранять позитивный настрой каждый день. Нам предстоит потрясающий год!</a:t>
+            </a:r>
+          </a:p>
+        </p:txBody>
+      </p:sp>
+      <p:pic>
+        <p:nvPicPr>
+          <p:cNvPr id="22" name="Рисунок 21" descr="Молодой учащийся, держащий книгу и ручку">
+            <a:extLst>
+              <a:ext uri="{FF2B5EF4-FFF2-40B4-BE49-F238E27FC236}">
+                <a16:creationId xmlns:a16="http://schemas.microsoft.com/office/drawing/2014/main" id="{E3E67B8C-FF6C-4AE0-9AA4-F6E7771D5C5E}"/>
+              </a:ext>
+            </a:extLst>
+          </p:cNvPr>
+          <p:cNvPicPr>
+            <a:picLocks noGrp="1" noChangeAspect="1"/>
+          </p:cNvPicPr>
+          <p:nvPr>
+            <p:ph type="pic" idx="1"/>
+          </p:nvPr>
+        </p:nvPicPr>
+        <p:blipFill rotWithShape="1">
+          <a:blip r:embed="rId3">
+            <a:extLst>
+              <a:ext uri="{28A0092B-C50C-407E-A947-70E740481C1C}">
+                <a14:useLocalDpi xmlns:a14="http://schemas.microsoft.com/office/drawing/2010/main" val="0"/>
+              </a:ext>
+            </a:extLst>
+          </a:blip>
+          <a:srcRect/>
+          <a:stretch/>
+        </p:blipFill>
+        <p:spPr>
+          <a:xfrm>
+            <a:off x="6058861" y="478881"/>
+            <a:ext cx="5582675" cy="5908526"/>
+          </a:xfrm>
+        </p:spPr>
+      </p:pic>
+      <p:sp>
+        <p:nvSpPr>
+          <p:cNvPr id="5" name="Прямоугольник 4" descr="Декоративный элемент">
+            <a:extLst>
+              <a:ext uri="{FF2B5EF4-FFF2-40B4-BE49-F238E27FC236}">
+                <a16:creationId xmlns:a16="http://schemas.microsoft.com/office/drawing/2014/main" id="{8F1F545D-EFC6-4292-A41D-186A85833395}"/>
+              </a:ext>
+              <a:ext uri="{C183D7F6-B498-43B3-948B-1728B52AA6E4}">
+                <adec:decorative xmlns:adec="http://schemas.microsoft.com/office/drawing/2017/decorative" val="1"/>
+              </a:ext>
+            </a:extLst>
+          </p:cNvPr>
+          <p:cNvSpPr>
+            <a:spLocks noGrp="1" noRot="1" noChangeAspect="1" noMove="1" noResize="1" noEditPoints="1" noAdjustHandles="1" noChangeArrowheads="1" noChangeShapeType="1" noTextEdit="1"/>
+          </p:cNvSpPr>
+          <p:nvPr>
+            <p:extLst>
+              <p:ext uri="{386F3935-93C4-4BCD-93E2-E3B085C9AB24}">
+                <p16:designElem xmlns:p16="http://schemas.microsoft.com/office/powerpoint/2015/main" val="1"/>
+              </p:ext>
+            </p:extLst>
+          </p:nvPr>
+        </p:nvSpPr>
+        <p:spPr>
+          <a:xfrm>
+            <a:off x="10437812" y="0"/>
+            <a:ext cx="685800" cy="1143000"/>
+          </a:xfrm>
+          <a:prstGeom prst="rect">
+            <a:avLst/>
+          </a:prstGeom>
+          <a:solidFill>
+            <a:schemeClr val="accent1"/>
+          </a:solidFill>
+          <a:ln>
+            <a:noFill/>
+          </a:ln>
+        </p:spPr>
+        <p:style>
+          <a:lnRef idx="1">
+            <a:schemeClr val="accent1"/>
+          </a:lnRef>
+          <a:fillRef idx="3">
+            <a:schemeClr val="accent1"/>
+          </a:fillRef>
+          <a:effectRef idx="2">
+            <a:schemeClr val="accent1"/>
+          </a:effectRef>
+          <a:fontRef idx="minor">
+            <a:schemeClr val="lt1"/>
+          </a:fontRef>
+        </p:style>
+      </p:sp>
+      <p:sp>
+        <p:nvSpPr>
+          <p:cNvPr id="6" name="Номер слайда 5">
+            <a:extLst>
+              <a:ext uri="{FF2B5EF4-FFF2-40B4-BE49-F238E27FC236}">
+                <a16:creationId xmlns:a16="http://schemas.microsoft.com/office/drawing/2014/main" id="{7CAE59E7-4ACA-354D-B7B9-2DF31F54686F}"/>
+              </a:ext>
+            </a:extLst>
+          </p:cNvPr>
+          <p:cNvSpPr>
+            <a:spLocks noGrp="1"/>
+          </p:cNvSpPr>
+          <p:nvPr>
+            <p:ph type="sldNum" sz="quarter" idx="12"/>
+          </p:nvPr>
+        </p:nvSpPr>
+        <p:spPr/>
+        <p:txBody>
+          <a:bodyPr rtlCol="0"/>
+          <a:lstStyle/>
+          <a:p>
+            <a:pPr rtl="0"/>
+            <a:fld id="{9FF96B15-8338-45D5-A943-561235072D66}" type="slidenum">
+              <a:rPr lang="ru-RU" smtClean="0"/>
+              <a:t>20</a:t>
+            </a:fld>
+            <a:endParaRPr lang="ru-RU"/>
+          </a:p>
+        </p:txBody>
+      </p:sp>
+    </p:spTree>
+    <p:extLst>
+      <p:ext uri="{BB962C8B-B14F-4D97-AF65-F5344CB8AC3E}">
+        <p14:creationId xmlns:p14="http://schemas.microsoft.com/office/powerpoint/2010/main" val="4049523675"/>
+      </p:ext>
+    </p:extLst>
+  </p:cSld>
+  <p:clrMapOvr>
+    <a:masterClrMapping/>
+  </p:clrMapOvr>
+</p:sld>
+</file>
+
+<file path=ppt/slides/slide21.xml><?xml version="1.0" encoding="utf-8"?>
+<p:sld xmlns:a="http://schemas.openxmlformats.org/drawingml/2006/main" xmlns:r="http://schemas.openxmlformats.org/officeDocument/2006/relationships" xmlns:p="http://schemas.openxmlformats.org/presentationml/2006/main">
+  <p:cSld>
+    <p:spTree>
+      <p:nvGrpSpPr>
+        <p:cNvPr id="1" name=""/>
+        <p:cNvGrpSpPr/>
+        <p:nvPr/>
+      </p:nvGrpSpPr>
+      <p:grpSpPr>
+        <a:xfrm>
+          <a:off x="0" y="0"/>
+          <a:ext cx="0" cy="0"/>
+          <a:chOff x="0" y="0"/>
+          <a:chExt cx="0" cy="0"/>
+        </a:xfrm>
+      </p:grpSpPr>
+      <p:sp>
+        <p:nvSpPr>
+          <p:cNvPr id="4" name="Заголовок 3">
+            <a:extLst>
+              <a:ext uri="{FF2B5EF4-FFF2-40B4-BE49-F238E27FC236}">
+                <a16:creationId xmlns:a16="http://schemas.microsoft.com/office/drawing/2014/main" id="{E98DCA46-603B-4178-8707-30E192CE6B8D}"/>
+              </a:ext>
+            </a:extLst>
+          </p:cNvPr>
+          <p:cNvSpPr>
+            <a:spLocks noGrp="1"/>
+          </p:cNvSpPr>
+          <p:nvPr>
+            <p:ph type="title"/>
+          </p:nvPr>
+        </p:nvSpPr>
+        <p:spPr/>
+        <p:txBody>
+          <a:bodyPr rtlCol="0"/>
+          <a:lstStyle/>
+          <a:p>
+            <a:pPr rtl="0"/>
+            <a:r>
+              <a:rPr lang="ru-RU"/>
+              <a:t>Настройте этот шаблон</a:t>
+            </a:r>
+          </a:p>
+        </p:txBody>
+      </p:sp>
+      <p:sp>
+        <p:nvSpPr>
+          <p:cNvPr id="8" name="Надпись 7">
+            <a:hlinkClick r:id="rId3"/>
+            <a:extLst>
+              <a:ext uri="{FF2B5EF4-FFF2-40B4-BE49-F238E27FC236}">
+                <a16:creationId xmlns:a16="http://schemas.microsoft.com/office/drawing/2014/main" id="{5FC6C278-4035-446A-A94B-030E792FDDF5}"/>
+              </a:ext>
+            </a:extLst>
+          </p:cNvPr>
+          <p:cNvSpPr txBox="1"/>
+          <p:nvPr/>
+        </p:nvSpPr>
+        <p:spPr>
+          <a:xfrm>
+            <a:off x="1547813" y="2459504"/>
+            <a:ext cx="9096374" cy="3780000"/>
+          </a:xfrm>
+          <a:prstGeom prst="rect">
+            <a:avLst/>
+          </a:prstGeom>
+          <a:noFill/>
+        </p:spPr>
+        <p:txBody>
+          <a:bodyPr wrap="square" rtlCol="0">
+            <a:noAutofit/>
+          </a:bodyPr>
+          <a:lstStyle/>
+          <a:p>
+            <a:pPr algn="ctr" rtl="0"/>
+            <a:r>
+              <a:rPr lang="ru-RU" sz="6000" u="sng" dirty="0">
+                <a:solidFill>
+                  <a:srgbClr val="0070C0"/>
+                </a:solidFill>
+              </a:rPr>
+              <a:t>Инструкции по редактированию шаблона и обратная связь</a:t>
+            </a:r>
+          </a:p>
+        </p:txBody>
+      </p:sp>
+      <p:sp>
+        <p:nvSpPr>
+          <p:cNvPr id="3" name="Номер слайда 2">
+            <a:extLst>
+              <a:ext uri="{FF2B5EF4-FFF2-40B4-BE49-F238E27FC236}">
+                <a16:creationId xmlns:a16="http://schemas.microsoft.com/office/drawing/2014/main" id="{6472FF9E-E08E-4D18-A1A9-66DDD3775C05}"/>
+              </a:ext>
+            </a:extLst>
+          </p:cNvPr>
+          <p:cNvSpPr>
+            <a:spLocks noGrp="1"/>
+          </p:cNvSpPr>
+          <p:nvPr>
+            <p:ph type="sldNum" sz="quarter" idx="12"/>
+          </p:nvPr>
+        </p:nvSpPr>
+        <p:spPr/>
+        <p:txBody>
+          <a:bodyPr/>
+          <a:lstStyle/>
+          <a:p>
+            <a:pPr rtl="0"/>
+            <a:fld id="{9FF96B15-8338-45D5-A943-561235072D66}" type="slidenum">
+              <a:rPr lang="ru-RU" smtClean="0"/>
+              <a:t>21</a:t>
+            </a:fld>
+            <a:endParaRPr lang="ru-RU" dirty="0"/>
+          </a:p>
+        </p:txBody>
+      </p:sp>
+    </p:spTree>
+    <p:extLst>
+      <p:ext uri="{BB962C8B-B14F-4D97-AF65-F5344CB8AC3E}">
+        <p14:creationId xmlns:p14="http://schemas.microsoft.com/office/powerpoint/2010/main" val="2929089275"/>
+      </p:ext>
+    </p:extLst>
+  </p:cSld>
+  <p:clrMapOvr>
+    <a:masterClrMapping/>
+  </p:clrMapOvr>
+</p:sld>
+</file>
+
+<file path=ppt/slides/slide3.xml><?xml version="1.0" encoding="utf-8"?>
+<p:sld xmlns:a="http://schemas.openxmlformats.org/drawingml/2006/main" xmlns:r="http://schemas.openxmlformats.org/officeDocument/2006/relationships" xmlns:p="http://schemas.openxmlformats.org/presentationml/2006/main">
+  <p:cSld>
+    <p:spTree>
+      <p:nvGrpSpPr>
+        <p:cNvPr id="1" name=""/>
+        <p:cNvGrpSpPr/>
+        <p:nvPr/>
+      </p:nvGrpSpPr>
+      <p:grpSpPr>
+        <a:xfrm>
+          <a:off x="0" y="0"/>
+          <a:ext cx="0" cy="0"/>
+          <a:chOff x="0" y="0"/>
+          <a:chExt cx="0" cy="0"/>
+        </a:xfrm>
+      </p:grpSpPr>
+      <p:sp>
+        <p:nvSpPr>
+          <p:cNvPr id="108" name="CustomShape 1"/>
+          <p:cNvSpPr/>
+          <p:nvPr/>
+        </p:nvSpPr>
+        <p:spPr>
+          <a:xfrm>
+            <a:off x="2344260" y="743760"/>
+            <a:ext cx="7882920" cy="759240"/>
+          </a:xfrm>
+          <a:prstGeom prst="rect">
+            <a:avLst/>
+          </a:prstGeom>
+          <a:noFill/>
+          <a:ln>
+            <a:noFill/>
+          </a:ln>
+        </p:spPr>
+        <p:style>
+          <a:lnRef idx="0">
+            <a:scrgbClr r="0" g="0" b="0"/>
+          </a:lnRef>
+          <a:fillRef idx="0">
+            <a:scrgbClr r="0" g="0" b="0"/>
+          </a:fillRef>
+          <a:effectRef idx="0">
+            <a:scrgbClr r="0" g="0" b="0"/>
+          </a:effectRef>
+          <a:fontRef idx="minor"/>
+        </p:style>
+        <p:txBody>
+          <a:bodyPr lIns="90000" tIns="45000" rIns="90000" bIns="45000" anchor="ctr">
+            <a:normAutofit/>
+          </a:bodyPr>
+          <a:lstStyle/>
+          <a:p>
+            <a:pPr algn="ctr">
+              <a:lnSpc>
+                <a:spcPct val="100000"/>
+              </a:lnSpc>
+            </a:pPr>
+            <a:r>
+              <a:rPr lang="ru-RU" sz="3200" b="1" cap="all" spc="-100" dirty="0">
+                <a:solidFill>
+                  <a:srgbClr val="7030A0"/>
+                </a:solidFill>
+                <a:latin typeface="Segoe Print" panose="02000600000000000000" pitchFamily="2" charset="0"/>
+              </a:rPr>
+              <a:t>Логический тип данных</a:t>
+            </a:r>
+          </a:p>
+        </p:txBody>
+      </p:sp>
+      <p:sp>
+        <p:nvSpPr>
+          <p:cNvPr id="109" name="CustomShape 2"/>
+          <p:cNvSpPr/>
+          <p:nvPr/>
+        </p:nvSpPr>
+        <p:spPr>
+          <a:xfrm>
+            <a:off x="1663576" y="2365584"/>
+            <a:ext cx="2002942" cy="458827"/>
+          </a:xfrm>
+          <a:prstGeom prst="rect">
+            <a:avLst/>
+          </a:prstGeom>
+          <a:noFill/>
+          <a:ln>
+            <a:noFill/>
+          </a:ln>
+        </p:spPr>
+        <p:style>
+          <a:lnRef idx="0">
+            <a:scrgbClr r="0" g="0" b="0"/>
+          </a:lnRef>
+          <a:fillRef idx="0">
+            <a:scrgbClr r="0" g="0" b="0"/>
+          </a:fillRef>
+          <a:effectRef idx="0">
+            <a:scrgbClr r="0" g="0" b="0"/>
+          </a:effectRef>
+          <a:fontRef idx="minor"/>
+        </p:style>
+        <p:txBody>
+          <a:bodyPr lIns="90000" tIns="45000" rIns="90000" bIns="45000">
+            <a:noAutofit/>
+          </a:bodyPr>
+          <a:lstStyle/>
+          <a:p>
+            <a:pPr>
+              <a:lnSpc>
+                <a:spcPct val="100000"/>
+              </a:lnSpc>
+            </a:pPr>
+            <a:r>
+              <a:rPr lang="ru-RU" sz="2800" b="1" spc="-1" dirty="0">
+                <a:solidFill>
+                  <a:srgbClr val="7030A0"/>
+                </a:solidFill>
+                <a:latin typeface="Segoe Print" panose="02000600000000000000" pitchFamily="2" charset="0"/>
+                <a:ea typeface="DejaVu Sans"/>
+              </a:rPr>
+              <a:t>Тип </a:t>
+            </a:r>
+            <a:r>
+              <a:rPr lang="ru-RU" sz="2800" b="1" spc="-1" dirty="0" err="1">
+                <a:solidFill>
+                  <a:srgbClr val="7030A0"/>
+                </a:solidFill>
+                <a:latin typeface="Segoe Print" panose="02000600000000000000" pitchFamily="2" charset="0"/>
+                <a:ea typeface="DejaVu Sans"/>
+              </a:rPr>
+              <a:t>bool</a:t>
+            </a:r>
+            <a:endParaRPr lang="ru-RU" sz="2800" spc="-1" dirty="0">
+              <a:solidFill>
+                <a:srgbClr val="7030A0"/>
+              </a:solidFill>
+              <a:latin typeface="Segoe Print" panose="02000600000000000000" pitchFamily="2" charset="0"/>
+            </a:endParaRPr>
+          </a:p>
+        </p:txBody>
+      </p:sp>
+      <p:sp>
+        <p:nvSpPr>
+          <p:cNvPr id="110" name="CustomShape 3"/>
+          <p:cNvSpPr/>
+          <p:nvPr/>
+        </p:nvSpPr>
+        <p:spPr>
+          <a:xfrm>
+            <a:off x="1092471" y="2974529"/>
+            <a:ext cx="5486760" cy="1592280"/>
+          </a:xfrm>
+          <a:prstGeom prst="rect">
+            <a:avLst/>
+          </a:prstGeom>
+          <a:noFill/>
+          <a:ln>
+            <a:noFill/>
+          </a:ln>
+        </p:spPr>
+        <p:style>
+          <a:lnRef idx="0">
+            <a:scrgbClr r="0" g="0" b="0"/>
+          </a:lnRef>
+          <a:fillRef idx="0">
+            <a:scrgbClr r="0" g="0" b="0"/>
+          </a:fillRef>
+          <a:effectRef idx="0">
+            <a:scrgbClr r="0" g="0" b="0"/>
+          </a:effectRef>
+          <a:fontRef idx="minor"/>
+        </p:style>
+        <p:txBody>
+          <a:bodyPr lIns="90000" tIns="45000" rIns="90000" bIns="45000">
+            <a:noAutofit/>
+          </a:bodyPr>
+          <a:lstStyle/>
+          <a:p>
+            <a:pPr>
+              <a:lnSpc>
+                <a:spcPct val="100000"/>
+              </a:lnSpc>
+            </a:pPr>
+            <a:r>
+              <a:rPr lang="ru-RU" sz="2800" spc="-1" dirty="0">
+                <a:solidFill>
+                  <a:srgbClr val="030303"/>
+                </a:solidFill>
+                <a:latin typeface="Calibri"/>
+                <a:ea typeface="DejaVu Sans"/>
+              </a:rPr>
+              <a:t>Возможные значения:</a:t>
+            </a:r>
+            <a:endParaRPr lang="ru-RU" sz="2800" spc="-1" dirty="0">
+              <a:latin typeface="Arial"/>
+            </a:endParaRPr>
+          </a:p>
+          <a:p>
+            <a:pPr>
+              <a:lnSpc>
+                <a:spcPct val="100000"/>
+              </a:lnSpc>
+            </a:pPr>
+            <a:r>
+              <a:rPr lang="ru-RU" sz="2800" spc="-1" dirty="0">
+                <a:solidFill>
+                  <a:srgbClr val="030303"/>
+                </a:solidFill>
+                <a:latin typeface="Calibri"/>
+                <a:ea typeface="DejaVu Sans"/>
+              </a:rPr>
+              <a:t>- </a:t>
+            </a:r>
+            <a:r>
+              <a:rPr lang="en-US" sz="2800" spc="-1" dirty="0">
+                <a:solidFill>
+                  <a:srgbClr val="030303"/>
+                </a:solidFill>
+                <a:latin typeface="Calibri"/>
+                <a:ea typeface="DejaVu Sans"/>
+              </a:rPr>
+              <a:t>t</a:t>
+            </a:r>
+            <a:r>
+              <a:rPr lang="ru-RU" sz="2800" spc="-1" dirty="0" err="1">
+                <a:solidFill>
+                  <a:srgbClr val="030303"/>
+                </a:solidFill>
+                <a:latin typeface="Calibri"/>
+                <a:ea typeface="DejaVu Sans"/>
+              </a:rPr>
+              <a:t>rue</a:t>
+            </a:r>
+            <a:r>
+              <a:rPr lang="ru-RU" sz="2800" spc="-1" dirty="0">
+                <a:solidFill>
+                  <a:srgbClr val="030303"/>
+                </a:solidFill>
+                <a:latin typeface="Calibri"/>
+                <a:ea typeface="DejaVu Sans"/>
+              </a:rPr>
+              <a:t> (Истина, 1)</a:t>
+            </a:r>
+            <a:endParaRPr lang="ru-RU" sz="2800" spc="-1" dirty="0">
+              <a:latin typeface="Arial"/>
+            </a:endParaRPr>
+          </a:p>
+          <a:p>
+            <a:pPr>
+              <a:lnSpc>
+                <a:spcPct val="100000"/>
+              </a:lnSpc>
+            </a:pPr>
+            <a:r>
+              <a:rPr lang="ru-RU" sz="2800" spc="-1" dirty="0">
+                <a:solidFill>
+                  <a:srgbClr val="030303"/>
+                </a:solidFill>
+                <a:latin typeface="Calibri"/>
+                <a:ea typeface="DejaVu Sans"/>
+              </a:rPr>
+              <a:t>- </a:t>
+            </a:r>
+            <a:r>
+              <a:rPr lang="en-US" sz="2800" spc="-1" dirty="0">
+                <a:solidFill>
+                  <a:srgbClr val="030303"/>
+                </a:solidFill>
+                <a:latin typeface="Calibri"/>
+                <a:ea typeface="DejaVu Sans"/>
+              </a:rPr>
+              <a:t>f</a:t>
+            </a:r>
+            <a:r>
+              <a:rPr lang="ru-RU" sz="2800" spc="-1" dirty="0" err="1">
+                <a:solidFill>
+                  <a:srgbClr val="030303"/>
+                </a:solidFill>
+                <a:latin typeface="Calibri"/>
+                <a:ea typeface="DejaVu Sans"/>
+              </a:rPr>
+              <a:t>alse</a:t>
+            </a:r>
+            <a:r>
+              <a:rPr lang="ru-RU" sz="2800" spc="-1" dirty="0">
+                <a:solidFill>
+                  <a:srgbClr val="030303"/>
+                </a:solidFill>
+                <a:latin typeface="Calibri"/>
+                <a:ea typeface="DejaVu Sans"/>
+              </a:rPr>
+              <a:t> (Ложь, 0)</a:t>
+            </a:r>
+            <a:endParaRPr lang="ru-RU" sz="2800" spc="-1" dirty="0">
+              <a:latin typeface="Arial"/>
+            </a:endParaRPr>
+          </a:p>
+          <a:p>
+            <a:pPr>
+              <a:lnSpc>
+                <a:spcPct val="100000"/>
+              </a:lnSpc>
+            </a:pPr>
+            <a:endParaRPr lang="ru-RU" sz="2800" spc="-1" dirty="0">
+              <a:latin typeface="Arial"/>
+            </a:endParaRPr>
+          </a:p>
+        </p:txBody>
+      </p:sp>
+      <p:pic>
+        <p:nvPicPr>
+          <p:cNvPr id="111" name="Рисунок 110"/>
+          <p:cNvPicPr/>
+          <p:nvPr/>
+        </p:nvPicPr>
+        <p:blipFill>
+          <a:blip r:embed="rId2"/>
+          <a:stretch/>
+        </p:blipFill>
+        <p:spPr>
+          <a:xfrm>
+            <a:off x="5795023" y="2762137"/>
+            <a:ext cx="5203440" cy="1655640"/>
+          </a:xfrm>
+          <a:prstGeom prst="rect">
+            <a:avLst/>
+          </a:prstGeom>
+          <a:ln>
+            <a:noFill/>
+          </a:ln>
+        </p:spPr>
+      </p:pic>
+      <p:sp>
+        <p:nvSpPr>
+          <p:cNvPr id="112" name="CustomShape 4"/>
+          <p:cNvSpPr/>
+          <p:nvPr/>
+        </p:nvSpPr>
+        <p:spPr>
+          <a:xfrm>
+            <a:off x="7066844" y="2119149"/>
+            <a:ext cx="2495205" cy="492870"/>
+          </a:xfrm>
+          <a:prstGeom prst="rect">
+            <a:avLst/>
+          </a:prstGeom>
+          <a:noFill/>
+          <a:ln>
+            <a:noFill/>
+          </a:ln>
+        </p:spPr>
+        <p:style>
+          <a:lnRef idx="0">
+            <a:scrgbClr r="0" g="0" b="0"/>
+          </a:lnRef>
+          <a:fillRef idx="0">
+            <a:scrgbClr r="0" g="0" b="0"/>
+          </a:fillRef>
+          <a:effectRef idx="0">
+            <a:scrgbClr r="0" g="0" b="0"/>
+          </a:effectRef>
+          <a:fontRef idx="minor"/>
+        </p:style>
+        <p:txBody>
+          <a:bodyPr lIns="90000" tIns="45000" rIns="90000" bIns="45000">
+            <a:noAutofit/>
+          </a:bodyPr>
+          <a:lstStyle/>
+          <a:p>
+            <a:pPr>
+              <a:lnSpc>
+                <a:spcPct val="100000"/>
+              </a:lnSpc>
+            </a:pPr>
+            <a:r>
+              <a:rPr lang="ru-RU" sz="2200" spc="-1" dirty="0">
+                <a:solidFill>
+                  <a:srgbClr val="000000"/>
+                </a:solidFill>
+                <a:latin typeface="Calibri"/>
+                <a:ea typeface="DejaVu Sans"/>
+              </a:rPr>
+              <a:t>Пример</a:t>
+            </a:r>
+            <a:r>
+              <a:rPr lang="en-US" sz="2200" spc="-1" dirty="0">
+                <a:solidFill>
+                  <a:srgbClr val="000000"/>
+                </a:solidFill>
+                <a:latin typeface="Calibri"/>
+                <a:ea typeface="DejaVu Sans"/>
+              </a:rPr>
+              <a:t> </a:t>
+            </a:r>
+            <a:r>
+              <a:rPr lang="ru-RU" sz="2200" spc="-1" dirty="0">
+                <a:solidFill>
+                  <a:srgbClr val="000000"/>
+                </a:solidFill>
+                <a:latin typeface="Calibri"/>
+                <a:ea typeface="DejaVu Sans"/>
+              </a:rPr>
+              <a:t>кода:</a:t>
+            </a:r>
+            <a:endParaRPr lang="ru-RU" sz="2200" spc="-1" dirty="0">
+              <a:latin typeface="Arial"/>
+            </a:endParaRPr>
+          </a:p>
+        </p:txBody>
+      </p:sp>
+    </p:spTree>
+  </p:cSld>
+  <p:clrMapOvr>
+    <a:masterClrMapping/>
+  </p:clrMapOvr>
+</p:sld>
+</file>
+
+<file path=ppt/slides/slide4.xml><?xml version="1.0" encoding="utf-8"?>
+<p:sld xmlns:a="http://schemas.openxmlformats.org/drawingml/2006/main" xmlns:r="http://schemas.openxmlformats.org/officeDocument/2006/relationships" xmlns:p="http://schemas.openxmlformats.org/presentationml/2006/main">
+  <p:cSld>
+    <p:spTree>
+      <p:nvGrpSpPr>
+        <p:cNvPr id="1" name=""/>
+        <p:cNvGrpSpPr/>
+        <p:nvPr/>
+      </p:nvGrpSpPr>
+      <p:grpSpPr>
+        <a:xfrm>
+          <a:off x="0" y="0"/>
+          <a:ext cx="0" cy="0"/>
+          <a:chOff x="0" y="0"/>
+          <a:chExt cx="0" cy="0"/>
+        </a:xfrm>
+      </p:grpSpPr>
+      <p:sp>
+        <p:nvSpPr>
+          <p:cNvPr id="108" name="CustomShape 1"/>
+          <p:cNvSpPr/>
+          <p:nvPr/>
+        </p:nvSpPr>
+        <p:spPr>
+          <a:xfrm>
+            <a:off x="2344260" y="743760"/>
+            <a:ext cx="7882920" cy="759240"/>
+          </a:xfrm>
+          <a:prstGeom prst="rect">
+            <a:avLst/>
+          </a:prstGeom>
+          <a:noFill/>
+          <a:ln>
+            <a:noFill/>
+          </a:ln>
+        </p:spPr>
+        <p:style>
+          <a:lnRef idx="0">
+            <a:scrgbClr r="0" g="0" b="0"/>
+          </a:lnRef>
+          <a:fillRef idx="0">
+            <a:scrgbClr r="0" g="0" b="0"/>
+          </a:fillRef>
+          <a:effectRef idx="0">
+            <a:scrgbClr r="0" g="0" b="0"/>
+          </a:effectRef>
+          <a:fontRef idx="minor"/>
+        </p:style>
+        <p:txBody>
+          <a:bodyPr lIns="90000" tIns="45000" rIns="90000" bIns="45000" anchor="ctr">
+            <a:normAutofit/>
+          </a:bodyPr>
+          <a:lstStyle/>
+          <a:p>
+            <a:pPr algn="ctr">
+              <a:lnSpc>
+                <a:spcPct val="100000"/>
+              </a:lnSpc>
+            </a:pPr>
+            <a:r>
+              <a:rPr lang="ru-RU" sz="3200" b="1" cap="all" spc="-100" dirty="0">
+                <a:solidFill>
+                  <a:srgbClr val="7030A0"/>
+                </a:solidFill>
+                <a:latin typeface="Segoe Print" panose="02000600000000000000" pitchFamily="2" charset="0"/>
+              </a:rPr>
+              <a:t>Преобразование типов</a:t>
+            </a:r>
+          </a:p>
+        </p:txBody>
+      </p:sp>
+      <p:sp>
+        <p:nvSpPr>
+          <p:cNvPr id="2" name="TextBox 1">
+            <a:extLst>
+              <a:ext uri="{FF2B5EF4-FFF2-40B4-BE49-F238E27FC236}">
+                <a16:creationId xmlns:a16="http://schemas.microsoft.com/office/drawing/2014/main" id="{4CD9B62F-5361-49F9-A088-1B7B97DDEDF6}"/>
+              </a:ext>
+            </a:extLst>
+          </p:cNvPr>
+          <p:cNvSpPr txBox="1"/>
+          <p:nvPr/>
+        </p:nvSpPr>
+        <p:spPr>
+          <a:xfrm>
+            <a:off x="2961279" y="1840089"/>
+            <a:ext cx="639919" cy="584775"/>
+          </a:xfrm>
+          <a:prstGeom prst="rect">
+            <a:avLst/>
+          </a:prstGeom>
+          <a:noFill/>
+        </p:spPr>
+        <p:txBody>
+          <a:bodyPr wrap="none" rtlCol="0">
+            <a:spAutoFit/>
+          </a:bodyPr>
+          <a:lstStyle/>
+          <a:p>
+            <a:r>
+              <a:rPr lang="en-US" sz="3200" b="1" dirty="0"/>
+              <a:t>70</a:t>
+            </a:r>
+            <a:endParaRPr lang="ru-RU" sz="3200" b="1" dirty="0"/>
+          </a:p>
+        </p:txBody>
+      </p:sp>
+      <p:sp>
+        <p:nvSpPr>
+          <p:cNvPr id="3" name="Прямоугольник: один скругленный угол 2">
+            <a:extLst>
+              <a:ext uri="{FF2B5EF4-FFF2-40B4-BE49-F238E27FC236}">
+                <a16:creationId xmlns:a16="http://schemas.microsoft.com/office/drawing/2014/main" id="{DFA285DF-93E1-469B-827F-CBDA806A3FE4}"/>
+              </a:ext>
+            </a:extLst>
+          </p:cNvPr>
+          <p:cNvSpPr/>
+          <p:nvPr/>
+        </p:nvSpPr>
+        <p:spPr>
+          <a:xfrm>
+            <a:off x="2344260" y="3416331"/>
+            <a:ext cx="1873956" cy="759240"/>
+          </a:xfrm>
+          <a:prstGeom prst="round1Rect">
+            <a:avLst/>
+          </a:prstGeom>
+        </p:spPr>
+        <p:style>
+          <a:lnRef idx="2">
+            <a:schemeClr val="accent1">
+              <a:shade val="50000"/>
+            </a:schemeClr>
+          </a:lnRef>
+          <a:fillRef idx="1">
+            <a:schemeClr val="accent1"/>
+          </a:fillRef>
+          <a:effectRef idx="0">
+            <a:schemeClr val="accent1"/>
+          </a:effectRef>
+          <a:fontRef idx="minor">
+            <a:schemeClr val="lt1"/>
+          </a:fontRef>
+        </p:style>
+        <p:txBody>
+          <a:bodyPr rtlCol="0" anchor="ctr"/>
+          <a:lstStyle/>
+          <a:p>
+            <a:pPr algn="ctr"/>
+            <a:r>
+              <a:rPr lang="en-US" dirty="0"/>
+              <a:t>int</a:t>
+            </a:r>
+            <a:endParaRPr lang="ru-RU" dirty="0"/>
+          </a:p>
+        </p:txBody>
+      </p:sp>
+      <p:cxnSp>
+        <p:nvCxnSpPr>
+          <p:cNvPr id="5" name="Прямая со стрелкой 4">
+            <a:extLst>
+              <a:ext uri="{FF2B5EF4-FFF2-40B4-BE49-F238E27FC236}">
+                <a16:creationId xmlns:a16="http://schemas.microsoft.com/office/drawing/2014/main" id="{CEF45AC8-844A-4CEB-8CE2-9319EDE62125}"/>
+              </a:ext>
+            </a:extLst>
+          </p:cNvPr>
+          <p:cNvCxnSpPr/>
+          <p:nvPr/>
+        </p:nvCxnSpPr>
+        <p:spPr>
+          <a:xfrm flipV="1">
+            <a:off x="3281238" y="2424864"/>
+            <a:ext cx="0" cy="860203"/>
+          </a:xfrm>
+          <a:prstGeom prst="straightConnector1">
+            <a:avLst/>
+          </a:prstGeom>
+          <a:ln>
+            <a:tailEnd type="triangle"/>
+          </a:ln>
+        </p:spPr>
+        <p:style>
+          <a:lnRef idx="1">
+            <a:schemeClr val="accent1"/>
+          </a:lnRef>
+          <a:fillRef idx="0">
+            <a:schemeClr val="accent1"/>
+          </a:fillRef>
+          <a:effectRef idx="0">
+            <a:schemeClr val="accent1"/>
+          </a:effectRef>
+          <a:fontRef idx="minor">
+            <a:schemeClr val="tx1"/>
+          </a:fontRef>
+        </p:style>
+      </p:cxnSp>
+      <p:sp>
+        <p:nvSpPr>
+          <p:cNvPr id="8" name="TextBox 7">
+            <a:extLst>
+              <a:ext uri="{FF2B5EF4-FFF2-40B4-BE49-F238E27FC236}">
+                <a16:creationId xmlns:a16="http://schemas.microsoft.com/office/drawing/2014/main" id="{7D1E63AD-98B7-416F-B57F-2C96104991F5}"/>
+              </a:ext>
+            </a:extLst>
+          </p:cNvPr>
+          <p:cNvSpPr txBox="1"/>
+          <p:nvPr/>
+        </p:nvSpPr>
+        <p:spPr>
+          <a:xfrm>
+            <a:off x="8472311" y="1840089"/>
+            <a:ext cx="987771" cy="584775"/>
+          </a:xfrm>
+          <a:prstGeom prst="rect">
+            <a:avLst/>
+          </a:prstGeom>
+          <a:noFill/>
+        </p:spPr>
+        <p:txBody>
+          <a:bodyPr wrap="none" rtlCol="0">
+            <a:spAutoFit/>
+          </a:bodyPr>
+          <a:lstStyle/>
+          <a:p>
+            <a:r>
+              <a:rPr lang="en-US" sz="3200" b="1" dirty="0"/>
+              <a:t>70.8</a:t>
+            </a:r>
+            <a:endParaRPr lang="ru-RU" sz="3200" b="1" dirty="0"/>
+          </a:p>
+        </p:txBody>
+      </p:sp>
+      <p:sp>
+        <p:nvSpPr>
+          <p:cNvPr id="9" name="Прямоугольник: один скругленный угол 8">
+            <a:extLst>
+              <a:ext uri="{FF2B5EF4-FFF2-40B4-BE49-F238E27FC236}">
+                <a16:creationId xmlns:a16="http://schemas.microsoft.com/office/drawing/2014/main" id="{764949E1-A2F1-45F2-9930-81B24F597B4C}"/>
+              </a:ext>
+            </a:extLst>
+          </p:cNvPr>
+          <p:cNvSpPr/>
+          <p:nvPr/>
+        </p:nvSpPr>
+        <p:spPr>
+          <a:xfrm>
+            <a:off x="7855292" y="3416331"/>
+            <a:ext cx="1873956" cy="759240"/>
+          </a:xfrm>
+          <a:prstGeom prst="round1Rect">
+            <a:avLst/>
+          </a:prstGeom>
+        </p:spPr>
+        <p:style>
+          <a:lnRef idx="2">
+            <a:schemeClr val="accent1">
+              <a:shade val="50000"/>
+            </a:schemeClr>
+          </a:lnRef>
+          <a:fillRef idx="1">
+            <a:schemeClr val="accent1"/>
+          </a:fillRef>
+          <a:effectRef idx="0">
+            <a:schemeClr val="accent1"/>
+          </a:effectRef>
+          <a:fontRef idx="minor">
+            <a:schemeClr val="lt1"/>
+          </a:fontRef>
+        </p:style>
+        <p:txBody>
+          <a:bodyPr rtlCol="0" anchor="ctr"/>
+          <a:lstStyle/>
+          <a:p>
+            <a:pPr algn="ctr"/>
+            <a:r>
+              <a:rPr lang="en-US" dirty="0"/>
+              <a:t>double</a:t>
+            </a:r>
+            <a:endParaRPr lang="ru-RU" dirty="0"/>
+          </a:p>
+        </p:txBody>
+      </p:sp>
+      <p:cxnSp>
+        <p:nvCxnSpPr>
+          <p:cNvPr id="10" name="Прямая со стрелкой 9">
+            <a:extLst>
+              <a:ext uri="{FF2B5EF4-FFF2-40B4-BE49-F238E27FC236}">
+                <a16:creationId xmlns:a16="http://schemas.microsoft.com/office/drawing/2014/main" id="{75327137-2E7D-40B2-B08D-56A59864BE1A}"/>
+              </a:ext>
+            </a:extLst>
+          </p:cNvPr>
+          <p:cNvCxnSpPr/>
+          <p:nvPr/>
+        </p:nvCxnSpPr>
+        <p:spPr>
+          <a:xfrm flipV="1">
+            <a:off x="8792270" y="2424864"/>
+            <a:ext cx="0" cy="860203"/>
+          </a:xfrm>
+          <a:prstGeom prst="straightConnector1">
+            <a:avLst/>
+          </a:prstGeom>
+          <a:ln>
+            <a:tailEnd type="triangle"/>
+          </a:ln>
+        </p:spPr>
+        <p:style>
+          <a:lnRef idx="1">
+            <a:schemeClr val="accent1"/>
+          </a:lnRef>
+          <a:fillRef idx="0">
+            <a:schemeClr val="accent1"/>
+          </a:fillRef>
+          <a:effectRef idx="0">
+            <a:schemeClr val="accent1"/>
+          </a:effectRef>
+          <a:fontRef idx="minor">
+            <a:schemeClr val="tx1"/>
+          </a:fontRef>
+        </p:style>
+      </p:cxnSp>
+      <p:sp>
+        <p:nvSpPr>
+          <p:cNvPr id="6" name="TextBox 5">
+            <a:extLst>
+              <a:ext uri="{FF2B5EF4-FFF2-40B4-BE49-F238E27FC236}">
+                <a16:creationId xmlns:a16="http://schemas.microsoft.com/office/drawing/2014/main" id="{744D43A1-192C-4FF9-A814-0F45906AD9A3}"/>
+              </a:ext>
+            </a:extLst>
+          </p:cNvPr>
+          <p:cNvSpPr txBox="1"/>
+          <p:nvPr/>
+        </p:nvSpPr>
+        <p:spPr>
+          <a:xfrm>
+            <a:off x="2062038" y="4891513"/>
+            <a:ext cx="2795816" cy="771814"/>
+          </a:xfrm>
+          <a:prstGeom prst="rect">
+            <a:avLst/>
+          </a:prstGeom>
+          <a:noFill/>
+        </p:spPr>
+        <p:txBody>
+          <a:bodyPr wrap="square">
+            <a:spAutoFit/>
+          </a:bodyPr>
+          <a:lstStyle/>
+          <a:p>
+            <a:pPr indent="215900" algn="just">
+              <a:lnSpc>
+                <a:spcPct val="115000"/>
+              </a:lnSpc>
+            </a:pPr>
+            <a:r>
+              <a:rPr lang="en-US" sz="2000" kern="100" dirty="0">
+                <a:solidFill>
+                  <a:srgbClr val="000000"/>
+                </a:solidFill>
+                <a:latin typeface="Times New Roman" panose="02020603050405020304" pitchFamily="18" charset="0"/>
+              </a:rPr>
+              <a:t>byte a = 4;</a:t>
+            </a:r>
+          </a:p>
+          <a:p>
+            <a:pPr indent="215900" algn="just">
+              <a:lnSpc>
+                <a:spcPct val="115000"/>
+              </a:lnSpc>
+            </a:pPr>
+            <a:r>
+              <a:rPr lang="en-US" sz="2000" kern="100" dirty="0">
+                <a:solidFill>
+                  <a:srgbClr val="000000"/>
+                </a:solidFill>
+                <a:latin typeface="Times New Roman" panose="02020603050405020304" pitchFamily="18" charset="0"/>
+              </a:rPr>
+              <a:t>byte b = a + 70;</a:t>
+            </a:r>
+            <a:endParaRPr lang="ru-RU" sz="2000" kern="100" dirty="0">
+              <a:solidFill>
+                <a:srgbClr val="000000"/>
+              </a:solidFill>
+              <a:latin typeface="Times New Roman" panose="02020603050405020304" pitchFamily="18" charset="0"/>
+            </a:endParaRPr>
+          </a:p>
+        </p:txBody>
+      </p:sp>
+      <p:cxnSp>
+        <p:nvCxnSpPr>
+          <p:cNvPr id="12" name="Прямая со стрелкой 11">
+            <a:extLst>
+              <a:ext uri="{FF2B5EF4-FFF2-40B4-BE49-F238E27FC236}">
+                <a16:creationId xmlns:a16="http://schemas.microsoft.com/office/drawing/2014/main" id="{4B95C609-F24E-4664-8F3C-8E945B9B1EC9}"/>
+              </a:ext>
+            </a:extLst>
+          </p:cNvPr>
+          <p:cNvCxnSpPr/>
+          <p:nvPr/>
+        </p:nvCxnSpPr>
+        <p:spPr>
+          <a:xfrm>
+            <a:off x="3793067" y="4385857"/>
+            <a:ext cx="0" cy="891563"/>
+          </a:xfrm>
+          <a:prstGeom prst="straightConnector1">
+            <a:avLst/>
+          </a:prstGeom>
+          <a:ln>
+            <a:tailEnd type="triangle"/>
+          </a:ln>
+        </p:spPr>
+        <p:style>
+          <a:lnRef idx="1">
+            <a:schemeClr val="accent1"/>
+          </a:lnRef>
+          <a:fillRef idx="0">
+            <a:schemeClr val="accent1"/>
+          </a:fillRef>
+          <a:effectRef idx="0">
+            <a:schemeClr val="accent1"/>
+          </a:effectRef>
+          <a:fontRef idx="minor">
+            <a:schemeClr val="tx1"/>
+          </a:fontRef>
+        </p:style>
+      </p:cxnSp>
+      <p:sp>
+        <p:nvSpPr>
+          <p:cNvPr id="13" name="TextBox 12">
+            <a:extLst>
+              <a:ext uri="{FF2B5EF4-FFF2-40B4-BE49-F238E27FC236}">
+                <a16:creationId xmlns:a16="http://schemas.microsoft.com/office/drawing/2014/main" id="{B5A6059B-CC82-4604-89C0-2C72907A2E56}"/>
+              </a:ext>
+            </a:extLst>
+          </p:cNvPr>
+          <p:cNvSpPr txBox="1"/>
+          <p:nvPr/>
+        </p:nvSpPr>
+        <p:spPr>
+          <a:xfrm>
+            <a:off x="7692466" y="4891513"/>
+            <a:ext cx="2795816" cy="771814"/>
+          </a:xfrm>
+          <a:prstGeom prst="rect">
+            <a:avLst/>
+          </a:prstGeom>
+          <a:noFill/>
+        </p:spPr>
+        <p:txBody>
+          <a:bodyPr wrap="square">
+            <a:spAutoFit/>
+          </a:bodyPr>
+          <a:lstStyle/>
+          <a:p>
+            <a:pPr indent="215900" algn="just">
+              <a:lnSpc>
+                <a:spcPct val="115000"/>
+              </a:lnSpc>
+            </a:pPr>
+            <a:r>
+              <a:rPr lang="en-US" sz="2000" kern="100" dirty="0">
+                <a:solidFill>
+                  <a:srgbClr val="000000"/>
+                </a:solidFill>
+                <a:latin typeface="Times New Roman" panose="02020603050405020304" pitchFamily="18" charset="0"/>
+              </a:rPr>
+              <a:t>float a = 4.7F;</a:t>
+            </a:r>
+          </a:p>
+          <a:p>
+            <a:pPr indent="215900" algn="just">
+              <a:lnSpc>
+                <a:spcPct val="115000"/>
+              </a:lnSpc>
+            </a:pPr>
+            <a:r>
+              <a:rPr lang="en-US" sz="2000" kern="100" dirty="0">
+                <a:solidFill>
+                  <a:srgbClr val="000000"/>
+                </a:solidFill>
+                <a:latin typeface="Times New Roman" panose="02020603050405020304" pitchFamily="18" charset="0"/>
+              </a:rPr>
+              <a:t>float b = a + 70.9;</a:t>
+            </a:r>
+            <a:endParaRPr lang="ru-RU" sz="2000" kern="100" dirty="0">
+              <a:solidFill>
+                <a:srgbClr val="000000"/>
+              </a:solidFill>
+              <a:latin typeface="Times New Roman" panose="02020603050405020304" pitchFamily="18" charset="0"/>
+            </a:endParaRPr>
+          </a:p>
+        </p:txBody>
+      </p:sp>
+      <p:cxnSp>
+        <p:nvCxnSpPr>
+          <p:cNvPr id="17" name="Прямая со стрелкой 16">
+            <a:extLst>
+              <a:ext uri="{FF2B5EF4-FFF2-40B4-BE49-F238E27FC236}">
+                <a16:creationId xmlns:a16="http://schemas.microsoft.com/office/drawing/2014/main" id="{A9E61F8D-8247-419D-AB0E-00FA6B926BA8}"/>
+              </a:ext>
+            </a:extLst>
+          </p:cNvPr>
+          <p:cNvCxnSpPr/>
+          <p:nvPr/>
+        </p:nvCxnSpPr>
+        <p:spPr>
+          <a:xfrm>
+            <a:off x="9589911" y="4380206"/>
+            <a:ext cx="0" cy="891563"/>
+          </a:xfrm>
+          <a:prstGeom prst="straightConnector1">
+            <a:avLst/>
+          </a:prstGeom>
+          <a:ln>
+            <a:tailEnd type="triangle"/>
+          </a:ln>
+        </p:spPr>
+        <p:style>
+          <a:lnRef idx="1">
+            <a:schemeClr val="accent1"/>
+          </a:lnRef>
+          <a:fillRef idx="0">
+            <a:schemeClr val="accent1"/>
+          </a:fillRef>
+          <a:effectRef idx="0">
+            <a:schemeClr val="accent1"/>
+          </a:effectRef>
+          <a:fontRef idx="minor">
+            <a:schemeClr val="tx1"/>
+          </a:fontRef>
+        </p:style>
+      </p:cxnSp>
+    </p:spTree>
+    <p:extLst>
+      <p:ext uri="{BB962C8B-B14F-4D97-AF65-F5344CB8AC3E}">
+        <p14:creationId xmlns:p14="http://schemas.microsoft.com/office/powerpoint/2010/main" val="2504946322"/>
+      </p:ext>
+    </p:extLst>
+  </p:cSld>
+  <p:clrMapOvr>
+    <a:masterClrMapping/>
+  </p:clrMapOvr>
+</p:sld>
+</file>
+
+<file path=ppt/slides/slide5.xml><?xml version="1.0" encoding="utf-8"?>
+<p:sld xmlns:a="http://schemas.openxmlformats.org/drawingml/2006/main" xmlns:r="http://schemas.openxmlformats.org/officeDocument/2006/relationships" xmlns:p="http://schemas.openxmlformats.org/presentationml/2006/main">
+  <p:cSld>
+    <p:spTree>
+      <p:nvGrpSpPr>
+        <p:cNvPr id="1" name=""/>
+        <p:cNvGrpSpPr/>
+        <p:nvPr/>
+      </p:nvGrpSpPr>
+      <p:grpSpPr>
+        <a:xfrm>
+          <a:off x="0" y="0"/>
+          <a:ext cx="0" cy="0"/>
+          <a:chOff x="0" y="0"/>
+          <a:chExt cx="0" cy="0"/>
+        </a:xfrm>
+      </p:grpSpPr>
+      <p:sp>
+        <p:nvSpPr>
+          <p:cNvPr id="108" name="CustomShape 1"/>
+          <p:cNvSpPr/>
+          <p:nvPr/>
+        </p:nvSpPr>
+        <p:spPr>
+          <a:xfrm>
+            <a:off x="2344260" y="743760"/>
+            <a:ext cx="7882920" cy="759240"/>
+          </a:xfrm>
+          <a:prstGeom prst="rect">
+            <a:avLst/>
+          </a:prstGeom>
+          <a:noFill/>
+          <a:ln>
+            <a:noFill/>
+          </a:ln>
+        </p:spPr>
+        <p:style>
+          <a:lnRef idx="0">
+            <a:scrgbClr r="0" g="0" b="0"/>
+          </a:lnRef>
+          <a:fillRef idx="0">
+            <a:scrgbClr r="0" g="0" b="0"/>
+          </a:fillRef>
+          <a:effectRef idx="0">
+            <a:scrgbClr r="0" g="0" b="0"/>
+          </a:effectRef>
+          <a:fontRef idx="minor"/>
+        </p:style>
+        <p:txBody>
+          <a:bodyPr lIns="90000" tIns="45000" rIns="90000" bIns="45000" anchor="ctr">
+            <a:normAutofit/>
+          </a:bodyPr>
+          <a:lstStyle/>
+          <a:p>
+            <a:pPr algn="ctr">
+              <a:lnSpc>
+                <a:spcPct val="100000"/>
+              </a:lnSpc>
+            </a:pPr>
+            <a:r>
+              <a:rPr lang="ru-RU" sz="3200" b="1" cap="all" spc="-100" dirty="0">
+                <a:solidFill>
+                  <a:srgbClr val="7030A0"/>
+                </a:solidFill>
+                <a:latin typeface="Segoe Print" panose="02000600000000000000" pitchFamily="2" charset="0"/>
+              </a:rPr>
+              <a:t>Преобразование типов</a:t>
+            </a:r>
+          </a:p>
+        </p:txBody>
+      </p:sp>
+      <p:pic>
+        <p:nvPicPr>
+          <p:cNvPr id="3074" name="Picture 2" descr="Преобразование типов в Java • Vertex Academy">
+            <a:extLst>
+              <a:ext uri="{FF2B5EF4-FFF2-40B4-BE49-F238E27FC236}">
+                <a16:creationId xmlns:a16="http://schemas.microsoft.com/office/drawing/2014/main" id="{5B4F92F9-CAD0-4928-8DA6-05CE9B0C10D0}"/>
+              </a:ext>
+            </a:extLst>
+          </p:cNvPr>
+          <p:cNvPicPr>
+            <a:picLocks noChangeAspect="1" noChangeArrowheads="1"/>
+          </p:cNvPicPr>
+          <p:nvPr/>
+        </p:nvPicPr>
+        <p:blipFill>
+          <a:blip r:embed="rId2">
+            <a:extLst>
+              <a:ext uri="{28A0092B-C50C-407E-A947-70E740481C1C}">
+                <a14:useLocalDpi xmlns:a14="http://schemas.microsoft.com/office/drawing/2010/main" val="0"/>
+              </a:ext>
+            </a:extLst>
+          </a:blip>
+          <a:srcRect/>
+          <a:stretch>
+            <a:fillRect/>
+          </a:stretch>
+        </p:blipFill>
+        <p:spPr bwMode="auto">
+          <a:xfrm>
+            <a:off x="3752070" y="1768352"/>
+            <a:ext cx="5067300" cy="2600325"/>
+          </a:xfrm>
+          <a:prstGeom prst="rect">
+            <a:avLst/>
+          </a:prstGeom>
+          <a:noFill/>
+          <a:extLst>
+            <a:ext uri="{909E8E84-426E-40DD-AFC4-6F175D3DCCD1}">
+              <a14:hiddenFill xmlns:a14="http://schemas.microsoft.com/office/drawing/2010/main">
+                <a:solidFill>
+                  <a:srgbClr val="FFFFFF"/>
+                </a:solidFill>
+              </a14:hiddenFill>
+            </a:ext>
+          </a:extLst>
+        </p:spPr>
+      </p:pic>
+      <p:sp>
+        <p:nvSpPr>
+          <p:cNvPr id="3" name="TextBox 2">
+            <a:extLst>
+              <a:ext uri="{FF2B5EF4-FFF2-40B4-BE49-F238E27FC236}">
+                <a16:creationId xmlns:a16="http://schemas.microsoft.com/office/drawing/2014/main" id="{16C261F5-7C06-4022-96D9-54753BE4C152}"/>
+              </a:ext>
+            </a:extLst>
+          </p:cNvPr>
+          <p:cNvSpPr txBox="1"/>
+          <p:nvPr/>
+        </p:nvSpPr>
+        <p:spPr>
+          <a:xfrm>
+            <a:off x="3489904" y="4767335"/>
+            <a:ext cx="2795816" cy="771814"/>
+          </a:xfrm>
+          <a:prstGeom prst="rect">
+            <a:avLst/>
+          </a:prstGeom>
+          <a:noFill/>
+        </p:spPr>
+        <p:txBody>
+          <a:bodyPr wrap="square">
+            <a:spAutoFit/>
+          </a:bodyPr>
+          <a:lstStyle/>
+          <a:p>
+            <a:pPr indent="215900" algn="just">
+              <a:lnSpc>
+                <a:spcPct val="115000"/>
+              </a:lnSpc>
+            </a:pPr>
+            <a:r>
+              <a:rPr lang="en-US" sz="2000" kern="100" dirty="0">
+                <a:solidFill>
+                  <a:srgbClr val="000000"/>
+                </a:solidFill>
+                <a:latin typeface="Times New Roman" panose="02020603050405020304" pitchFamily="18" charset="0"/>
+              </a:rPr>
+              <a:t>byte a = 4;</a:t>
+            </a:r>
+          </a:p>
+          <a:p>
+            <a:pPr indent="215900" algn="just">
+              <a:lnSpc>
+                <a:spcPct val="115000"/>
+              </a:lnSpc>
+            </a:pPr>
+            <a:r>
+              <a:rPr lang="en-US" sz="2000" kern="100" dirty="0">
+                <a:solidFill>
+                  <a:srgbClr val="000000"/>
+                </a:solidFill>
+                <a:latin typeface="Times New Roman" panose="02020603050405020304" pitchFamily="18" charset="0"/>
+              </a:rPr>
+              <a:t>int b = a + 70;</a:t>
+            </a:r>
+            <a:endParaRPr lang="ru-RU" sz="2000" kern="100" dirty="0">
+              <a:solidFill>
+                <a:srgbClr val="000000"/>
+              </a:solidFill>
+              <a:latin typeface="Times New Roman" panose="02020603050405020304" pitchFamily="18" charset="0"/>
+            </a:endParaRPr>
+          </a:p>
+        </p:txBody>
+      </p:sp>
+      <p:sp>
+        <p:nvSpPr>
+          <p:cNvPr id="4" name="TextBox 3">
+            <a:extLst>
+              <a:ext uri="{FF2B5EF4-FFF2-40B4-BE49-F238E27FC236}">
+                <a16:creationId xmlns:a16="http://schemas.microsoft.com/office/drawing/2014/main" id="{00A76B36-E1B1-4E0F-8C9B-DEC2D2A58F75}"/>
+              </a:ext>
+            </a:extLst>
+          </p:cNvPr>
+          <p:cNvSpPr txBox="1"/>
+          <p:nvPr/>
+        </p:nvSpPr>
+        <p:spPr>
+          <a:xfrm>
+            <a:off x="6374215" y="4767335"/>
+            <a:ext cx="2795816" cy="771814"/>
+          </a:xfrm>
+          <a:prstGeom prst="rect">
+            <a:avLst/>
+          </a:prstGeom>
+          <a:noFill/>
+        </p:spPr>
+        <p:txBody>
+          <a:bodyPr wrap="square">
+            <a:spAutoFit/>
+          </a:bodyPr>
+          <a:lstStyle/>
+          <a:p>
+            <a:pPr indent="215900" algn="just">
+              <a:lnSpc>
+                <a:spcPct val="115000"/>
+              </a:lnSpc>
+            </a:pPr>
+            <a:r>
+              <a:rPr lang="en-US" sz="2000" kern="100" dirty="0">
+                <a:solidFill>
+                  <a:srgbClr val="000000"/>
+                </a:solidFill>
+                <a:latin typeface="Times New Roman" panose="02020603050405020304" pitchFamily="18" charset="0"/>
+              </a:rPr>
+              <a:t>byte a = 4;</a:t>
+            </a:r>
+          </a:p>
+          <a:p>
+            <a:pPr indent="215900" algn="just">
+              <a:lnSpc>
+                <a:spcPct val="115000"/>
+              </a:lnSpc>
+            </a:pPr>
+            <a:r>
+              <a:rPr lang="en-US" sz="2000" kern="100" dirty="0">
+                <a:solidFill>
+                  <a:srgbClr val="000000"/>
+                </a:solidFill>
+                <a:latin typeface="Times New Roman" panose="02020603050405020304" pitchFamily="18" charset="0"/>
+              </a:rPr>
+              <a:t>byte b = a + (byte)70;</a:t>
+            </a:r>
+            <a:endParaRPr lang="ru-RU" sz="2000" kern="100" dirty="0">
+              <a:solidFill>
+                <a:srgbClr val="000000"/>
+              </a:solidFill>
+              <a:latin typeface="Times New Roman" panose="02020603050405020304" pitchFamily="18" charset="0"/>
+            </a:endParaRPr>
+          </a:p>
+        </p:txBody>
+      </p:sp>
+    </p:spTree>
+    <p:extLst>
+      <p:ext uri="{BB962C8B-B14F-4D97-AF65-F5344CB8AC3E}">
+        <p14:creationId xmlns:p14="http://schemas.microsoft.com/office/powerpoint/2010/main" val="3581912831"/>
+      </p:ext>
+    </p:extLst>
+  </p:cSld>
+  <p:clrMapOvr>
+    <a:masterClrMapping/>
+  </p:clrMapOvr>
+</p:sld>
+</file>
+
+<file path=ppt/slides/slide6.xml><?xml version="1.0" encoding="utf-8"?>
+<p:sld xmlns:a="http://schemas.openxmlformats.org/drawingml/2006/main" xmlns:r="http://schemas.openxmlformats.org/officeDocument/2006/relationships" xmlns:p="http://schemas.openxmlformats.org/presentationml/2006/main">
+  <p:cSld>
+    <p:spTree>
+      <p:nvGrpSpPr>
+        <p:cNvPr id="1" name=""/>
+        <p:cNvGrpSpPr/>
+        <p:nvPr/>
+      </p:nvGrpSpPr>
+      <p:grpSpPr>
+        <a:xfrm>
+          <a:off x="0" y="0"/>
+          <a:ext cx="0" cy="0"/>
+          <a:chOff x="0" y="0"/>
+          <a:chExt cx="0" cy="0"/>
+        </a:xfrm>
+      </p:grpSpPr>
+      <p:sp>
+        <p:nvSpPr>
+          <p:cNvPr id="108" name="CustomShape 1"/>
+          <p:cNvSpPr/>
+          <p:nvPr/>
+        </p:nvSpPr>
+        <p:spPr>
+          <a:xfrm>
+            <a:off x="2344260" y="743760"/>
+            <a:ext cx="7882920" cy="759240"/>
+          </a:xfrm>
+          <a:prstGeom prst="rect">
+            <a:avLst/>
+          </a:prstGeom>
+          <a:noFill/>
+          <a:ln>
+            <a:noFill/>
+          </a:ln>
+        </p:spPr>
+        <p:style>
+          <a:lnRef idx="0">
+            <a:scrgbClr r="0" g="0" b="0"/>
+          </a:lnRef>
+          <a:fillRef idx="0">
+            <a:scrgbClr r="0" g="0" b="0"/>
+          </a:fillRef>
+          <a:effectRef idx="0">
+            <a:scrgbClr r="0" g="0" b="0"/>
+          </a:effectRef>
+          <a:fontRef idx="minor"/>
+        </p:style>
+        <p:txBody>
+          <a:bodyPr lIns="90000" tIns="45000" rIns="90000" bIns="45000" anchor="ctr">
+            <a:normAutofit fontScale="85000" lnSpcReduction="10000"/>
+          </a:bodyPr>
+          <a:lstStyle/>
+          <a:p>
+            <a:pPr algn="ctr">
+              <a:lnSpc>
+                <a:spcPct val="100000"/>
+              </a:lnSpc>
+            </a:pPr>
+            <a:r>
+              <a:rPr lang="ru-RU" sz="3200" b="1" cap="all" spc="-100" dirty="0">
+                <a:solidFill>
+                  <a:srgbClr val="7030A0"/>
+                </a:solidFill>
+                <a:latin typeface="Segoe Print" panose="02000600000000000000" pitchFamily="2" charset="0"/>
+              </a:rPr>
+              <a:t>Неявное Преобразование типов</a:t>
+            </a:r>
+          </a:p>
+        </p:txBody>
+      </p:sp>
+      <p:pic>
+        <p:nvPicPr>
+          <p:cNvPr id="4098" name="Picture 2" descr="Java | Преобразования типов данных">
+            <a:extLst>
+              <a:ext uri="{FF2B5EF4-FFF2-40B4-BE49-F238E27FC236}">
+                <a16:creationId xmlns:a16="http://schemas.microsoft.com/office/drawing/2014/main" id="{4D46B1B2-4F0B-4B6D-B881-CD66AFB8DC9A}"/>
+              </a:ext>
+            </a:extLst>
+          </p:cNvPr>
+          <p:cNvPicPr>
+            <a:picLocks noChangeAspect="1" noChangeArrowheads="1"/>
+          </p:cNvPicPr>
+          <p:nvPr/>
+        </p:nvPicPr>
+        <p:blipFill>
+          <a:blip r:embed="rId2">
+            <a:extLst>
+              <a:ext uri="{28A0092B-C50C-407E-A947-70E740481C1C}">
+                <a14:useLocalDpi xmlns:a14="http://schemas.microsoft.com/office/drawing/2010/main" val="0"/>
+              </a:ext>
+            </a:extLst>
+          </a:blip>
+          <a:srcRect/>
+          <a:stretch>
+            <a:fillRect/>
+          </a:stretch>
+        </p:blipFill>
+        <p:spPr bwMode="auto">
+          <a:xfrm>
+            <a:off x="2190121" y="2033941"/>
+            <a:ext cx="8191198" cy="3576636"/>
+          </a:xfrm>
+          <a:prstGeom prst="rect">
+            <a:avLst/>
+          </a:prstGeom>
+          <a:noFill/>
+          <a:extLst>
+            <a:ext uri="{909E8E84-426E-40DD-AFC4-6F175D3DCCD1}">
+              <a14:hiddenFill xmlns:a14="http://schemas.microsoft.com/office/drawing/2010/main">
+                <a:solidFill>
+                  <a:srgbClr val="FFFFFF"/>
+                </a:solidFill>
+              </a14:hiddenFill>
+            </a:ext>
+          </a:extLst>
+        </p:spPr>
+      </p:pic>
+    </p:spTree>
+    <p:extLst>
+      <p:ext uri="{BB962C8B-B14F-4D97-AF65-F5344CB8AC3E}">
+        <p14:creationId xmlns:p14="http://schemas.microsoft.com/office/powerpoint/2010/main" val="2107376895"/>
+      </p:ext>
+    </p:extLst>
+  </p:cSld>
+  <p:clrMapOvr>
+    <a:masterClrMapping/>
+  </p:clrMapOvr>
+</p:sld>
+</file>
+
+<file path=ppt/slides/slide7.xml><?xml version="1.0" encoding="utf-8"?>
+<p:sld xmlns:a="http://schemas.openxmlformats.org/drawingml/2006/main" xmlns:r="http://schemas.openxmlformats.org/officeDocument/2006/relationships" xmlns:p="http://schemas.openxmlformats.org/presentationml/2006/main">
+  <p:cSld>
+    <p:spTree>
+      <p:nvGrpSpPr>
+        <p:cNvPr id="1" name=""/>
+        <p:cNvGrpSpPr/>
+        <p:nvPr/>
+      </p:nvGrpSpPr>
+      <p:grpSpPr>
+        <a:xfrm>
+          <a:off x="0" y="0"/>
+          <a:ext cx="0" cy="0"/>
+          <a:chOff x="0" y="0"/>
+          <a:chExt cx="0" cy="0"/>
+        </a:xfrm>
+      </p:grpSpPr>
+      <p:sp>
+        <p:nvSpPr>
+          <p:cNvPr id="108" name="CustomShape 1"/>
+          <p:cNvSpPr/>
+          <p:nvPr/>
+        </p:nvSpPr>
+        <p:spPr>
+          <a:xfrm>
+            <a:off x="2344260" y="743760"/>
+            <a:ext cx="7882920" cy="759240"/>
+          </a:xfrm>
+          <a:prstGeom prst="rect">
+            <a:avLst/>
+          </a:prstGeom>
+          <a:noFill/>
+          <a:ln>
+            <a:noFill/>
+          </a:ln>
+        </p:spPr>
+        <p:style>
+          <a:lnRef idx="0">
+            <a:scrgbClr r="0" g="0" b="0"/>
+          </a:lnRef>
+          <a:fillRef idx="0">
+            <a:scrgbClr r="0" g="0" b="0"/>
+          </a:fillRef>
+          <a:effectRef idx="0">
+            <a:scrgbClr r="0" g="0" b="0"/>
+          </a:effectRef>
+          <a:fontRef idx="minor"/>
+        </p:style>
+        <p:txBody>
+          <a:bodyPr lIns="90000" tIns="45000" rIns="90000" bIns="45000" anchor="ctr">
+            <a:normAutofit fontScale="85000" lnSpcReduction="10000"/>
+          </a:bodyPr>
+          <a:lstStyle/>
+          <a:p>
+            <a:pPr algn="ctr">
+              <a:lnSpc>
+                <a:spcPct val="100000"/>
+              </a:lnSpc>
+            </a:pPr>
+            <a:r>
+              <a:rPr lang="ru-RU" sz="3200" b="1" cap="all" spc="-100" dirty="0" err="1">
+                <a:solidFill>
+                  <a:srgbClr val="7030A0"/>
+                </a:solidFill>
+                <a:latin typeface="Segoe Print" panose="02000600000000000000" pitchFamily="2" charset="0"/>
+              </a:rPr>
+              <a:t>неЯвное</a:t>
+            </a:r>
+            <a:r>
+              <a:rPr lang="ru-RU" sz="3200" b="1" cap="all" spc="-100" dirty="0">
+                <a:solidFill>
+                  <a:srgbClr val="7030A0"/>
+                </a:solidFill>
+                <a:latin typeface="Segoe Print" panose="02000600000000000000" pitchFamily="2" charset="0"/>
+              </a:rPr>
+              <a:t> Преобразование типов</a:t>
+            </a:r>
+          </a:p>
+        </p:txBody>
+      </p:sp>
+      <p:sp>
+        <p:nvSpPr>
+          <p:cNvPr id="6" name="TextBox 5">
+            <a:extLst>
+              <a:ext uri="{FF2B5EF4-FFF2-40B4-BE49-F238E27FC236}">
+                <a16:creationId xmlns:a16="http://schemas.microsoft.com/office/drawing/2014/main" id="{BB822079-15AC-4A0B-9015-ECEC5BE3198A}"/>
+              </a:ext>
+            </a:extLst>
+          </p:cNvPr>
+          <p:cNvSpPr txBox="1"/>
+          <p:nvPr/>
+        </p:nvSpPr>
+        <p:spPr>
+          <a:xfrm>
+            <a:off x="1513516" y="1853259"/>
+            <a:ext cx="2795816" cy="771814"/>
+          </a:xfrm>
+          <a:prstGeom prst="rect">
+            <a:avLst/>
+          </a:prstGeom>
+          <a:noFill/>
+        </p:spPr>
+        <p:txBody>
+          <a:bodyPr wrap="square">
+            <a:spAutoFit/>
+          </a:bodyPr>
+          <a:lstStyle/>
+          <a:p>
+            <a:pPr indent="215900" algn="just">
+              <a:lnSpc>
+                <a:spcPct val="115000"/>
+              </a:lnSpc>
+            </a:pPr>
+            <a:r>
+              <a:rPr lang="en-US" sz="2000" kern="100" dirty="0">
+                <a:solidFill>
+                  <a:srgbClr val="000000"/>
+                </a:solidFill>
+              </a:rPr>
+              <a:t>byte a = 4;</a:t>
+            </a:r>
+          </a:p>
+          <a:p>
+            <a:pPr indent="215900" algn="just">
+              <a:lnSpc>
+                <a:spcPct val="115000"/>
+              </a:lnSpc>
+            </a:pPr>
+            <a:r>
+              <a:rPr lang="en-US" sz="2000" kern="100" dirty="0">
+                <a:solidFill>
+                  <a:srgbClr val="000000"/>
+                </a:solidFill>
+              </a:rPr>
+              <a:t>byte b = a + 70;</a:t>
+            </a:r>
+            <a:endParaRPr lang="ru-RU" sz="2000" kern="100" dirty="0">
+              <a:solidFill>
+                <a:srgbClr val="000000"/>
+              </a:solidFill>
+            </a:endParaRPr>
+          </a:p>
+        </p:txBody>
+      </p:sp>
+      <p:sp>
+        <p:nvSpPr>
+          <p:cNvPr id="12" name="TextBox 11">
+            <a:extLst>
+              <a:ext uri="{FF2B5EF4-FFF2-40B4-BE49-F238E27FC236}">
+                <a16:creationId xmlns:a16="http://schemas.microsoft.com/office/drawing/2014/main" id="{2B0F02BC-9AC4-4CF9-8B71-91BC8B6EA479}"/>
+              </a:ext>
+            </a:extLst>
+          </p:cNvPr>
+          <p:cNvSpPr txBox="1"/>
+          <p:nvPr/>
+        </p:nvSpPr>
+        <p:spPr>
+          <a:xfrm>
+            <a:off x="6096000" y="1853259"/>
+            <a:ext cx="2795816" cy="771814"/>
+          </a:xfrm>
+          <a:prstGeom prst="rect">
+            <a:avLst/>
+          </a:prstGeom>
+          <a:noFill/>
+        </p:spPr>
+        <p:txBody>
+          <a:bodyPr wrap="square">
+            <a:spAutoFit/>
+          </a:bodyPr>
+          <a:lstStyle/>
+          <a:p>
+            <a:pPr indent="215900" algn="just">
+              <a:lnSpc>
+                <a:spcPct val="115000"/>
+              </a:lnSpc>
+            </a:pPr>
+            <a:r>
+              <a:rPr lang="en-US" sz="2000" kern="100" dirty="0">
+                <a:solidFill>
+                  <a:srgbClr val="000000"/>
+                </a:solidFill>
+              </a:rPr>
+              <a:t>float a = 4.7F;</a:t>
+            </a:r>
+          </a:p>
+          <a:p>
+            <a:pPr indent="215900" algn="just">
+              <a:lnSpc>
+                <a:spcPct val="115000"/>
+              </a:lnSpc>
+            </a:pPr>
+            <a:r>
+              <a:rPr lang="en-US" sz="2000" kern="100" dirty="0">
+                <a:solidFill>
+                  <a:srgbClr val="000000"/>
+                </a:solidFill>
+              </a:rPr>
+              <a:t>float b = a + 70.9;</a:t>
+            </a:r>
+            <a:endParaRPr lang="ru-RU" sz="2000" kern="100" dirty="0">
+              <a:solidFill>
+                <a:srgbClr val="000000"/>
+              </a:solidFill>
+            </a:endParaRPr>
+          </a:p>
+        </p:txBody>
+      </p:sp>
+      <p:sp>
+        <p:nvSpPr>
+          <p:cNvPr id="13" name="CustomShape 1">
+            <a:extLst>
+              <a:ext uri="{FF2B5EF4-FFF2-40B4-BE49-F238E27FC236}">
+                <a16:creationId xmlns:a16="http://schemas.microsoft.com/office/drawing/2014/main" id="{50374690-E197-4B93-8C9D-4C831ECF83D8}"/>
+              </a:ext>
+            </a:extLst>
+          </p:cNvPr>
+          <p:cNvSpPr/>
+          <p:nvPr/>
+        </p:nvSpPr>
+        <p:spPr>
+          <a:xfrm>
+            <a:off x="2682588" y="3523536"/>
+            <a:ext cx="7882920" cy="759240"/>
+          </a:xfrm>
+          <a:prstGeom prst="rect">
+            <a:avLst/>
+          </a:prstGeom>
+          <a:noFill/>
+          <a:ln>
+            <a:noFill/>
+          </a:ln>
+        </p:spPr>
+        <p:style>
+          <a:lnRef idx="0">
+            <a:scrgbClr r="0" g="0" b="0"/>
+          </a:lnRef>
+          <a:fillRef idx="0">
+            <a:scrgbClr r="0" g="0" b="0"/>
+          </a:fillRef>
+          <a:effectRef idx="0">
+            <a:scrgbClr r="0" g="0" b="0"/>
+          </a:effectRef>
+          <a:fontRef idx="minor"/>
+        </p:style>
+        <p:txBody>
+          <a:bodyPr lIns="90000" tIns="45000" rIns="90000" bIns="45000" anchor="ctr">
+            <a:normAutofit fontScale="92500"/>
+          </a:bodyPr>
+          <a:lstStyle/>
+          <a:p>
+            <a:pPr algn="ctr">
+              <a:lnSpc>
+                <a:spcPct val="100000"/>
+              </a:lnSpc>
+            </a:pPr>
+            <a:r>
+              <a:rPr lang="ru-RU" sz="3200" b="1" cap="all" spc="-100" dirty="0">
+                <a:solidFill>
+                  <a:srgbClr val="7030A0"/>
+                </a:solidFill>
+                <a:latin typeface="Segoe Print" panose="02000600000000000000" pitchFamily="2" charset="0"/>
+              </a:rPr>
+              <a:t>Явное Преобразование типов</a:t>
+            </a:r>
+          </a:p>
+        </p:txBody>
+      </p:sp>
+      <p:sp>
+        <p:nvSpPr>
+          <p:cNvPr id="14" name="TextBox 13">
+            <a:extLst>
+              <a:ext uri="{FF2B5EF4-FFF2-40B4-BE49-F238E27FC236}">
+                <a16:creationId xmlns:a16="http://schemas.microsoft.com/office/drawing/2014/main" id="{3133A9A0-8D03-45DC-AE17-697D01123ACE}"/>
+              </a:ext>
+            </a:extLst>
+          </p:cNvPr>
+          <p:cNvSpPr txBox="1"/>
+          <p:nvPr/>
+        </p:nvSpPr>
+        <p:spPr>
+          <a:xfrm>
+            <a:off x="6624048" y="5018942"/>
+            <a:ext cx="6096000" cy="771814"/>
+          </a:xfrm>
+          <a:prstGeom prst="rect">
+            <a:avLst/>
+          </a:prstGeom>
+          <a:noFill/>
+        </p:spPr>
+        <p:txBody>
+          <a:bodyPr wrap="square">
+            <a:spAutoFit/>
+          </a:bodyPr>
+          <a:lstStyle/>
+          <a:p>
+            <a:pPr indent="215900" algn="just">
+              <a:lnSpc>
+                <a:spcPct val="115000"/>
+              </a:lnSpc>
+            </a:pPr>
+            <a:r>
+              <a:rPr lang="en-US" sz="2000" kern="100" dirty="0">
+                <a:solidFill>
+                  <a:srgbClr val="000000"/>
+                </a:solidFill>
+              </a:rPr>
+              <a:t>double a = 56.9898;</a:t>
+            </a:r>
+            <a:endParaRPr lang="ru-RU" sz="2000" kern="100" dirty="0">
+              <a:solidFill>
+                <a:srgbClr val="000000"/>
+              </a:solidFill>
+            </a:endParaRPr>
+          </a:p>
+          <a:p>
+            <a:pPr indent="215900" algn="just">
+              <a:lnSpc>
+                <a:spcPct val="115000"/>
+              </a:lnSpc>
+            </a:pPr>
+            <a:r>
+              <a:rPr lang="en-US" sz="2000" kern="100" dirty="0">
+                <a:solidFill>
+                  <a:srgbClr val="000000"/>
+                </a:solidFill>
+              </a:rPr>
+              <a:t>int b = (int)a;</a:t>
+            </a:r>
+            <a:endParaRPr lang="ru-RU" sz="2000" kern="100" dirty="0">
+              <a:solidFill>
+                <a:srgbClr val="000000"/>
+              </a:solidFill>
+            </a:endParaRPr>
+          </a:p>
+        </p:txBody>
+      </p:sp>
+      <p:sp>
+        <p:nvSpPr>
+          <p:cNvPr id="15" name="TextBox 14">
+            <a:extLst>
+              <a:ext uri="{FF2B5EF4-FFF2-40B4-BE49-F238E27FC236}">
+                <a16:creationId xmlns:a16="http://schemas.microsoft.com/office/drawing/2014/main" id="{362BAB81-83E5-46B8-B3E8-373332B60795}"/>
+              </a:ext>
+            </a:extLst>
+          </p:cNvPr>
+          <p:cNvSpPr txBox="1"/>
+          <p:nvPr/>
+        </p:nvSpPr>
+        <p:spPr>
+          <a:xfrm>
+            <a:off x="1513516" y="5039756"/>
+            <a:ext cx="3323864" cy="768608"/>
+          </a:xfrm>
+          <a:prstGeom prst="rect">
+            <a:avLst/>
+          </a:prstGeom>
+          <a:noFill/>
+        </p:spPr>
+        <p:txBody>
+          <a:bodyPr wrap="square">
+            <a:spAutoFit/>
+          </a:bodyPr>
+          <a:lstStyle/>
+          <a:p>
+            <a:pPr indent="215900" algn="just">
+              <a:lnSpc>
+                <a:spcPct val="115000"/>
+              </a:lnSpc>
+            </a:pPr>
+            <a:r>
+              <a:rPr lang="en-US" sz="2000" kern="100" dirty="0">
+                <a:solidFill>
+                  <a:srgbClr val="000000"/>
+                </a:solidFill>
+              </a:rPr>
+              <a:t>byte a = 4;</a:t>
+            </a:r>
+          </a:p>
+          <a:p>
+            <a:pPr indent="215900" algn="just">
+              <a:lnSpc>
+                <a:spcPct val="115000"/>
+              </a:lnSpc>
+            </a:pPr>
+            <a:r>
+              <a:rPr lang="en-US" sz="2000" kern="100" dirty="0">
+                <a:solidFill>
+                  <a:srgbClr val="000000"/>
+                </a:solidFill>
+              </a:rPr>
+              <a:t>byte b = a + (byte)70;</a:t>
+            </a:r>
+            <a:endParaRPr lang="ru-RU" sz="2000" kern="100" dirty="0">
+              <a:solidFill>
+                <a:srgbClr val="000000"/>
+              </a:solidFill>
+            </a:endParaRPr>
+          </a:p>
+        </p:txBody>
+      </p:sp>
+    </p:spTree>
+    <p:extLst>
+      <p:ext uri="{BB962C8B-B14F-4D97-AF65-F5344CB8AC3E}">
+        <p14:creationId xmlns:p14="http://schemas.microsoft.com/office/powerpoint/2010/main" val="3384412899"/>
+      </p:ext>
+    </p:extLst>
+  </p:cSld>
+  <p:clrMapOvr>
+    <a:masterClrMapping/>
+  </p:clrMapOvr>
+</p:sld>
+</file>
+
+<file path=ppt/slides/slide8.xml><?xml version="1.0" encoding="utf-8"?>
+<p:sld xmlns:a="http://schemas.openxmlformats.org/drawingml/2006/main" xmlns:r="http://schemas.openxmlformats.org/officeDocument/2006/relationships" xmlns:p="http://schemas.openxmlformats.org/presentationml/2006/main">
+  <p:cSld>
+    <p:spTree>
+      <p:nvGrpSpPr>
+        <p:cNvPr id="1" name=""/>
+        <p:cNvGrpSpPr/>
+        <p:nvPr/>
+      </p:nvGrpSpPr>
+      <p:grpSpPr>
+        <a:xfrm>
+          <a:off x="0" y="0"/>
+          <a:ext cx="0" cy="0"/>
+          <a:chOff x="0" y="0"/>
+          <a:chExt cx="0" cy="0"/>
+        </a:xfrm>
+      </p:grpSpPr>
+      <p:sp>
+        <p:nvSpPr>
+          <p:cNvPr id="108" name="CustomShape 1"/>
+          <p:cNvSpPr/>
+          <p:nvPr/>
+        </p:nvSpPr>
+        <p:spPr>
+          <a:xfrm>
+            <a:off x="1320132" y="776974"/>
+            <a:ext cx="7882920" cy="759240"/>
+          </a:xfrm>
+          <a:prstGeom prst="rect">
+            <a:avLst/>
+          </a:prstGeom>
+          <a:noFill/>
+          <a:ln>
+            <a:noFill/>
+          </a:ln>
+        </p:spPr>
+        <p:style>
+          <a:lnRef idx="0">
+            <a:scrgbClr r="0" g="0" b="0"/>
+          </a:lnRef>
+          <a:fillRef idx="0">
+            <a:scrgbClr r="0" g="0" b="0"/>
+          </a:fillRef>
+          <a:effectRef idx="0">
+            <a:scrgbClr r="0" g="0" b="0"/>
+          </a:effectRef>
+          <a:fontRef idx="minor"/>
+        </p:style>
+        <p:txBody>
+          <a:bodyPr lIns="90000" tIns="45000" rIns="90000" bIns="45000" anchor="ctr">
+            <a:normAutofit fontScale="85000" lnSpcReduction="10000"/>
+          </a:bodyPr>
+          <a:lstStyle/>
+          <a:p>
+            <a:pPr algn="ctr">
+              <a:lnSpc>
+                <a:spcPct val="100000"/>
+              </a:lnSpc>
+            </a:pPr>
+            <a:r>
+              <a:rPr lang="ru-RU" sz="3200" b="1" cap="all" spc="-100" dirty="0">
+                <a:solidFill>
+                  <a:srgbClr val="7030A0"/>
+                </a:solidFill>
+                <a:latin typeface="Segoe Print" panose="02000600000000000000" pitchFamily="2" charset="0"/>
+              </a:rPr>
+              <a:t>Сужающие Преобразования типов</a:t>
+            </a:r>
+          </a:p>
+        </p:txBody>
+      </p:sp>
+      <p:sp>
+        <p:nvSpPr>
+          <p:cNvPr id="2" name="Прямоугольник 1">
+            <a:extLst>
+              <a:ext uri="{FF2B5EF4-FFF2-40B4-BE49-F238E27FC236}">
+                <a16:creationId xmlns:a16="http://schemas.microsoft.com/office/drawing/2014/main" id="{4303E0D4-701F-4248-BD4C-B0615935E6ED}"/>
+              </a:ext>
+            </a:extLst>
+          </p:cNvPr>
+          <p:cNvSpPr/>
+          <p:nvPr/>
+        </p:nvSpPr>
+        <p:spPr>
+          <a:xfrm>
+            <a:off x="2940147" y="4569015"/>
+            <a:ext cx="3512280" cy="1880451"/>
+          </a:xfrm>
+          <a:prstGeom prst="rect">
+            <a:avLst/>
+          </a:prstGeom>
+          <a:ln>
+            <a:solidFill>
+              <a:srgbClr val="92D050"/>
+            </a:solidFill>
+          </a:ln>
+        </p:spPr>
+        <p:txBody>
+          <a:bodyPr wrap="square">
+            <a:spAutoFit/>
+          </a:bodyPr>
+          <a:lstStyle/>
+          <a:p>
+            <a:pPr>
+              <a:lnSpc>
+                <a:spcPct val="150000"/>
+              </a:lnSpc>
+            </a:pPr>
+            <a:r>
+              <a:rPr lang="en-US" sz="2000" kern="100" dirty="0">
+                <a:solidFill>
+                  <a:srgbClr val="000000"/>
+                </a:solidFill>
+              </a:rPr>
+              <a:t>int a = 2147483000;</a:t>
+            </a:r>
+          </a:p>
+          <a:p>
+            <a:pPr>
+              <a:lnSpc>
+                <a:spcPct val="150000"/>
+              </a:lnSpc>
+            </a:pPr>
+            <a:r>
+              <a:rPr lang="en-US" sz="2000" kern="100" dirty="0">
+                <a:solidFill>
+                  <a:srgbClr val="000000"/>
+                </a:solidFill>
+              </a:rPr>
+              <a:t>long b = a * 2L;</a:t>
+            </a:r>
+          </a:p>
+          <a:p>
+            <a:pPr>
+              <a:lnSpc>
+                <a:spcPct val="150000"/>
+              </a:lnSpc>
+            </a:pPr>
+            <a:r>
+              <a:rPr lang="en-US" sz="2000" kern="100" dirty="0" err="1">
+                <a:solidFill>
+                  <a:srgbClr val="000000"/>
+                </a:solidFill>
+              </a:rPr>
+              <a:t>System.out.println</a:t>
+            </a:r>
+            <a:r>
+              <a:rPr lang="en-US" sz="2000" kern="100" dirty="0">
+                <a:solidFill>
+                  <a:srgbClr val="000000"/>
+                </a:solidFill>
+              </a:rPr>
+              <a:t>(b);</a:t>
+            </a:r>
+          </a:p>
+          <a:p>
+            <a:pPr>
+              <a:lnSpc>
+                <a:spcPct val="150000"/>
+              </a:lnSpc>
+            </a:pPr>
+            <a:r>
+              <a:rPr lang="en-US" sz="2000" kern="100" dirty="0" err="1">
+                <a:solidFill>
+                  <a:srgbClr val="000000"/>
+                </a:solidFill>
+              </a:rPr>
+              <a:t>System.out.println</a:t>
+            </a:r>
+            <a:r>
+              <a:rPr lang="en-US" sz="2000" kern="100" dirty="0">
+                <a:solidFill>
+                  <a:srgbClr val="000000"/>
+                </a:solidFill>
+              </a:rPr>
+              <a:t>(a * 2);</a:t>
+            </a:r>
+            <a:endParaRPr lang="ru-RU" sz="2000" kern="100" dirty="0">
+              <a:solidFill>
+                <a:srgbClr val="000000"/>
+              </a:solidFill>
+            </a:endParaRPr>
+          </a:p>
+        </p:txBody>
+      </p:sp>
+      <p:sp>
+        <p:nvSpPr>
+          <p:cNvPr id="9" name="Прямоугольник 8">
+            <a:extLst>
+              <a:ext uri="{FF2B5EF4-FFF2-40B4-BE49-F238E27FC236}">
+                <a16:creationId xmlns:a16="http://schemas.microsoft.com/office/drawing/2014/main" id="{F3BCC8FD-54DE-499F-9AC5-CFBC6EA82955}"/>
+              </a:ext>
+            </a:extLst>
+          </p:cNvPr>
+          <p:cNvSpPr/>
+          <p:nvPr/>
+        </p:nvSpPr>
+        <p:spPr>
+          <a:xfrm>
+            <a:off x="7303363" y="2628409"/>
+            <a:ext cx="3154214" cy="1260025"/>
+          </a:xfrm>
+          <a:prstGeom prst="rect">
+            <a:avLst/>
+          </a:prstGeom>
+          <a:ln>
+            <a:solidFill>
+              <a:srgbClr val="92D050"/>
+            </a:solidFill>
+          </a:ln>
+        </p:spPr>
+        <p:txBody>
+          <a:bodyPr wrap="square">
+            <a:spAutoFit/>
+          </a:bodyPr>
+          <a:lstStyle/>
+          <a:p>
+            <a:pPr>
+              <a:lnSpc>
+                <a:spcPct val="107000"/>
+              </a:lnSpc>
+              <a:spcAft>
+                <a:spcPts val="800"/>
+              </a:spcAft>
+            </a:pPr>
+            <a:r>
+              <a:rPr lang="en-US" sz="2000" kern="100" dirty="0">
+                <a:solidFill>
+                  <a:srgbClr val="000000"/>
+                </a:solidFill>
+              </a:rPr>
+              <a:t>double a = 56.9898;</a:t>
+            </a:r>
+            <a:endParaRPr lang="ru-RU" sz="2000" kern="100" dirty="0">
+              <a:solidFill>
+                <a:srgbClr val="000000"/>
+              </a:solidFill>
+            </a:endParaRPr>
+          </a:p>
+          <a:p>
+            <a:pPr>
+              <a:lnSpc>
+                <a:spcPct val="107000"/>
+              </a:lnSpc>
+              <a:spcAft>
+                <a:spcPts val="800"/>
+              </a:spcAft>
+            </a:pPr>
+            <a:r>
+              <a:rPr lang="en-US" sz="2000" kern="100" dirty="0">
+                <a:solidFill>
+                  <a:srgbClr val="000000"/>
+                </a:solidFill>
+              </a:rPr>
+              <a:t>int b = (int)a;</a:t>
+            </a:r>
+            <a:endParaRPr lang="ru-RU" sz="2000" kern="100" dirty="0">
+              <a:solidFill>
+                <a:srgbClr val="000000"/>
+              </a:solidFill>
+            </a:endParaRPr>
+          </a:p>
+          <a:p>
+            <a:pPr>
+              <a:lnSpc>
+                <a:spcPct val="107000"/>
+              </a:lnSpc>
+              <a:spcAft>
+                <a:spcPts val="800"/>
+              </a:spcAft>
+            </a:pPr>
+            <a:r>
+              <a:rPr lang="en-US" sz="2000" kern="100" dirty="0" err="1">
+                <a:solidFill>
+                  <a:srgbClr val="000000"/>
+                </a:solidFill>
+              </a:rPr>
+              <a:t>System.out.println</a:t>
+            </a:r>
+            <a:r>
+              <a:rPr lang="en-US" sz="2000" kern="100" dirty="0">
+                <a:solidFill>
+                  <a:srgbClr val="000000"/>
+                </a:solidFill>
+              </a:rPr>
+              <a:t>(b);</a:t>
+            </a:r>
+            <a:endParaRPr lang="ru-RU" sz="2000" kern="100" dirty="0">
+              <a:solidFill>
+                <a:srgbClr val="000000"/>
+              </a:solidFill>
+            </a:endParaRPr>
+          </a:p>
+        </p:txBody>
+      </p:sp>
+      <p:sp>
+        <p:nvSpPr>
+          <p:cNvPr id="11" name="Прямоугольник 10">
+            <a:extLst>
+              <a:ext uri="{FF2B5EF4-FFF2-40B4-BE49-F238E27FC236}">
+                <a16:creationId xmlns:a16="http://schemas.microsoft.com/office/drawing/2014/main" id="{006EC1F8-11AF-491F-AA48-4D6B9CB7D702}"/>
+              </a:ext>
+            </a:extLst>
+          </p:cNvPr>
+          <p:cNvSpPr/>
+          <p:nvPr/>
+        </p:nvSpPr>
+        <p:spPr>
+          <a:xfrm>
+            <a:off x="1320132" y="2140165"/>
+            <a:ext cx="3376155" cy="828112"/>
+          </a:xfrm>
+          <a:prstGeom prst="rect">
+            <a:avLst/>
+          </a:prstGeom>
+          <a:ln>
+            <a:solidFill>
+              <a:srgbClr val="92D050"/>
+            </a:solidFill>
+          </a:ln>
+        </p:spPr>
+        <p:txBody>
+          <a:bodyPr wrap="square">
+            <a:spAutoFit/>
+          </a:bodyPr>
+          <a:lstStyle/>
+          <a:p>
+            <a:pPr>
+              <a:lnSpc>
+                <a:spcPct val="107000"/>
+              </a:lnSpc>
+              <a:spcAft>
+                <a:spcPts val="800"/>
+              </a:spcAft>
+            </a:pPr>
+            <a:r>
+              <a:rPr lang="en-US" sz="2000" kern="100" dirty="0">
+                <a:solidFill>
+                  <a:srgbClr val="000000"/>
+                </a:solidFill>
+              </a:rPr>
+              <a:t>int a = 7;</a:t>
+            </a:r>
+            <a:endParaRPr lang="ru-RU" sz="2000" kern="100" dirty="0">
+              <a:solidFill>
+                <a:srgbClr val="000000"/>
+              </a:solidFill>
+            </a:endParaRPr>
+          </a:p>
+          <a:p>
+            <a:pPr>
+              <a:lnSpc>
+                <a:spcPct val="107000"/>
+              </a:lnSpc>
+              <a:spcAft>
+                <a:spcPts val="800"/>
+              </a:spcAft>
+            </a:pPr>
+            <a:r>
+              <a:rPr lang="en-US" sz="2000" kern="100" dirty="0" err="1">
+                <a:solidFill>
+                  <a:srgbClr val="000000"/>
+                </a:solidFill>
+              </a:rPr>
+              <a:t>System.out.println</a:t>
+            </a:r>
+            <a:r>
+              <a:rPr lang="en-US" sz="2000" kern="100" dirty="0">
+                <a:solidFill>
+                  <a:srgbClr val="000000"/>
+                </a:solidFill>
+              </a:rPr>
+              <a:t>(a / 7);</a:t>
+            </a:r>
+            <a:endParaRPr lang="ru-RU" sz="2000" kern="100" dirty="0">
+              <a:solidFill>
+                <a:srgbClr val="000000"/>
+              </a:solidFill>
+            </a:endParaRPr>
+          </a:p>
+        </p:txBody>
+      </p:sp>
+      <p:sp>
+        <p:nvSpPr>
+          <p:cNvPr id="10" name="Прямоугольник 9">
+            <a:extLst>
+              <a:ext uri="{FF2B5EF4-FFF2-40B4-BE49-F238E27FC236}">
+                <a16:creationId xmlns:a16="http://schemas.microsoft.com/office/drawing/2014/main" id="{B57CAC8A-5C2C-493B-A232-5674A2BB27CC}"/>
+              </a:ext>
+            </a:extLst>
+          </p:cNvPr>
+          <p:cNvSpPr/>
+          <p:nvPr/>
+        </p:nvSpPr>
+        <p:spPr>
+          <a:xfrm>
+            <a:off x="554122" y="2092556"/>
+            <a:ext cx="572593" cy="923330"/>
+          </a:xfrm>
+          <a:prstGeom prst="rect">
+            <a:avLst/>
+          </a:prstGeom>
+          <a:noFill/>
+        </p:spPr>
+        <p:txBody>
+          <a:bodyPr wrap="none" lIns="91440" tIns="45720" rIns="91440" bIns="45720">
+            <a:spAutoFit/>
+          </a:bodyPr>
+          <a:lstStyle/>
+          <a:p>
+            <a:pPr algn="ctr"/>
+            <a:r>
+              <a:rPr lang="en-US" sz="5400" b="1" dirty="0">
+                <a:ln w="13462">
+                  <a:solidFill>
+                    <a:schemeClr val="bg1"/>
+                  </a:solidFill>
+                  <a:prstDash val="solid"/>
+                </a:ln>
+                <a:solidFill>
+                  <a:srgbClr val="92D050"/>
+                </a:solidFill>
+                <a:effectLst>
+                  <a:outerShdw dist="38100" dir="2700000" algn="bl" rotWithShape="0">
+                    <a:schemeClr val="accent5"/>
+                  </a:outerShdw>
+                </a:effectLst>
+              </a:rPr>
+              <a:t>1</a:t>
+            </a:r>
+            <a:endParaRPr lang="ru-RU" sz="5400" b="1" dirty="0">
+              <a:ln w="13462">
+                <a:solidFill>
+                  <a:schemeClr val="bg1"/>
+                </a:solidFill>
+                <a:prstDash val="solid"/>
+              </a:ln>
+              <a:solidFill>
+                <a:srgbClr val="92D050"/>
+              </a:solidFill>
+              <a:effectLst>
+                <a:outerShdw dist="38100" dir="2700000" algn="bl" rotWithShape="0">
+                  <a:schemeClr val="accent5"/>
+                </a:outerShdw>
+              </a:effectLst>
+            </a:endParaRPr>
+          </a:p>
+        </p:txBody>
+      </p:sp>
+      <p:sp>
+        <p:nvSpPr>
+          <p:cNvPr id="13" name="Прямоугольник 12">
+            <a:extLst>
+              <a:ext uri="{FF2B5EF4-FFF2-40B4-BE49-F238E27FC236}">
+                <a16:creationId xmlns:a16="http://schemas.microsoft.com/office/drawing/2014/main" id="{5EB237BB-6593-4FC7-B68B-6588BAFA5D75}"/>
+              </a:ext>
+            </a:extLst>
+          </p:cNvPr>
+          <p:cNvSpPr/>
+          <p:nvPr/>
+        </p:nvSpPr>
+        <p:spPr>
+          <a:xfrm>
+            <a:off x="6541204" y="2791796"/>
+            <a:ext cx="515635" cy="933250"/>
+          </a:xfrm>
+          <a:prstGeom prst="rect">
+            <a:avLst/>
+          </a:prstGeom>
+          <a:noFill/>
+        </p:spPr>
+        <p:txBody>
+          <a:bodyPr wrap="square" lIns="91440" tIns="45720" rIns="91440" bIns="45720">
+            <a:spAutoFit/>
+          </a:bodyPr>
+          <a:lstStyle/>
+          <a:p>
+            <a:pPr algn="ctr"/>
+            <a:r>
+              <a:rPr lang="en-US" sz="5400" b="1" dirty="0">
+                <a:ln w="13462">
+                  <a:solidFill>
+                    <a:schemeClr val="bg1"/>
+                  </a:solidFill>
+                  <a:prstDash val="solid"/>
+                </a:ln>
+                <a:solidFill>
+                  <a:srgbClr val="92D050"/>
+                </a:solidFill>
+                <a:effectLst>
+                  <a:outerShdw dist="38100" dir="2700000" algn="bl" rotWithShape="0">
+                    <a:schemeClr val="accent5"/>
+                  </a:outerShdw>
+                </a:effectLst>
+              </a:rPr>
+              <a:t>2</a:t>
+            </a:r>
+            <a:endParaRPr lang="ru-RU" sz="5400" b="1" dirty="0">
+              <a:ln w="13462">
+                <a:solidFill>
+                  <a:schemeClr val="bg1"/>
+                </a:solidFill>
+                <a:prstDash val="solid"/>
+              </a:ln>
+              <a:solidFill>
+                <a:srgbClr val="92D050"/>
+              </a:solidFill>
+              <a:effectLst>
+                <a:outerShdw dist="38100" dir="2700000" algn="bl" rotWithShape="0">
+                  <a:schemeClr val="accent5"/>
+                </a:outerShdw>
+              </a:effectLst>
+            </a:endParaRPr>
+          </a:p>
+        </p:txBody>
+      </p:sp>
+      <p:sp>
+        <p:nvSpPr>
+          <p:cNvPr id="14" name="Прямоугольник 13">
+            <a:extLst>
+              <a:ext uri="{FF2B5EF4-FFF2-40B4-BE49-F238E27FC236}">
+                <a16:creationId xmlns:a16="http://schemas.microsoft.com/office/drawing/2014/main" id="{7DEFFC1F-2C7E-480F-8CFB-DC8DD3797E17}"/>
+              </a:ext>
+            </a:extLst>
+          </p:cNvPr>
+          <p:cNvSpPr/>
+          <p:nvPr/>
+        </p:nvSpPr>
+        <p:spPr>
+          <a:xfrm>
+            <a:off x="2121604" y="5042615"/>
+            <a:ext cx="515635" cy="933250"/>
+          </a:xfrm>
+          <a:prstGeom prst="rect">
+            <a:avLst/>
+          </a:prstGeom>
+          <a:noFill/>
+        </p:spPr>
+        <p:txBody>
+          <a:bodyPr wrap="square" lIns="91440" tIns="45720" rIns="91440" bIns="45720">
+            <a:spAutoFit/>
+          </a:bodyPr>
+          <a:lstStyle/>
+          <a:p>
+            <a:pPr algn="ctr"/>
+            <a:r>
+              <a:rPr lang="en-US" sz="5400" b="1" dirty="0">
+                <a:ln w="13462">
+                  <a:solidFill>
+                    <a:schemeClr val="bg1"/>
+                  </a:solidFill>
+                  <a:prstDash val="solid"/>
+                </a:ln>
+                <a:solidFill>
+                  <a:srgbClr val="92D050"/>
+                </a:solidFill>
+                <a:effectLst>
+                  <a:outerShdw dist="38100" dir="2700000" algn="bl" rotWithShape="0">
+                    <a:schemeClr val="accent5"/>
+                  </a:outerShdw>
+                </a:effectLst>
+              </a:rPr>
+              <a:t>3</a:t>
+            </a:r>
+            <a:endParaRPr lang="ru-RU" sz="5400" b="1" dirty="0">
+              <a:ln w="13462">
+                <a:solidFill>
+                  <a:schemeClr val="bg1"/>
+                </a:solidFill>
+                <a:prstDash val="solid"/>
+              </a:ln>
+              <a:solidFill>
+                <a:srgbClr val="92D050"/>
+              </a:solidFill>
+              <a:effectLst>
+                <a:outerShdw dist="38100" dir="2700000" algn="bl" rotWithShape="0">
+                  <a:schemeClr val="accent5"/>
+                </a:outerShdw>
+              </a:effectLst>
+            </a:endParaRPr>
+          </a:p>
+        </p:txBody>
+      </p:sp>
+    </p:spTree>
+    <p:extLst>
+      <p:ext uri="{BB962C8B-B14F-4D97-AF65-F5344CB8AC3E}">
+        <p14:creationId xmlns:p14="http://schemas.microsoft.com/office/powerpoint/2010/main" val="1715928249"/>
+      </p:ext>
+    </p:extLst>
+  </p:cSld>
+  <p:clrMapOvr>
+    <a:masterClrMapping/>
+  </p:clrMapOvr>
+</p:sld>
+</file>
+
+<file path=ppt/slides/slide9.xml><?xml version="1.0" encoding="utf-8"?>
+<p:sld xmlns:a="http://schemas.openxmlformats.org/drawingml/2006/main" xmlns:r="http://schemas.openxmlformats.org/officeDocument/2006/relationships" xmlns:p="http://schemas.openxmlformats.org/presentationml/2006/main">
+  <p:cSld>
+    <p:spTree>
+      <p:nvGrpSpPr>
+        <p:cNvPr id="1" name=""/>
+        <p:cNvGrpSpPr/>
+        <p:nvPr/>
+      </p:nvGrpSpPr>
+      <p:grpSpPr>
+        <a:xfrm>
+          <a:off x="0" y="0"/>
+          <a:ext cx="0" cy="0"/>
+          <a:chOff x="0" y="0"/>
+          <a:chExt cx="0" cy="0"/>
+        </a:xfrm>
+      </p:grpSpPr>
+      <p:sp>
+        <p:nvSpPr>
+          <p:cNvPr id="108" name="CustomShape 1"/>
+          <p:cNvSpPr/>
+          <p:nvPr/>
+        </p:nvSpPr>
+        <p:spPr>
+          <a:xfrm>
+            <a:off x="1320132" y="776974"/>
+            <a:ext cx="7882920" cy="759240"/>
+          </a:xfrm>
+          <a:prstGeom prst="rect">
+            <a:avLst/>
+          </a:prstGeom>
+          <a:noFill/>
+          <a:ln>
+            <a:noFill/>
+          </a:ln>
+        </p:spPr>
+        <p:style>
+          <a:lnRef idx="0">
+            <a:scrgbClr r="0" g="0" b="0"/>
+          </a:lnRef>
+          <a:fillRef idx="0">
+            <a:scrgbClr r="0" g="0" b="0"/>
+          </a:fillRef>
+          <a:effectRef idx="0">
+            <a:scrgbClr r="0" g="0" b="0"/>
+          </a:effectRef>
+          <a:fontRef idx="minor"/>
+        </p:style>
+        <p:txBody>
+          <a:bodyPr lIns="90000" tIns="45000" rIns="90000" bIns="45000" anchor="ctr">
+            <a:normAutofit/>
+          </a:bodyPr>
+          <a:lstStyle/>
+          <a:p>
+            <a:pPr algn="ctr">
+              <a:lnSpc>
+                <a:spcPct val="100000"/>
+              </a:lnSpc>
+            </a:pPr>
+            <a:r>
+              <a:rPr lang="ru-RU" sz="3200" b="1" cap="all" spc="-100" dirty="0">
+                <a:solidFill>
+                  <a:srgbClr val="7030A0"/>
+                </a:solidFill>
+                <a:latin typeface="Segoe Print" panose="02000600000000000000" pitchFamily="2" charset="0"/>
+              </a:rPr>
+              <a:t>Арифметические операции</a:t>
+            </a:r>
+          </a:p>
+        </p:txBody>
+      </p:sp>
+    </p:spTree>
+    <p:extLst>
+      <p:ext uri="{BB962C8B-B14F-4D97-AF65-F5344CB8AC3E}">
+        <p14:creationId xmlns:p14="http://schemas.microsoft.com/office/powerpoint/2010/main" val="958330826"/>
       </p:ext>
     </p:extLst>
   </p:cSld>
@@ -22174,21 +25147,21 @@
 </file>
 
 <file path=customXml/item1.xml><?xml version="1.0" encoding="utf-8"?>
+<p:properties xmlns:p="http://schemas.microsoft.com/office/2006/metadata/properties" xmlns:xsi="http://www.w3.org/2001/XMLSchema-instance" xmlns:pc="http://schemas.microsoft.com/office/infopath/2007/PartnerControls">
+  <documentManagement>
+    <_ip_UnifiedCompliancePolicyUIAction xmlns="http://schemas.microsoft.com/sharepoint/v3" xsi:nil="true"/>
+    <_ip_UnifiedCompliancePolicyProperties xmlns="http://schemas.microsoft.com/sharepoint/v3" xsi:nil="true"/>
+  </documentManagement>
+</p:properties>
+</file>
+
+<file path=customXml/item2.xml><?xml version="1.0" encoding="utf-8"?>
 <?mso-contentType ?>
 <FormTemplates xmlns="http://schemas.microsoft.com/sharepoint/v3/contenttype/forms">
   <Display>DocumentLibraryForm</Display>
   <Edit>DocumentLibraryForm</Edit>
   <New>DocumentLibraryForm</New>
 </FormTemplates>
-</file>
-
-<file path=customXml/item2.xml><?xml version="1.0" encoding="utf-8"?>
-<p:properties xmlns:p="http://schemas.microsoft.com/office/2006/metadata/properties" xmlns:xsi="http://www.w3.org/2001/XMLSchema-instance" xmlns:pc="http://schemas.microsoft.com/office/infopath/2007/PartnerControls">
-  <documentManagement>
-    <_ip_UnifiedCompliancePolicyUIAction xmlns="http://schemas.microsoft.com/sharepoint/v3" xsi:nil="true"/>
-    <_ip_UnifiedCompliancePolicyProperties xmlns="http://schemas.microsoft.com/sharepoint/v3" xsi:nil="true"/>
-  </documentManagement>
-</p:properties>
 </file>
 
 <file path=customXml/item3.xml><?xml version="1.0" encoding="utf-8"?>
@@ -22400,27 +25373,27 @@
 </file>
 
 <file path=customXml/itemProps1.xml><?xml version="1.0" encoding="utf-8"?>
-<ds:datastoreItem xmlns:ds="http://schemas.openxmlformats.org/officeDocument/2006/customXml" ds:itemID="{883E0B16-80BF-4868-8813-6B17170D724D}">
+<ds:datastoreItem xmlns:ds="http://schemas.openxmlformats.org/officeDocument/2006/customXml" ds:itemID="{4DA1C8E2-513F-4C9C-99C7-9AE0E7429B06}">
   <ds:schemaRefs>
-    <ds:schemaRef ds:uri="http://schemas.microsoft.com/sharepoint/v3/contenttype/forms"/>
+    <ds:schemaRef ds:uri="http://www.w3.org/XML/1998/namespace"/>
+    <ds:schemaRef ds:uri="http://schemas.microsoft.com/office/2006/metadata/properties"/>
+    <ds:schemaRef ds:uri="http://purl.org/dc/terms/"/>
+    <ds:schemaRef ds:uri="6dc4bcd6-49db-4c07-9060-8acfc67cef9f"/>
+    <ds:schemaRef ds:uri="fb0879af-3eba-417a-a55a-ffe6dcd6ca77"/>
+    <ds:schemaRef ds:uri="http://schemas.microsoft.com/office/infopath/2007/PartnerControls"/>
+    <ds:schemaRef ds:uri="http://schemas.openxmlformats.org/package/2006/metadata/core-properties"/>
+    <ds:schemaRef ds:uri="http://purl.org/dc/elements/1.1/"/>
+    <ds:schemaRef ds:uri="http://schemas.microsoft.com/office/2006/documentManagement/types"/>
+    <ds:schemaRef ds:uri="http://schemas.microsoft.com/sharepoint/v3"/>
+    <ds:schemaRef ds:uri="http://purl.org/dc/dcmitype/"/>
   </ds:schemaRefs>
 </ds:datastoreItem>
 </file>
 
 <file path=customXml/itemProps2.xml><?xml version="1.0" encoding="utf-8"?>
-<ds:datastoreItem xmlns:ds="http://schemas.openxmlformats.org/officeDocument/2006/customXml" ds:itemID="{4DA1C8E2-513F-4C9C-99C7-9AE0E7429B06}">
+<ds:datastoreItem xmlns:ds="http://schemas.openxmlformats.org/officeDocument/2006/customXml" ds:itemID="{883E0B16-80BF-4868-8813-6B17170D724D}">
   <ds:schemaRefs>
-    <ds:schemaRef ds:uri="http://www.w3.org/XML/1998/namespace"/>
-    <ds:schemaRef ds:uri="http://schemas.microsoft.com/office/infopath/2007/PartnerControls"/>
-    <ds:schemaRef ds:uri="http://schemas.microsoft.com/office/2006/documentManagement/types"/>
-    <ds:schemaRef ds:uri="fb0879af-3eba-417a-a55a-ffe6dcd6ca77"/>
-    <ds:schemaRef ds:uri="http://purl.org/dc/terms/"/>
-    <ds:schemaRef ds:uri="http://purl.org/dc/elements/1.1/"/>
-    <ds:schemaRef ds:uri="http://schemas.microsoft.com/office/2006/metadata/properties"/>
-    <ds:schemaRef ds:uri="http://schemas.microsoft.com/sharepoint/v3"/>
-    <ds:schemaRef ds:uri="http://schemas.openxmlformats.org/package/2006/metadata/core-properties"/>
-    <ds:schemaRef ds:uri="6dc4bcd6-49db-4c07-9060-8acfc67cef9f"/>
-    <ds:schemaRef ds:uri="http://purl.org/dc/dcmitype/"/>
+    <ds:schemaRef ds:uri="http://schemas.microsoft.com/sharepoint/v3/contenttype/forms"/>
   </ds:schemaRefs>
 </ds:datastoreItem>
 </file>

--- a/Samsung/Lesson3/Operation.pptx
+++ b/Samsung/Lesson3/Operation.pptx
@@ -5,10 +5,10 @@
     <p:sldMasterId id="2147483840" r:id="rId4"/>
   </p:sldMasterIdLst>
   <p:notesMasterIdLst>
-    <p:notesMasterId r:id="rId30"/>
+    <p:notesMasterId r:id="rId27"/>
   </p:notesMasterIdLst>
   <p:handoutMasterIdLst>
-    <p:handoutMasterId r:id="rId31"/>
+    <p:handoutMasterId r:id="rId28"/>
   </p:handoutMasterIdLst>
   <p:sldIdLst>
     <p:sldId id="256" r:id="rId5"/>
@@ -33,9 +33,6 @@
     <p:sldId id="324" r:id="rId24"/>
     <p:sldId id="325" r:id="rId25"/>
     <p:sldId id="326" r:id="rId26"/>
-    <p:sldId id="319" r:id="rId27"/>
-    <p:sldId id="322" r:id="rId28"/>
-    <p:sldId id="323" r:id="rId29"/>
   </p:sldIdLst>
   <p:sldSz cx="12192000" cy="6858000"/>
   <p:notesSz cx="6858000" cy="9144000"/>
@@ -19670,393 +19667,6 @@
     <p:extLst>
       <p:ext uri="{BB962C8B-B14F-4D97-AF65-F5344CB8AC3E}">
         <p14:creationId xmlns:p14="http://schemas.microsoft.com/office/powerpoint/2010/main" val="211306266"/>
-      </p:ext>
-    </p:extLst>
-  </p:cSld>
-  <p:clrMapOvr>
-    <a:masterClrMapping/>
-  </p:clrMapOvr>
-</p:sld>
-</file>
-
-<file path=ppt/slides/slide23.xml><?xml version="1.0" encoding="utf-8"?>
-<p:sld xmlns:a="http://schemas.openxmlformats.org/drawingml/2006/main" xmlns:r="http://schemas.openxmlformats.org/officeDocument/2006/relationships" xmlns:p="http://schemas.openxmlformats.org/presentationml/2006/main">
-  <p:cSld>
-    <p:spTree>
-      <p:nvGrpSpPr>
-        <p:cNvPr id="1" name=""/>
-        <p:cNvGrpSpPr/>
-        <p:nvPr/>
-      </p:nvGrpSpPr>
-      <p:grpSpPr>
-        <a:xfrm>
-          <a:off x="0" y="0"/>
-          <a:ext cx="0" cy="0"/>
-          <a:chOff x="0" y="0"/>
-          <a:chExt cx="0" cy="0"/>
-        </a:xfrm>
-      </p:grpSpPr>
-      <p:sp>
-        <p:nvSpPr>
-          <p:cNvPr id="108" name="CustomShape 1"/>
-          <p:cNvSpPr/>
-          <p:nvPr/>
-        </p:nvSpPr>
-        <p:spPr>
-          <a:xfrm>
-            <a:off x="1399154" y="517330"/>
-            <a:ext cx="7882920" cy="759240"/>
-          </a:xfrm>
-          <a:prstGeom prst="rect">
-            <a:avLst/>
-          </a:prstGeom>
-          <a:noFill/>
-          <a:ln>
-            <a:noFill/>
-          </a:ln>
-        </p:spPr>
-        <p:style>
-          <a:lnRef idx="0">
-            <a:scrgbClr r="0" g="0" b="0"/>
-          </a:lnRef>
-          <a:fillRef idx="0">
-            <a:scrgbClr r="0" g="0" b="0"/>
-          </a:fillRef>
-          <a:effectRef idx="0">
-            <a:scrgbClr r="0" g="0" b="0"/>
-          </a:effectRef>
-          <a:fontRef idx="minor"/>
-        </p:style>
-        <p:txBody>
-          <a:bodyPr lIns="90000" tIns="45000" rIns="90000" bIns="45000" anchor="ctr">
-            <a:normAutofit/>
-          </a:bodyPr>
-          <a:lstStyle/>
-          <a:p>
-            <a:pPr algn="ctr">
-              <a:lnSpc>
-                <a:spcPct val="100000"/>
-              </a:lnSpc>
-            </a:pPr>
-            <a:r>
-              <a:rPr lang="ru-RU" sz="3200" b="1" cap="all" spc="-100" dirty="0">
-                <a:solidFill>
-                  <a:srgbClr val="7030A0"/>
-                </a:solidFill>
-                <a:latin typeface="Segoe Print" panose="02000600000000000000" pitchFamily="2" charset="0"/>
-              </a:rPr>
-              <a:t>Логический сдвиг</a:t>
-            </a:r>
-          </a:p>
-        </p:txBody>
-      </p:sp>
-      <p:pic>
-        <p:nvPicPr>
-          <p:cNvPr id="4100" name="Picture 4">
-            <a:extLst>
-              <a:ext uri="{FF2B5EF4-FFF2-40B4-BE49-F238E27FC236}">
-                <a16:creationId xmlns:a16="http://schemas.microsoft.com/office/drawing/2014/main" id="{96C8F80B-98B1-4254-B0D1-B0281AC19823}"/>
-              </a:ext>
-            </a:extLst>
-          </p:cNvPr>
-          <p:cNvPicPr>
-            <a:picLocks noChangeAspect="1" noChangeArrowheads="1"/>
-          </p:cNvPicPr>
-          <p:nvPr/>
-        </p:nvPicPr>
-        <p:blipFill rotWithShape="1">
-          <a:blip r:embed="rId2">
-            <a:extLst>
-              <a:ext uri="{28A0092B-C50C-407E-A947-70E740481C1C}">
-                <a14:useLocalDpi xmlns:a14="http://schemas.microsoft.com/office/drawing/2010/main" val="0"/>
-              </a:ext>
-            </a:extLst>
-          </a:blip>
-          <a:srcRect t="12511"/>
-          <a:stretch/>
-        </p:blipFill>
-        <p:spPr bwMode="auto">
-          <a:xfrm>
-            <a:off x="411339" y="1529407"/>
-            <a:ext cx="8269817" cy="5418903"/>
-          </a:xfrm>
-          <a:prstGeom prst="rect">
-            <a:avLst/>
-          </a:prstGeom>
-          <a:noFill/>
-          <a:extLst>
-            <a:ext uri="{909E8E84-426E-40DD-AFC4-6F175D3DCCD1}">
-              <a14:hiddenFill xmlns:a14="http://schemas.microsoft.com/office/drawing/2010/main">
-                <a:solidFill>
-                  <a:srgbClr val="FFFFFF"/>
-                </a:solidFill>
-              </a14:hiddenFill>
-            </a:ext>
-          </a:extLst>
-        </p:spPr>
-      </p:pic>
-    </p:spTree>
-    <p:extLst>
-      <p:ext uri="{BB962C8B-B14F-4D97-AF65-F5344CB8AC3E}">
-        <p14:creationId xmlns:p14="http://schemas.microsoft.com/office/powerpoint/2010/main" val="3391693753"/>
-      </p:ext>
-    </p:extLst>
-  </p:cSld>
-  <p:clrMapOvr>
-    <a:masterClrMapping/>
-  </p:clrMapOvr>
-</p:sld>
-</file>
-
-<file path=ppt/slides/slide24.xml><?xml version="1.0" encoding="utf-8"?>
-<p:sld xmlns:a="http://schemas.openxmlformats.org/drawingml/2006/main" xmlns:r="http://schemas.openxmlformats.org/officeDocument/2006/relationships" xmlns:p="http://schemas.openxmlformats.org/presentationml/2006/main">
-  <p:cSld>
-    <p:spTree>
-      <p:nvGrpSpPr>
-        <p:cNvPr id="1" name=""/>
-        <p:cNvGrpSpPr/>
-        <p:nvPr/>
-      </p:nvGrpSpPr>
-      <p:grpSpPr>
-        <a:xfrm>
-          <a:off x="0" y="0"/>
-          <a:ext cx="0" cy="0"/>
-          <a:chOff x="0" y="0"/>
-          <a:chExt cx="0" cy="0"/>
-        </a:xfrm>
-      </p:grpSpPr>
-      <p:sp>
-        <p:nvSpPr>
-          <p:cNvPr id="108" name="CustomShape 1"/>
-          <p:cNvSpPr/>
-          <p:nvPr/>
-        </p:nvSpPr>
-        <p:spPr>
-          <a:xfrm>
-            <a:off x="1399154" y="517330"/>
-            <a:ext cx="7882920" cy="759240"/>
-          </a:xfrm>
-          <a:prstGeom prst="rect">
-            <a:avLst/>
-          </a:prstGeom>
-          <a:noFill/>
-          <a:ln>
-            <a:noFill/>
-          </a:ln>
-        </p:spPr>
-        <p:style>
-          <a:lnRef idx="0">
-            <a:scrgbClr r="0" g="0" b="0"/>
-          </a:lnRef>
-          <a:fillRef idx="0">
-            <a:scrgbClr r="0" g="0" b="0"/>
-          </a:fillRef>
-          <a:effectRef idx="0">
-            <a:scrgbClr r="0" g="0" b="0"/>
-          </a:effectRef>
-          <a:fontRef idx="minor"/>
-        </p:style>
-        <p:txBody>
-          <a:bodyPr lIns="90000" tIns="45000" rIns="90000" bIns="45000" anchor="ctr">
-            <a:normAutofit/>
-          </a:bodyPr>
-          <a:lstStyle/>
-          <a:p>
-            <a:pPr algn="ctr">
-              <a:lnSpc>
-                <a:spcPct val="100000"/>
-              </a:lnSpc>
-            </a:pPr>
-            <a:r>
-              <a:rPr lang="ru-RU" sz="3200" b="1" cap="all" spc="-100" dirty="0">
-                <a:solidFill>
-                  <a:srgbClr val="7030A0"/>
-                </a:solidFill>
-                <a:latin typeface="Segoe Print" panose="02000600000000000000" pitchFamily="2" charset="0"/>
-              </a:rPr>
-              <a:t>Логический сдвиг</a:t>
-            </a:r>
-          </a:p>
-        </p:txBody>
-      </p:sp>
-      <p:pic>
-        <p:nvPicPr>
-          <p:cNvPr id="7170" name="Picture 2">
-            <a:extLst>
-              <a:ext uri="{FF2B5EF4-FFF2-40B4-BE49-F238E27FC236}">
-                <a16:creationId xmlns:a16="http://schemas.microsoft.com/office/drawing/2014/main" id="{7206708E-2F28-46C7-948B-117DEA426834}"/>
-              </a:ext>
-            </a:extLst>
-          </p:cNvPr>
-          <p:cNvPicPr>
-            <a:picLocks noChangeAspect="1" noChangeArrowheads="1"/>
-          </p:cNvPicPr>
-          <p:nvPr/>
-        </p:nvPicPr>
-        <p:blipFill rotWithShape="1">
-          <a:blip r:embed="rId2">
-            <a:extLst>
-              <a:ext uri="{28A0092B-C50C-407E-A947-70E740481C1C}">
-                <a14:useLocalDpi xmlns:a14="http://schemas.microsoft.com/office/drawing/2010/main" val="0"/>
-              </a:ext>
-            </a:extLst>
-          </a:blip>
-          <a:srcRect t="11853" b="23292"/>
-          <a:stretch/>
-        </p:blipFill>
-        <p:spPr bwMode="auto">
-          <a:xfrm>
-            <a:off x="1122539" y="1659466"/>
-            <a:ext cx="9156700" cy="4447822"/>
-          </a:xfrm>
-          <a:prstGeom prst="rect">
-            <a:avLst/>
-          </a:prstGeom>
-          <a:noFill/>
-          <a:extLst>
-            <a:ext uri="{909E8E84-426E-40DD-AFC4-6F175D3DCCD1}">
-              <a14:hiddenFill xmlns:a14="http://schemas.microsoft.com/office/drawing/2010/main">
-                <a:solidFill>
-                  <a:srgbClr val="FFFFFF"/>
-                </a:solidFill>
-              </a14:hiddenFill>
-            </a:ext>
-          </a:extLst>
-        </p:spPr>
-      </p:pic>
-    </p:spTree>
-    <p:extLst>
-      <p:ext uri="{BB962C8B-B14F-4D97-AF65-F5344CB8AC3E}">
-        <p14:creationId xmlns:p14="http://schemas.microsoft.com/office/powerpoint/2010/main" val="2347612771"/>
-      </p:ext>
-    </p:extLst>
-  </p:cSld>
-  <p:clrMapOvr>
-    <a:masterClrMapping/>
-  </p:clrMapOvr>
-</p:sld>
-</file>
-
-<file path=ppt/slides/slide25.xml><?xml version="1.0" encoding="utf-8"?>
-<p:sld xmlns:a="http://schemas.openxmlformats.org/drawingml/2006/main" xmlns:r="http://schemas.openxmlformats.org/officeDocument/2006/relationships" xmlns:p="http://schemas.openxmlformats.org/presentationml/2006/main">
-  <p:cSld>
-    <p:spTree>
-      <p:nvGrpSpPr>
-        <p:cNvPr id="1" name=""/>
-        <p:cNvGrpSpPr/>
-        <p:nvPr/>
-      </p:nvGrpSpPr>
-      <p:grpSpPr>
-        <a:xfrm>
-          <a:off x="0" y="0"/>
-          <a:ext cx="0" cy="0"/>
-          <a:chOff x="0" y="0"/>
-          <a:chExt cx="0" cy="0"/>
-        </a:xfrm>
-      </p:grpSpPr>
-      <p:sp>
-        <p:nvSpPr>
-          <p:cNvPr id="108" name="CustomShape 1"/>
-          <p:cNvSpPr/>
-          <p:nvPr/>
-        </p:nvSpPr>
-        <p:spPr>
-          <a:xfrm>
-            <a:off x="1399154" y="517330"/>
-            <a:ext cx="7882920" cy="759240"/>
-          </a:xfrm>
-          <a:prstGeom prst="rect">
-            <a:avLst/>
-          </a:prstGeom>
-          <a:noFill/>
-          <a:ln>
-            <a:noFill/>
-          </a:ln>
-        </p:spPr>
-        <p:style>
-          <a:lnRef idx="0">
-            <a:scrgbClr r="0" g="0" b="0"/>
-          </a:lnRef>
-          <a:fillRef idx="0">
-            <a:scrgbClr r="0" g="0" b="0"/>
-          </a:fillRef>
-          <a:effectRef idx="0">
-            <a:scrgbClr r="0" g="0" b="0"/>
-          </a:effectRef>
-          <a:fontRef idx="minor"/>
-        </p:style>
-        <p:txBody>
-          <a:bodyPr lIns="90000" tIns="45000" rIns="90000" bIns="45000" anchor="ctr">
-            <a:normAutofit/>
-          </a:bodyPr>
-          <a:lstStyle/>
-          <a:p>
-            <a:pPr algn="ctr">
-              <a:lnSpc>
-                <a:spcPct val="100000"/>
-              </a:lnSpc>
-            </a:pPr>
-            <a:r>
-              <a:rPr lang="ru-RU" sz="3200" b="1" cap="all" spc="-100" dirty="0">
-                <a:solidFill>
-                  <a:srgbClr val="7030A0"/>
-                </a:solidFill>
-                <a:latin typeface="Segoe Print" panose="02000600000000000000" pitchFamily="2" charset="0"/>
-              </a:rPr>
-              <a:t>арифметический сдвиг</a:t>
-            </a:r>
-          </a:p>
-        </p:txBody>
-      </p:sp>
-      <p:pic>
-        <p:nvPicPr>
-          <p:cNvPr id="8194" name="Picture 2">
-            <a:extLst>
-              <a:ext uri="{FF2B5EF4-FFF2-40B4-BE49-F238E27FC236}">
-                <a16:creationId xmlns:a16="http://schemas.microsoft.com/office/drawing/2014/main" id="{BB3478AF-396E-444D-8BE7-E4FE65F43136}"/>
-              </a:ext>
-            </a:extLst>
-          </p:cNvPr>
-          <p:cNvPicPr>
-            <a:picLocks noChangeAspect="1" noChangeArrowheads="1"/>
-          </p:cNvPicPr>
-          <p:nvPr/>
-        </p:nvPicPr>
-        <p:blipFill rotWithShape="1">
-          <a:blip r:embed="rId2">
-            <a:extLst>
-              <a:ext uri="{28A0092B-C50C-407E-A947-70E740481C1C}">
-                <a14:useLocalDpi xmlns:a14="http://schemas.microsoft.com/office/drawing/2010/main" val="0"/>
-              </a:ext>
-            </a:extLst>
-          </a:blip>
-          <a:srcRect t="12181"/>
-          <a:stretch/>
-        </p:blipFill>
-        <p:spPr bwMode="auto">
-          <a:xfrm>
-            <a:off x="1246717" y="1704622"/>
-            <a:ext cx="7835115" cy="5153378"/>
-          </a:xfrm>
-          <a:prstGeom prst="rect">
-            <a:avLst/>
-          </a:prstGeom>
-          <a:noFill/>
-          <a:extLst>
-            <a:ext uri="{909E8E84-426E-40DD-AFC4-6F175D3DCCD1}">
-              <a14:hiddenFill xmlns:a14="http://schemas.microsoft.com/office/drawing/2010/main">
-                <a:solidFill>
-                  <a:srgbClr val="FFFFFF"/>
-                </a:solidFill>
-              </a14:hiddenFill>
-            </a:ext>
-          </a:extLst>
-        </p:spPr>
-      </p:pic>
-    </p:spTree>
-    <p:extLst>
-      <p:ext uri="{BB962C8B-B14F-4D97-AF65-F5344CB8AC3E}">
-        <p14:creationId xmlns:p14="http://schemas.microsoft.com/office/powerpoint/2010/main" val="2452772030"/>
       </p:ext>
     </p:extLst>
   </p:cSld>
@@ -24493,24 +24103,6 @@
 </file>
 
 <file path=customXml/item1.xml><?xml version="1.0" encoding="utf-8"?>
-<?mso-contentType ?>
-<FormTemplates xmlns="http://schemas.microsoft.com/sharepoint/v3/contenttype/forms">
-  <Display>DocumentLibraryForm</Display>
-  <Edit>DocumentLibraryForm</Edit>
-  <New>DocumentLibraryForm</New>
-</FormTemplates>
-</file>
-
-<file path=customXml/item2.xml><?xml version="1.0" encoding="utf-8"?>
-<p:properties xmlns:p="http://schemas.microsoft.com/office/2006/metadata/properties" xmlns:xsi="http://www.w3.org/2001/XMLSchema-instance" xmlns:pc="http://schemas.microsoft.com/office/infopath/2007/PartnerControls">
-  <documentManagement>
-    <_ip_UnifiedCompliancePolicyUIAction xmlns="http://schemas.microsoft.com/sharepoint/v3" xsi:nil="true"/>
-    <_ip_UnifiedCompliancePolicyProperties xmlns="http://schemas.microsoft.com/sharepoint/v3" xsi:nil="true"/>
-  </documentManagement>
-</p:properties>
-</file>
-
-<file path=customXml/item3.xml><?xml version="1.0" encoding="utf-8"?>
 <ct:contentTypeSchema xmlns:ct="http://schemas.microsoft.com/office/2006/metadata/contentType" xmlns:ma="http://schemas.microsoft.com/office/2006/metadata/properties/metaAttributes" ct:_="" ma:_="" ma:contentTypeName="Document" ma:contentTypeID="0x010100DEEA25CC0A0AC24199CDC46C25B8B0BC" ma:contentTypeVersion="10" ma:contentTypeDescription="Create a new document." ma:contentTypeScope="" ma:versionID="e3b47856d4cf355c0dacb39e1084d14f">
   <xsd:schema xmlns:xsd="http://www.w3.org/2001/XMLSchema" xmlns:xs="http://www.w3.org/2001/XMLSchema" xmlns:p="http://schemas.microsoft.com/office/2006/metadata/properties" xmlns:ns1="http://schemas.microsoft.com/sharepoint/v3" xmlns:ns2="6dc4bcd6-49db-4c07-9060-8acfc67cef9f" xmlns:ns3="fb0879af-3eba-417a-a55a-ffe6dcd6ca77" targetNamespace="http://schemas.microsoft.com/office/2006/metadata/properties" ma:root="true" ma:fieldsID="a845a615265fdb1f7b12cc65ac20ecbd" ns1:_="" ns2:_="" ns3:_="">
     <xsd:import namespace="http://schemas.microsoft.com/sharepoint/v3"/>
@@ -24718,10 +24310,40 @@
 </ct:contentTypeSchema>
 </file>
 
+<file path=customXml/item2.xml><?xml version="1.0" encoding="utf-8"?>
+<p:properties xmlns:p="http://schemas.microsoft.com/office/2006/metadata/properties" xmlns:xsi="http://www.w3.org/2001/XMLSchema-instance" xmlns:pc="http://schemas.microsoft.com/office/infopath/2007/PartnerControls">
+  <documentManagement>
+    <_ip_UnifiedCompliancePolicyUIAction xmlns="http://schemas.microsoft.com/sharepoint/v3" xsi:nil="true"/>
+    <_ip_UnifiedCompliancePolicyProperties xmlns="http://schemas.microsoft.com/sharepoint/v3" xsi:nil="true"/>
+  </documentManagement>
+</p:properties>
+</file>
+
+<file path=customXml/item3.xml><?xml version="1.0" encoding="utf-8"?>
+<?mso-contentType ?>
+<FormTemplates xmlns="http://schemas.microsoft.com/sharepoint/v3/contenttype/forms">
+  <Display>DocumentLibraryForm</Display>
+  <Edit>DocumentLibraryForm</Edit>
+  <New>DocumentLibraryForm</New>
+</FormTemplates>
+</file>
+
 <file path=customXml/itemProps1.xml><?xml version="1.0" encoding="utf-8"?>
-<ds:datastoreItem xmlns:ds="http://schemas.openxmlformats.org/officeDocument/2006/customXml" ds:itemID="{883E0B16-80BF-4868-8813-6B17170D724D}">
+<ds:datastoreItem xmlns:ds="http://schemas.openxmlformats.org/officeDocument/2006/customXml" ds:itemID="{3BFA294F-07D1-46AB-ABEC-1B0200FE30AB}">
   <ds:schemaRefs>
-    <ds:schemaRef ds:uri="http://schemas.microsoft.com/sharepoint/v3/contenttype/forms"/>
+    <ds:schemaRef ds:uri="http://schemas.microsoft.com/office/2006/metadata/contentType"/>
+    <ds:schemaRef ds:uri="http://schemas.microsoft.com/office/2006/metadata/properties/metaAttributes"/>
+    <ds:schemaRef ds:uri="http://www.w3.org/2001/XMLSchema"/>
+    <ds:schemaRef ds:uri="http://schemas.microsoft.com/office/2006/metadata/properties"/>
+    <ds:schemaRef ds:uri="http://schemas.microsoft.com/sharepoint/v3"/>
+    <ds:schemaRef ds:uri="6dc4bcd6-49db-4c07-9060-8acfc67cef9f"/>
+    <ds:schemaRef ds:uri="fb0879af-3eba-417a-a55a-ffe6dcd6ca77"/>
+    <ds:schemaRef ds:uri="http://schemas.microsoft.com/office/2006/documentManagement/types"/>
+    <ds:schemaRef ds:uri="http://schemas.microsoft.com/office/infopath/2007/PartnerControls"/>
+    <ds:schemaRef ds:uri="http://schemas.openxmlformats.org/package/2006/metadata/core-properties"/>
+    <ds:schemaRef ds:uri="http://purl.org/dc/elements/1.1/"/>
+    <ds:schemaRef ds:uri="http://purl.org/dc/terms/"/>
+    <ds:schemaRef ds:uri="http://schemas.microsoft.com/internal/obd"/>
   </ds:schemaRefs>
 </ds:datastoreItem>
 </file>
@@ -24745,21 +24367,9 @@
 </file>
 
 <file path=customXml/itemProps3.xml><?xml version="1.0" encoding="utf-8"?>
-<ds:datastoreItem xmlns:ds="http://schemas.openxmlformats.org/officeDocument/2006/customXml" ds:itemID="{3BFA294F-07D1-46AB-ABEC-1B0200FE30AB}">
+<ds:datastoreItem xmlns:ds="http://schemas.openxmlformats.org/officeDocument/2006/customXml" ds:itemID="{883E0B16-80BF-4868-8813-6B17170D724D}">
   <ds:schemaRefs>
-    <ds:schemaRef ds:uri="http://schemas.microsoft.com/office/2006/metadata/contentType"/>
-    <ds:schemaRef ds:uri="http://schemas.microsoft.com/office/2006/metadata/properties/metaAttributes"/>
-    <ds:schemaRef ds:uri="http://www.w3.org/2001/XMLSchema"/>
-    <ds:schemaRef ds:uri="http://schemas.microsoft.com/office/2006/metadata/properties"/>
-    <ds:schemaRef ds:uri="http://schemas.microsoft.com/sharepoint/v3"/>
-    <ds:schemaRef ds:uri="6dc4bcd6-49db-4c07-9060-8acfc67cef9f"/>
-    <ds:schemaRef ds:uri="fb0879af-3eba-417a-a55a-ffe6dcd6ca77"/>
-    <ds:schemaRef ds:uri="http://schemas.microsoft.com/office/2006/documentManagement/types"/>
-    <ds:schemaRef ds:uri="http://schemas.microsoft.com/office/infopath/2007/PartnerControls"/>
-    <ds:schemaRef ds:uri="http://schemas.openxmlformats.org/package/2006/metadata/core-properties"/>
-    <ds:schemaRef ds:uri="http://purl.org/dc/elements/1.1/"/>
-    <ds:schemaRef ds:uri="http://purl.org/dc/terms/"/>
-    <ds:schemaRef ds:uri="http://schemas.microsoft.com/internal/obd"/>
+    <ds:schemaRef ds:uri="http://schemas.microsoft.com/sharepoint/v3/contenttype/forms"/>
   </ds:schemaRefs>
 </ds:datastoreItem>
 </file>